--- a/Projekat iz primenjenih teorija igara.pptx
+++ b/Projekat iz primenjenih teorija igara.pptx
@@ -19,11 +19,11 @@
     <p:sldId id="319" r:id="rId10"/>
     <p:sldId id="320" r:id="rId11"/>
     <p:sldId id="321" r:id="rId12"/>
-    <p:sldId id="322" r:id="rId13"/>
-    <p:sldId id="323" r:id="rId14"/>
-    <p:sldId id="324" r:id="rId15"/>
-    <p:sldId id="325" r:id="rId16"/>
-    <p:sldId id="309" r:id="rId17"/>
+    <p:sldId id="326" r:id="rId13"/>
+    <p:sldId id="327" r:id="rId14"/>
+    <p:sldId id="328" r:id="rId15"/>
+    <p:sldId id="322" r:id="rId16"/>
+    <p:sldId id="329" r:id="rId17"/>
   </p:sldIdLst>
   <p:sldSz cx="12192000" cy="6858000"/>
   <p:notesSz cx="6858000" cy="9144000"/>
@@ -250,7 +250,7 @@
           <a:p>
             <a:fld id="{F352A77B-D33C-49B3-A83C-450AA2ED72B3}" type="datetimeFigureOut">
               <a:rPr lang="en-US" smtClean="0"/>
-              <a:t>10/20/2025</a:t>
+              <a:t>10/22/2025</a:t>
             </a:fld>
             <a:endParaRPr lang="en-US" dirty="0"/>
           </a:p>
@@ -427,7 +427,7 @@
           <a:p>
             <a:fld id="{E38D8F9A-F5CB-4EF8-A859-ED5E107B9763}" type="datetimeFigureOut">
               <a:rPr lang="en-US" smtClean="0"/>
-              <a:t>10/20/2025</a:t>
+              <a:t>10/22/2025</a:t>
             </a:fld>
             <a:endParaRPr lang="en-US" dirty="0"/>
           </a:p>
@@ -783,7 +783,13 @@
   <p:cSld>
     <p:spTree>
       <p:nvGrpSpPr>
-        <p:cNvPr id="1" name=""/>
+        <p:cNvPr id="1" name="">
+          <a:extLst>
+            <a:ext uri="{FF2B5EF4-FFF2-40B4-BE49-F238E27FC236}">
+              <a16:creationId xmlns:a16="http://schemas.microsoft.com/office/drawing/2014/main" id="{259E00D6-D66C-BE7E-9021-2120D43DE40D}"/>
+            </a:ext>
+          </a:extLst>
+        </p:cNvPr>
         <p:cNvGrpSpPr/>
         <p:nvPr/>
       </p:nvGrpSpPr>
@@ -797,7 +803,13 @@
       </p:grpSpPr>
       <p:sp>
         <p:nvSpPr>
-          <p:cNvPr id="2" name="Slide Image Placeholder 1"/>
+          <p:cNvPr id="2" name="Slide Image Placeholder 1">
+            <a:extLst>
+              <a:ext uri="{FF2B5EF4-FFF2-40B4-BE49-F238E27FC236}">
+                <a16:creationId xmlns:a16="http://schemas.microsoft.com/office/drawing/2014/main" id="{659373CF-D920-4887-D72C-1D553418CF9C}"/>
+              </a:ext>
+            </a:extLst>
+          </p:cNvPr>
           <p:cNvSpPr>
             <a:spLocks noGrp="1" noRot="1" noChangeAspect="1"/>
           </p:cNvSpPr>
@@ -809,7 +821,13 @@
       </p:sp>
       <p:sp>
         <p:nvSpPr>
-          <p:cNvPr id="3" name="Notes Placeholder 2"/>
+          <p:cNvPr id="3" name="Notes Placeholder 2">
+            <a:extLst>
+              <a:ext uri="{FF2B5EF4-FFF2-40B4-BE49-F238E27FC236}">
+                <a16:creationId xmlns:a16="http://schemas.microsoft.com/office/drawing/2014/main" id="{E6D391DB-6931-E3D7-DD4A-694B79BA4461}"/>
+              </a:ext>
+            </a:extLst>
+          </p:cNvPr>
           <p:cNvSpPr>
             <a:spLocks noGrp="1"/>
           </p:cNvSpPr>
@@ -828,7 +846,13 @@
       </p:sp>
       <p:sp>
         <p:nvSpPr>
-          <p:cNvPr id="4" name="Slide Number Placeholder 3"/>
+          <p:cNvPr id="4" name="Slide Number Placeholder 3">
+            <a:extLst>
+              <a:ext uri="{FF2B5EF4-FFF2-40B4-BE49-F238E27FC236}">
+                <a16:creationId xmlns:a16="http://schemas.microsoft.com/office/drawing/2014/main" id="{741CBC56-76D5-59E8-B88B-D0B76CC1C121}"/>
+              </a:ext>
+            </a:extLst>
+          </p:cNvPr>
           <p:cNvSpPr>
             <a:spLocks noGrp="1"/>
           </p:cNvSpPr>
@@ -852,7 +876,7 @@
     </p:spTree>
     <p:extLst>
       <p:ext uri="{BB962C8B-B14F-4D97-AF65-F5344CB8AC3E}">
-        <p14:creationId xmlns:p14="http://schemas.microsoft.com/office/powerpoint/2010/main" val="4110010862"/>
+        <p14:creationId xmlns:p14="http://schemas.microsoft.com/office/powerpoint/2010/main" val="72513363"/>
       </p:ext>
     </p:extLst>
   </p:cSld>
@@ -867,7 +891,13 @@
   <p:cSld>
     <p:spTree>
       <p:nvGrpSpPr>
-        <p:cNvPr id="1" name=""/>
+        <p:cNvPr id="1" name="">
+          <a:extLst>
+            <a:ext uri="{FF2B5EF4-FFF2-40B4-BE49-F238E27FC236}">
+              <a16:creationId xmlns:a16="http://schemas.microsoft.com/office/drawing/2014/main" id="{9A3C419D-B28D-C87A-E540-E1EB11AEA6D2}"/>
+            </a:ext>
+          </a:extLst>
+        </p:cNvPr>
         <p:cNvGrpSpPr/>
         <p:nvPr/>
       </p:nvGrpSpPr>
@@ -881,7 +911,13 @@
       </p:grpSpPr>
       <p:sp>
         <p:nvSpPr>
-          <p:cNvPr id="2" name="Slide Image Placeholder 1"/>
+          <p:cNvPr id="2" name="Slide Image Placeholder 1">
+            <a:extLst>
+              <a:ext uri="{FF2B5EF4-FFF2-40B4-BE49-F238E27FC236}">
+                <a16:creationId xmlns:a16="http://schemas.microsoft.com/office/drawing/2014/main" id="{1E809681-4115-4821-34AC-093E6711DED7}"/>
+              </a:ext>
+            </a:extLst>
+          </p:cNvPr>
           <p:cNvSpPr>
             <a:spLocks noGrp="1" noRot="1" noChangeAspect="1"/>
           </p:cNvSpPr>
@@ -893,7 +929,13 @@
       </p:sp>
       <p:sp>
         <p:nvSpPr>
-          <p:cNvPr id="3" name="Notes Placeholder 2"/>
+          <p:cNvPr id="3" name="Notes Placeholder 2">
+            <a:extLst>
+              <a:ext uri="{FF2B5EF4-FFF2-40B4-BE49-F238E27FC236}">
+                <a16:creationId xmlns:a16="http://schemas.microsoft.com/office/drawing/2014/main" id="{28B1E630-F18D-14C1-6750-87C2035E845B}"/>
+              </a:ext>
+            </a:extLst>
+          </p:cNvPr>
           <p:cNvSpPr>
             <a:spLocks noGrp="1"/>
           </p:cNvSpPr>
@@ -912,7 +954,13 @@
       </p:sp>
       <p:sp>
         <p:nvSpPr>
-          <p:cNvPr id="4" name="Slide Number Placeholder 3"/>
+          <p:cNvPr id="4" name="Slide Number Placeholder 3">
+            <a:extLst>
+              <a:ext uri="{FF2B5EF4-FFF2-40B4-BE49-F238E27FC236}">
+                <a16:creationId xmlns:a16="http://schemas.microsoft.com/office/drawing/2014/main" id="{609813D4-CA43-0A0B-BEE2-516CECA09EE2}"/>
+              </a:ext>
+            </a:extLst>
+          </p:cNvPr>
           <p:cNvSpPr>
             <a:spLocks noGrp="1"/>
           </p:cNvSpPr>
@@ -936,7 +984,7 @@
     </p:spTree>
     <p:extLst>
       <p:ext uri="{BB962C8B-B14F-4D97-AF65-F5344CB8AC3E}">
-        <p14:creationId xmlns:p14="http://schemas.microsoft.com/office/powerpoint/2010/main" val="679238203"/>
+        <p14:creationId xmlns:p14="http://schemas.microsoft.com/office/powerpoint/2010/main" val="1685571019"/>
       </p:ext>
     </p:extLst>
   </p:cSld>
@@ -1020,7 +1068,7 @@
     </p:spTree>
     <p:extLst>
       <p:ext uri="{BB962C8B-B14F-4D97-AF65-F5344CB8AC3E}">
-        <p14:creationId xmlns:p14="http://schemas.microsoft.com/office/powerpoint/2010/main" val="2261767694"/>
+        <p14:creationId xmlns:p14="http://schemas.microsoft.com/office/powerpoint/2010/main" val="2586565686"/>
       </p:ext>
     </p:extLst>
   </p:cSld>
@@ -1035,7 +1083,13 @@
   <p:cSld>
     <p:spTree>
       <p:nvGrpSpPr>
-        <p:cNvPr id="1" name=""/>
+        <p:cNvPr id="1" name="">
+          <a:extLst>
+            <a:ext uri="{FF2B5EF4-FFF2-40B4-BE49-F238E27FC236}">
+              <a16:creationId xmlns:a16="http://schemas.microsoft.com/office/drawing/2014/main" id="{F9C409CB-C0FD-1D69-4422-E1B7E8B79DE4}"/>
+            </a:ext>
+          </a:extLst>
+        </p:cNvPr>
         <p:cNvGrpSpPr/>
         <p:nvPr/>
       </p:nvGrpSpPr>
@@ -1049,7 +1103,13 @@
       </p:grpSpPr>
       <p:sp>
         <p:nvSpPr>
-          <p:cNvPr id="2" name="Slide Image Placeholder 1"/>
+          <p:cNvPr id="2" name="Slide Image Placeholder 1">
+            <a:extLst>
+              <a:ext uri="{FF2B5EF4-FFF2-40B4-BE49-F238E27FC236}">
+                <a16:creationId xmlns:a16="http://schemas.microsoft.com/office/drawing/2014/main" id="{E82EAB00-A7F3-9490-6C54-272A20A759DA}"/>
+              </a:ext>
+            </a:extLst>
+          </p:cNvPr>
           <p:cNvSpPr>
             <a:spLocks noGrp="1" noRot="1" noChangeAspect="1"/>
           </p:cNvSpPr>
@@ -1061,7 +1121,13 @@
       </p:sp>
       <p:sp>
         <p:nvSpPr>
-          <p:cNvPr id="3" name="Notes Placeholder 2"/>
+          <p:cNvPr id="3" name="Notes Placeholder 2">
+            <a:extLst>
+              <a:ext uri="{FF2B5EF4-FFF2-40B4-BE49-F238E27FC236}">
+                <a16:creationId xmlns:a16="http://schemas.microsoft.com/office/drawing/2014/main" id="{FF00F030-A9DE-C74D-69F6-B9B7172A562B}"/>
+              </a:ext>
+            </a:extLst>
+          </p:cNvPr>
           <p:cNvSpPr>
             <a:spLocks noGrp="1"/>
           </p:cNvSpPr>
@@ -1080,7 +1146,13 @@
       </p:sp>
       <p:sp>
         <p:nvSpPr>
-          <p:cNvPr id="4" name="Slide Number Placeholder 3"/>
+          <p:cNvPr id="4" name="Slide Number Placeholder 3">
+            <a:extLst>
+              <a:ext uri="{FF2B5EF4-FFF2-40B4-BE49-F238E27FC236}">
+                <a16:creationId xmlns:a16="http://schemas.microsoft.com/office/drawing/2014/main" id="{B15D73EA-620D-128D-108D-79389E2F2940}"/>
+              </a:ext>
+            </a:extLst>
+          </p:cNvPr>
           <p:cNvSpPr>
             <a:spLocks noGrp="1"/>
           </p:cNvSpPr>
@@ -1104,7 +1176,7 @@
     </p:spTree>
     <p:extLst>
       <p:ext uri="{BB962C8B-B14F-4D97-AF65-F5344CB8AC3E}">
-        <p14:creationId xmlns:p14="http://schemas.microsoft.com/office/powerpoint/2010/main" val="2429966596"/>
+        <p14:creationId xmlns:p14="http://schemas.microsoft.com/office/powerpoint/2010/main" val="2090149752"/>
       </p:ext>
     </p:extLst>
   </p:cSld>
@@ -1707,7 +1779,13 @@
   <p:cSld>
     <p:spTree>
       <p:nvGrpSpPr>
-        <p:cNvPr id="1" name=""/>
+        <p:cNvPr id="1" name="">
+          <a:extLst>
+            <a:ext uri="{FF2B5EF4-FFF2-40B4-BE49-F238E27FC236}">
+              <a16:creationId xmlns:a16="http://schemas.microsoft.com/office/drawing/2014/main" id="{49CB5025-947E-67A6-36D8-4787DB8E226F}"/>
+            </a:ext>
+          </a:extLst>
+        </p:cNvPr>
         <p:cNvGrpSpPr/>
         <p:nvPr/>
       </p:nvGrpSpPr>
@@ -1721,7 +1799,13 @@
       </p:grpSpPr>
       <p:sp>
         <p:nvSpPr>
-          <p:cNvPr id="2" name="Slide Image Placeholder 1"/>
+          <p:cNvPr id="2" name="Slide Image Placeholder 1">
+            <a:extLst>
+              <a:ext uri="{FF2B5EF4-FFF2-40B4-BE49-F238E27FC236}">
+                <a16:creationId xmlns:a16="http://schemas.microsoft.com/office/drawing/2014/main" id="{BE74480B-AFC9-CE35-4AE8-5BFC50CB9BA0}"/>
+              </a:ext>
+            </a:extLst>
+          </p:cNvPr>
           <p:cNvSpPr>
             <a:spLocks noGrp="1" noRot="1" noChangeAspect="1"/>
           </p:cNvSpPr>
@@ -1733,7 +1817,13 @@
       </p:sp>
       <p:sp>
         <p:nvSpPr>
-          <p:cNvPr id="3" name="Notes Placeholder 2"/>
+          <p:cNvPr id="3" name="Notes Placeholder 2">
+            <a:extLst>
+              <a:ext uri="{FF2B5EF4-FFF2-40B4-BE49-F238E27FC236}">
+                <a16:creationId xmlns:a16="http://schemas.microsoft.com/office/drawing/2014/main" id="{FEAAF25C-DF44-EBDB-DEC7-1C9AB75E2BED}"/>
+              </a:ext>
+            </a:extLst>
+          </p:cNvPr>
           <p:cNvSpPr>
             <a:spLocks noGrp="1"/>
           </p:cNvSpPr>
@@ -1752,7 +1842,13 @@
       </p:sp>
       <p:sp>
         <p:nvSpPr>
-          <p:cNvPr id="4" name="Slide Number Placeholder 3"/>
+          <p:cNvPr id="4" name="Slide Number Placeholder 3">
+            <a:extLst>
+              <a:ext uri="{FF2B5EF4-FFF2-40B4-BE49-F238E27FC236}">
+                <a16:creationId xmlns:a16="http://schemas.microsoft.com/office/drawing/2014/main" id="{7581CA47-21FF-CB64-77F1-09CC928D260A}"/>
+              </a:ext>
+            </a:extLst>
+          </p:cNvPr>
           <p:cNvSpPr>
             <a:spLocks noGrp="1"/>
           </p:cNvSpPr>
@@ -1776,7 +1872,7 @@
     </p:spTree>
     <p:extLst>
       <p:ext uri="{BB962C8B-B14F-4D97-AF65-F5344CB8AC3E}">
-        <p14:creationId xmlns:p14="http://schemas.microsoft.com/office/powerpoint/2010/main" val="2586565686"/>
+        <p14:creationId xmlns:p14="http://schemas.microsoft.com/office/powerpoint/2010/main" val="103750967"/>
       </p:ext>
     </p:extLst>
   </p:cSld>
@@ -6667,7 +6763,7 @@
         </p:spPr>
         <p:txBody>
           <a:bodyPr>
-            <a:normAutofit/>
+            <a:normAutofit fontScale="90000"/>
           </a:bodyPr>
           <a:lstStyle/>
           <a:p>
@@ -6836,7 +6932,13 @@
   <p:cSld>
     <p:spTree>
       <p:nvGrpSpPr>
-        <p:cNvPr id="1" name=""/>
+        <p:cNvPr id="1" name="">
+          <a:extLst>
+            <a:ext uri="{FF2B5EF4-FFF2-40B4-BE49-F238E27FC236}">
+              <a16:creationId xmlns:a16="http://schemas.microsoft.com/office/drawing/2014/main" id="{3E36A562-2AF0-4C12-C48E-8C155F8A89D0}"/>
+            </a:ext>
+          </a:extLst>
+        </p:cNvPr>
         <p:cNvGrpSpPr/>
         <p:nvPr/>
       </p:nvGrpSpPr>
@@ -6853,7 +6955,7 @@
           <p:cNvPr id="2" name="Title 1">
             <a:extLst>
               <a:ext uri="{FF2B5EF4-FFF2-40B4-BE49-F238E27FC236}">
-                <a16:creationId xmlns:a16="http://schemas.microsoft.com/office/drawing/2014/main" id="{8ED62B2F-534F-A196-1186-33D282CE3C7F}"/>
+                <a16:creationId xmlns:a16="http://schemas.microsoft.com/office/drawing/2014/main" id="{850FEFF2-6966-FA5F-C13D-7C5E410789F5}"/>
               </a:ext>
             </a:extLst>
           </p:cNvPr>
@@ -6866,8 +6968,8 @@
         </p:nvSpPr>
         <p:spPr>
           <a:xfrm>
-            <a:off x="914399" y="365125"/>
-            <a:ext cx="10363202" cy="1603462"/>
+            <a:off x="158378" y="-312219"/>
+            <a:ext cx="10439401" cy="1617017"/>
           </a:xfrm>
         </p:spPr>
         <p:txBody>
@@ -6875,9 +6977,10 @@
           <a:lstStyle/>
           <a:p>
             <a:r>
-              <a:rPr lang="en-US" dirty="0"/>
-              <a:t>Market overview</a:t>
-            </a:r>
+              <a:rPr lang="en-US" dirty="0" err="1"/>
+              <a:t>Rezultati</a:t>
+            </a:r>
+            <a:endParaRPr lang="en-US" dirty="0"/>
           </a:p>
         </p:txBody>
       </p:sp>
@@ -6886,7 +6989,7 @@
           <p:cNvPr id="3" name="Content Placeholder 2">
             <a:extLst>
               <a:ext uri="{FF2B5EF4-FFF2-40B4-BE49-F238E27FC236}">
-                <a16:creationId xmlns:a16="http://schemas.microsoft.com/office/drawing/2014/main" id="{93C71586-1388-197C-1294-83D4DD85293E}"/>
+                <a16:creationId xmlns:a16="http://schemas.microsoft.com/office/drawing/2014/main" id="{A83606C2-3075-704B-5394-0235A7D5D35F}"/>
               </a:ext>
             </a:extLst>
           </p:cNvPr>
@@ -6899,828 +7002,1076 @@
         </p:nvSpPr>
         <p:spPr>
           <a:xfrm>
-            <a:off x="914399" y="2022250"/>
-            <a:ext cx="3299013" cy="3914910"/>
+            <a:off x="717451" y="685819"/>
+            <a:ext cx="3310129" cy="355190"/>
           </a:xfrm>
         </p:spPr>
         <p:txBody>
-          <a:bodyPr/>
+          <a:bodyPr>
+            <a:normAutofit lnSpcReduction="10000"/>
+          </a:bodyPr>
           <a:lstStyle/>
           <a:p>
-            <a:r>
-              <a:rPr lang="en-US" dirty="0"/>
-              <a:t>Opportunity to build</a:t>
-            </a:r>
-          </a:p>
-          <a:p>
-            <a:r>
-              <a:rPr lang="en-US" dirty="0"/>
-              <a:t>Fully inclusive market</a:t>
-            </a:r>
-          </a:p>
-          <a:p>
-            <a:r>
-              <a:rPr lang="en-US" dirty="0"/>
-              <a:t>Total addressable market</a:t>
-            </a:r>
-          </a:p>
-          <a:p>
-            <a:r>
-              <a:rPr lang="en-US" noProof="1"/>
-              <a:t>Freedom to invent</a:t>
+            <a:pPr marL="0" indent="0">
+              <a:buNone/>
+            </a:pPr>
+            <a:r>
+              <a:rPr lang="en-US" dirty="0" err="1"/>
+              <a:t>Nekih</a:t>
+            </a:r>
+            <a:r>
+              <a:rPr lang="en-US" dirty="0"/>
+              <a:t> </a:t>
+            </a:r>
+            <a:r>
+              <a:rPr lang="en-US" dirty="0" err="1"/>
+              <a:t>parametara</a:t>
             </a:r>
             <a:endParaRPr lang="en-US" dirty="0"/>
-          </a:p>
-          <a:p>
-            <a:r>
-              <a:rPr lang="en-US" noProof="1"/>
-              <a:t>Selectively inclusive market</a:t>
-            </a:r>
-          </a:p>
-          <a:p>
-            <a:r>
-              <a:rPr lang="en-US" noProof="1"/>
-              <a:t>Serviceable available market</a:t>
-            </a:r>
           </a:p>
         </p:txBody>
       </p:sp>
-      <p:graphicFrame>
-        <p:nvGraphicFramePr>
-          <p:cNvPr id="6" name="Table 11">
+      <p:sp>
+        <p:nvSpPr>
+          <p:cNvPr id="4" name="Content Placeholder 3">
             <a:extLst>
               <a:ext uri="{FF2B5EF4-FFF2-40B4-BE49-F238E27FC236}">
-                <a16:creationId xmlns:a16="http://schemas.microsoft.com/office/drawing/2014/main" id="{2EE5D6E7-8306-54E8-220A-099D3B755FFE}"/>
+                <a16:creationId xmlns:a16="http://schemas.microsoft.com/office/drawing/2014/main" id="{85544CF7-D89A-E7B8-2065-0079B9E7ADE8}"/>
               </a:ext>
             </a:extLst>
           </p:cNvPr>
-          <p:cNvGraphicFramePr>
-            <a:graphicFrameLocks noGrp="1"/>
-          </p:cNvGraphicFramePr>
+          <p:cNvSpPr>
+            <a:spLocks noGrp="1"/>
+          </p:cNvSpPr>
           <p:nvPr>
-            <p:ph type="tbl" sz="quarter" idx="11"/>
-            <p:extLst>
-              <p:ext uri="{D42A27DB-BD31-4B8C-83A1-F6EECF244321}">
-                <p14:modId xmlns:p14="http://schemas.microsoft.com/office/powerpoint/2010/main" val="2564561545"/>
-              </p:ext>
-            </p:extLst>
+            <p:ph sz="quarter" idx="11"/>
           </p:nvPr>
-        </p:nvGraphicFramePr>
-        <p:xfrm>
-          <a:off x="4602163" y="2017713"/>
-          <a:ext cx="6675294" cy="3925485"/>
-        </p:xfrm>
-        <a:graphic>
-          <a:graphicData uri="http://schemas.openxmlformats.org/drawingml/2006/table">
-            <a:tbl>
-              <a:tblPr firstRow="1" bandRow="1">
-                <a:tableStyleId>{5C22544A-7EE6-4342-B048-85BDC9FD1C3A}</a:tableStyleId>
-              </a:tblPr>
-              <a:tblGrid>
-                <a:gridCol w="1085272">
-                  <a:extLst>
-                    <a:ext uri="{9D8B030D-6E8A-4147-A177-3AD203B41FA5}">
-                      <a16:colId xmlns:a16="http://schemas.microsoft.com/office/drawing/2014/main" val="3233966979"/>
-                    </a:ext>
-                  </a:extLst>
-                </a:gridCol>
-                <a:gridCol w="1085272">
-                  <a:extLst>
-                    <a:ext uri="{9D8B030D-6E8A-4147-A177-3AD203B41FA5}">
-                      <a16:colId xmlns:a16="http://schemas.microsoft.com/office/drawing/2014/main" val="1158840958"/>
-                    </a:ext>
-                  </a:extLst>
-                </a:gridCol>
-                <a:gridCol w="1085272">
-                  <a:extLst>
-                    <a:ext uri="{9D8B030D-6E8A-4147-A177-3AD203B41FA5}">
-                      <a16:colId xmlns:a16="http://schemas.microsoft.com/office/drawing/2014/main" val="1014947327"/>
-                    </a:ext>
-                  </a:extLst>
-                </a:gridCol>
-                <a:gridCol w="1709739">
-                  <a:extLst>
-                    <a:ext uri="{9D8B030D-6E8A-4147-A177-3AD203B41FA5}">
-                      <a16:colId xmlns:a16="http://schemas.microsoft.com/office/drawing/2014/main" val="2653728004"/>
-                    </a:ext>
-                  </a:extLst>
-                </a:gridCol>
-                <a:gridCol w="1709739">
-                  <a:extLst>
-                    <a:ext uri="{9D8B030D-6E8A-4147-A177-3AD203B41FA5}">
-                      <a16:colId xmlns:a16="http://schemas.microsoft.com/office/drawing/2014/main" val="4218738779"/>
-                    </a:ext>
-                  </a:extLst>
-                </a:gridCol>
-              </a:tblGrid>
-              <a:tr h="785097">
-                <a:tc>
-                  <a:txBody>
-                    <a:bodyPr/>
-                    <a:lstStyle/>
-                    <a:p>
-                      <a:pPr algn="l"/>
-                      <a:endParaRPr lang="en-US" sz="1800" dirty="0">
-                        <a:solidFill>
-                          <a:schemeClr val="tx1"/>
-                        </a:solidFill>
-                      </a:endParaRPr>
-                    </a:p>
-                  </a:txBody>
-                  <a:tcPr/>
-                </a:tc>
-                <a:tc>
-                  <a:txBody>
-                    <a:bodyPr/>
-                    <a:lstStyle/>
-                    <a:p>
-                      <a:pPr algn="l"/>
-                      <a:r>
-                        <a:rPr lang="en-US" sz="1800" dirty="0">
-                          <a:solidFill>
-                            <a:schemeClr val="tx1"/>
-                          </a:solidFill>
-                        </a:rPr>
-                        <a:t>Clients</a:t>
-                      </a:r>
-                      <a:endParaRPr lang="ru-RU" sz="1800" dirty="0">
-                        <a:solidFill>
-                          <a:schemeClr val="tx1"/>
-                        </a:solidFill>
-                      </a:endParaRPr>
-                    </a:p>
-                  </a:txBody>
-                  <a:tcPr marL="95186" marR="95186" marT="47593" marB="47593" anchor="ctr"/>
-                </a:tc>
-                <a:tc>
-                  <a:txBody>
-                    <a:bodyPr/>
-                    <a:lstStyle/>
-                    <a:p>
-                      <a:pPr algn="l"/>
-                      <a:r>
-                        <a:rPr lang="en-US" sz="1800" dirty="0">
-                          <a:solidFill>
-                            <a:schemeClr val="tx1"/>
-                          </a:solidFill>
-                        </a:rPr>
-                        <a:t>Orders</a:t>
-                      </a:r>
-                      <a:endParaRPr lang="ru-RU" sz="1800" dirty="0">
-                        <a:solidFill>
-                          <a:schemeClr val="tx1"/>
-                        </a:solidFill>
-                      </a:endParaRPr>
-                    </a:p>
-                  </a:txBody>
-                  <a:tcPr marL="95186" marR="95186" marT="47593" marB="47593" anchor="ctr"/>
-                </a:tc>
-                <a:tc>
-                  <a:txBody>
-                    <a:bodyPr/>
-                    <a:lstStyle/>
-                    <a:p>
-                      <a:pPr algn="l"/>
-                      <a:r>
-                        <a:rPr lang="en-US" sz="1800" dirty="0">
-                          <a:solidFill>
-                            <a:schemeClr val="tx1"/>
-                          </a:solidFill>
-                        </a:rPr>
-                        <a:t>Gross revenue</a:t>
-                      </a:r>
-                      <a:endParaRPr lang="ru-RU" sz="1800" dirty="0">
-                        <a:solidFill>
-                          <a:schemeClr val="tx1"/>
-                        </a:solidFill>
-                      </a:endParaRPr>
-                    </a:p>
-                  </a:txBody>
-                  <a:tcPr marL="95186" marR="95186" marT="47593" marB="47593" anchor="ctr"/>
-                </a:tc>
-                <a:tc>
-                  <a:txBody>
-                    <a:bodyPr/>
-                    <a:lstStyle/>
-                    <a:p>
-                      <a:pPr algn="l"/>
-                      <a:r>
-                        <a:rPr lang="en-US" sz="1800" dirty="0">
-                          <a:solidFill>
-                            <a:schemeClr val="tx1"/>
-                          </a:solidFill>
-                        </a:rPr>
-                        <a:t>Net revenue</a:t>
-                      </a:r>
-                      <a:endParaRPr lang="ru-RU" sz="1800" dirty="0">
-                        <a:solidFill>
-                          <a:schemeClr val="tx1"/>
-                        </a:solidFill>
-                      </a:endParaRPr>
-                    </a:p>
-                  </a:txBody>
-                  <a:tcPr marL="95186" marR="95186" marT="47593" marB="47593" anchor="ctr"/>
-                </a:tc>
-                <a:extLst>
-                  <a:ext uri="{0D108BD9-81ED-4DB2-BD59-A6C34878D82A}">
-                    <a16:rowId xmlns:a16="http://schemas.microsoft.com/office/drawing/2014/main" val="3213590700"/>
-                  </a:ext>
-                </a:extLst>
-              </a:tr>
-              <a:tr h="785097">
-                <a:tc>
-                  <a:txBody>
-                    <a:bodyPr/>
-                    <a:lstStyle/>
-                    <a:p>
-                      <a:pPr algn="l"/>
-                      <a:r>
-                        <a:rPr lang="en-US" sz="1800" dirty="0">
-                          <a:solidFill>
-                            <a:schemeClr val="tx1"/>
-                          </a:solidFill>
-                        </a:rPr>
-                        <a:t>20XX</a:t>
-                      </a:r>
-                      <a:endParaRPr lang="ru-RU" sz="1800" dirty="0">
-                        <a:solidFill>
-                          <a:schemeClr val="tx1"/>
-                        </a:solidFill>
-                      </a:endParaRPr>
-                    </a:p>
-                  </a:txBody>
-                  <a:tcPr anchor="ctr"/>
-                </a:tc>
-                <a:tc>
-                  <a:txBody>
-                    <a:bodyPr/>
-                    <a:lstStyle/>
-                    <a:p>
-                      <a:pPr algn="l"/>
-                      <a:r>
-                        <a:rPr lang="en-US" sz="1800" dirty="0">
-                          <a:solidFill>
-                            <a:schemeClr val="tx1"/>
-                          </a:solidFill>
-                        </a:rPr>
-                        <a:t>10</a:t>
-                      </a:r>
-                      <a:endParaRPr lang="ru-RU" sz="1800" dirty="0">
-                        <a:solidFill>
-                          <a:schemeClr val="tx1"/>
-                        </a:solidFill>
-                      </a:endParaRPr>
-                    </a:p>
-                  </a:txBody>
-                  <a:tcPr marL="95186" marR="95186" marT="47593" marB="47593" anchor="ctr"/>
-                </a:tc>
-                <a:tc>
-                  <a:txBody>
-                    <a:bodyPr/>
-                    <a:lstStyle/>
-                    <a:p>
-                      <a:pPr algn="l"/>
-                      <a:r>
-                        <a:rPr lang="en-US" sz="1800" dirty="0">
-                          <a:solidFill>
-                            <a:schemeClr val="tx1"/>
-                          </a:solidFill>
-                        </a:rPr>
-                        <a:t>1100</a:t>
-                      </a:r>
-                      <a:endParaRPr lang="ru-RU" sz="1800" dirty="0">
-                        <a:solidFill>
-                          <a:schemeClr val="tx1"/>
-                        </a:solidFill>
-                      </a:endParaRPr>
-                    </a:p>
-                  </a:txBody>
-                  <a:tcPr marL="95186" marR="95186" marT="47593" marB="47593" anchor="ctr"/>
-                </a:tc>
-                <a:tc>
-                  <a:txBody>
-                    <a:bodyPr/>
-                    <a:lstStyle/>
-                    <a:p>
-                      <a:pPr algn="l"/>
-                      <a:r>
-                        <a:rPr lang="en-US" sz="1800" dirty="0">
-                          <a:solidFill>
-                            <a:schemeClr val="tx1"/>
-                          </a:solidFill>
-                        </a:rPr>
-                        <a:t>$10,000</a:t>
-                      </a:r>
-                      <a:endParaRPr lang="ru-RU" sz="1800" dirty="0">
-                        <a:solidFill>
-                          <a:schemeClr val="tx1"/>
-                        </a:solidFill>
-                      </a:endParaRPr>
-                    </a:p>
-                  </a:txBody>
-                  <a:tcPr marL="95186" marR="95186" marT="47593" marB="47593" anchor="ctr"/>
-                </a:tc>
-                <a:tc>
-                  <a:txBody>
-                    <a:bodyPr/>
-                    <a:lstStyle/>
-                    <a:p>
-                      <a:pPr algn="l"/>
-                      <a:r>
-                        <a:rPr lang="en-US" sz="1800" dirty="0">
-                          <a:solidFill>
-                            <a:schemeClr val="tx1"/>
-                          </a:solidFill>
-                        </a:rPr>
-                        <a:t>$7,000</a:t>
-                      </a:r>
-                      <a:endParaRPr lang="ru-RU" sz="1800" dirty="0">
-                        <a:solidFill>
-                          <a:schemeClr val="tx1"/>
-                        </a:solidFill>
-                      </a:endParaRPr>
-                    </a:p>
-                  </a:txBody>
-                  <a:tcPr marL="95186" marR="95186" marT="47593" marB="47593" anchor="ctr"/>
-                </a:tc>
-                <a:extLst>
-                  <a:ext uri="{0D108BD9-81ED-4DB2-BD59-A6C34878D82A}">
-                    <a16:rowId xmlns:a16="http://schemas.microsoft.com/office/drawing/2014/main" val="2830826746"/>
-                  </a:ext>
-                </a:extLst>
-              </a:tr>
-              <a:tr h="785097">
-                <a:tc>
-                  <a:txBody>
-                    <a:bodyPr/>
-                    <a:lstStyle/>
-                    <a:p>
-                      <a:pPr algn="l"/>
-                      <a:r>
-                        <a:rPr lang="en-US" sz="1800" dirty="0">
-                          <a:solidFill>
-                            <a:schemeClr val="tx1"/>
-                          </a:solidFill>
-                        </a:rPr>
-                        <a:t>20XX</a:t>
-                      </a:r>
-                      <a:endParaRPr lang="ru-RU" sz="1800" dirty="0">
-                        <a:solidFill>
-                          <a:schemeClr val="tx1"/>
-                        </a:solidFill>
-                      </a:endParaRPr>
-                    </a:p>
-                  </a:txBody>
-                  <a:tcPr anchor="ctr"/>
-                </a:tc>
-                <a:tc>
-                  <a:txBody>
-                    <a:bodyPr/>
-                    <a:lstStyle/>
-                    <a:p>
-                      <a:pPr algn="l"/>
-                      <a:r>
-                        <a:rPr lang="en-US" sz="1800" dirty="0">
-                          <a:solidFill>
-                            <a:schemeClr val="tx1"/>
-                          </a:solidFill>
-                        </a:rPr>
-                        <a:t>20</a:t>
-                      </a:r>
-                      <a:endParaRPr lang="ru-RU" sz="1800" dirty="0">
-                        <a:solidFill>
-                          <a:schemeClr val="tx1"/>
-                        </a:solidFill>
-                      </a:endParaRPr>
-                    </a:p>
-                  </a:txBody>
-                  <a:tcPr marL="95186" marR="95186" marT="47593" marB="47593" anchor="ctr"/>
-                </a:tc>
-                <a:tc>
-                  <a:txBody>
-                    <a:bodyPr/>
-                    <a:lstStyle/>
-                    <a:p>
-                      <a:pPr algn="l"/>
-                      <a:r>
-                        <a:rPr lang="en-US" sz="1800" dirty="0">
-                          <a:solidFill>
-                            <a:schemeClr val="tx1"/>
-                          </a:solidFill>
-                        </a:rPr>
-                        <a:t>200</a:t>
-                      </a:r>
-                      <a:endParaRPr lang="ru-RU" sz="1800" dirty="0">
-                        <a:solidFill>
-                          <a:schemeClr val="tx1"/>
-                        </a:solidFill>
-                      </a:endParaRPr>
-                    </a:p>
-                  </a:txBody>
-                  <a:tcPr marL="95186" marR="95186" marT="47593" marB="47593" anchor="ctr"/>
-                </a:tc>
-                <a:tc>
-                  <a:txBody>
-                    <a:bodyPr/>
-                    <a:lstStyle/>
-                    <a:p>
-                      <a:pPr marL="0" marR="0" lvl="0" indent="0" algn="l" defTabSz="914400" rtl="0" eaLnBrk="1" fontAlgn="auto" latinLnBrk="0" hangingPunct="1">
-                        <a:lnSpc>
-                          <a:spcPct val="100000"/>
-                        </a:lnSpc>
-                        <a:spcBef>
-                          <a:spcPts val="0"/>
-                        </a:spcBef>
-                        <a:spcAft>
-                          <a:spcPts val="0"/>
-                        </a:spcAft>
-                        <a:buClrTx/>
-                        <a:buSzTx/>
-                        <a:buFontTx/>
-                        <a:buNone/>
-                        <a:tabLst/>
-                        <a:defRPr/>
-                      </a:pPr>
-                      <a:r>
-                        <a:rPr lang="en-US" sz="1800" dirty="0">
-                          <a:solidFill>
-                            <a:schemeClr val="tx1"/>
-                          </a:solidFill>
-                        </a:rPr>
-                        <a:t>$20,000</a:t>
-                      </a:r>
-                      <a:endParaRPr lang="ru-RU" sz="1800" dirty="0">
-                        <a:solidFill>
-                          <a:schemeClr val="tx1"/>
-                        </a:solidFill>
-                      </a:endParaRPr>
-                    </a:p>
-                  </a:txBody>
-                  <a:tcPr marL="95186" marR="95186" marT="47593" marB="47593" anchor="ctr"/>
-                </a:tc>
-                <a:tc>
-                  <a:txBody>
-                    <a:bodyPr/>
-                    <a:lstStyle/>
-                    <a:p>
-                      <a:pPr marL="0" marR="0" lvl="0" indent="0" algn="l" defTabSz="914400" rtl="0" eaLnBrk="1" fontAlgn="auto" latinLnBrk="0" hangingPunct="1">
-                        <a:lnSpc>
-                          <a:spcPct val="100000"/>
-                        </a:lnSpc>
-                        <a:spcBef>
-                          <a:spcPts val="0"/>
-                        </a:spcBef>
-                        <a:spcAft>
-                          <a:spcPts val="0"/>
-                        </a:spcAft>
-                        <a:buClrTx/>
-                        <a:buSzTx/>
-                        <a:buFontTx/>
-                        <a:buNone/>
-                        <a:tabLst/>
-                        <a:defRPr/>
-                      </a:pPr>
-                      <a:r>
-                        <a:rPr lang="en-US" sz="1800" dirty="0">
-                          <a:solidFill>
-                            <a:schemeClr val="tx1"/>
-                          </a:solidFill>
-                        </a:rPr>
-                        <a:t>$16,000</a:t>
-                      </a:r>
-                      <a:endParaRPr lang="ru-RU" sz="1800" dirty="0">
-                        <a:solidFill>
-                          <a:schemeClr val="tx1"/>
-                        </a:solidFill>
-                      </a:endParaRPr>
-                    </a:p>
-                  </a:txBody>
-                  <a:tcPr marL="95186" marR="95186" marT="47593" marB="47593" anchor="ctr"/>
-                </a:tc>
-                <a:extLst>
-                  <a:ext uri="{0D108BD9-81ED-4DB2-BD59-A6C34878D82A}">
-                    <a16:rowId xmlns:a16="http://schemas.microsoft.com/office/drawing/2014/main" val="2517333721"/>
-                  </a:ext>
-                </a:extLst>
-              </a:tr>
-              <a:tr h="785097">
-                <a:tc>
-                  <a:txBody>
-                    <a:bodyPr/>
-                    <a:lstStyle/>
-                    <a:p>
-                      <a:pPr algn="l"/>
-                      <a:r>
-                        <a:rPr lang="en-US" sz="1800" dirty="0">
-                          <a:solidFill>
-                            <a:schemeClr val="tx1"/>
-                          </a:solidFill>
-                        </a:rPr>
-                        <a:t>20XX</a:t>
-                      </a:r>
-                      <a:endParaRPr lang="ru-RU" sz="1800" dirty="0">
-                        <a:solidFill>
-                          <a:schemeClr val="tx1"/>
-                        </a:solidFill>
-                      </a:endParaRPr>
-                    </a:p>
-                  </a:txBody>
-                  <a:tcPr anchor="ctr"/>
-                </a:tc>
-                <a:tc>
-                  <a:txBody>
-                    <a:bodyPr/>
-                    <a:lstStyle/>
-                    <a:p>
-                      <a:pPr algn="l"/>
-                      <a:r>
-                        <a:rPr lang="en-US" sz="1800" dirty="0">
-                          <a:solidFill>
-                            <a:schemeClr val="tx1"/>
-                          </a:solidFill>
-                        </a:rPr>
-                        <a:t>30</a:t>
-                      </a:r>
-                      <a:endParaRPr lang="ru-RU" sz="1800" dirty="0">
-                        <a:solidFill>
-                          <a:schemeClr val="tx1"/>
-                        </a:solidFill>
-                      </a:endParaRPr>
-                    </a:p>
-                  </a:txBody>
-                  <a:tcPr marL="95186" marR="95186" marT="47593" marB="47593" anchor="ctr"/>
-                </a:tc>
-                <a:tc>
-                  <a:txBody>
-                    <a:bodyPr/>
-                    <a:lstStyle/>
-                    <a:p>
-                      <a:pPr algn="l"/>
-                      <a:r>
-                        <a:rPr lang="en-US" sz="1800" dirty="0">
-                          <a:solidFill>
-                            <a:schemeClr val="tx1"/>
-                          </a:solidFill>
-                        </a:rPr>
-                        <a:t>300</a:t>
-                      </a:r>
-                      <a:endParaRPr lang="ru-RU" sz="1800" dirty="0">
-                        <a:solidFill>
-                          <a:schemeClr val="tx1"/>
-                        </a:solidFill>
-                      </a:endParaRPr>
-                    </a:p>
-                  </a:txBody>
-                  <a:tcPr marL="95186" marR="95186" marT="47593" marB="47593" anchor="ctr"/>
-                </a:tc>
-                <a:tc>
-                  <a:txBody>
-                    <a:bodyPr/>
-                    <a:lstStyle/>
-                    <a:p>
-                      <a:pPr marL="0" marR="0" lvl="0" indent="0" algn="l" defTabSz="914400" rtl="0" eaLnBrk="1" fontAlgn="auto" latinLnBrk="0" hangingPunct="1">
-                        <a:lnSpc>
-                          <a:spcPct val="100000"/>
-                        </a:lnSpc>
-                        <a:spcBef>
-                          <a:spcPts val="0"/>
-                        </a:spcBef>
-                        <a:spcAft>
-                          <a:spcPts val="0"/>
-                        </a:spcAft>
-                        <a:buClrTx/>
-                        <a:buSzTx/>
-                        <a:buFontTx/>
-                        <a:buNone/>
-                        <a:tabLst/>
-                        <a:defRPr/>
-                      </a:pPr>
-                      <a:r>
-                        <a:rPr lang="en-US" sz="1800" dirty="0">
-                          <a:solidFill>
-                            <a:schemeClr val="tx1"/>
-                          </a:solidFill>
-                        </a:rPr>
-                        <a:t>$30,000</a:t>
-                      </a:r>
-                      <a:endParaRPr lang="ru-RU" sz="1800" dirty="0">
-                        <a:solidFill>
-                          <a:schemeClr val="tx1"/>
-                        </a:solidFill>
-                      </a:endParaRPr>
-                    </a:p>
-                  </a:txBody>
-                  <a:tcPr marL="95186" marR="95186" marT="47593" marB="47593" anchor="ctr"/>
-                </a:tc>
-                <a:tc>
-                  <a:txBody>
-                    <a:bodyPr/>
-                    <a:lstStyle/>
-                    <a:p>
-                      <a:pPr marL="0" marR="0" lvl="0" indent="0" algn="l" defTabSz="914400" rtl="0" eaLnBrk="1" fontAlgn="auto" latinLnBrk="0" hangingPunct="1">
-                        <a:lnSpc>
-                          <a:spcPct val="100000"/>
-                        </a:lnSpc>
-                        <a:spcBef>
-                          <a:spcPts val="0"/>
-                        </a:spcBef>
-                        <a:spcAft>
-                          <a:spcPts val="0"/>
-                        </a:spcAft>
-                        <a:buClrTx/>
-                        <a:buSzTx/>
-                        <a:buFontTx/>
-                        <a:buNone/>
-                        <a:tabLst/>
-                        <a:defRPr/>
-                      </a:pPr>
-                      <a:r>
-                        <a:rPr lang="en-US" sz="1800" dirty="0">
-                          <a:solidFill>
-                            <a:schemeClr val="tx1"/>
-                          </a:solidFill>
-                        </a:rPr>
-                        <a:t>$25,000</a:t>
-                      </a:r>
-                      <a:endParaRPr lang="ru-RU" sz="1800" dirty="0">
-                        <a:solidFill>
-                          <a:schemeClr val="tx1"/>
-                        </a:solidFill>
-                      </a:endParaRPr>
-                    </a:p>
-                  </a:txBody>
-                  <a:tcPr marL="95186" marR="95186" marT="47593" marB="47593" anchor="ctr"/>
-                </a:tc>
-                <a:extLst>
-                  <a:ext uri="{0D108BD9-81ED-4DB2-BD59-A6C34878D82A}">
-                    <a16:rowId xmlns:a16="http://schemas.microsoft.com/office/drawing/2014/main" val="3321589815"/>
-                  </a:ext>
-                </a:extLst>
-              </a:tr>
-              <a:tr h="785097">
-                <a:tc>
-                  <a:txBody>
-                    <a:bodyPr/>
-                    <a:lstStyle/>
-                    <a:p>
-                      <a:pPr algn="l"/>
-                      <a:r>
-                        <a:rPr lang="en-US" sz="1800" dirty="0">
-                          <a:solidFill>
-                            <a:schemeClr val="tx1"/>
-                          </a:solidFill>
-                        </a:rPr>
-                        <a:t>20XX</a:t>
-                      </a:r>
-                      <a:endParaRPr lang="ru-RU" sz="1800" dirty="0">
-                        <a:solidFill>
-                          <a:schemeClr val="tx1"/>
-                        </a:solidFill>
-                      </a:endParaRPr>
-                    </a:p>
-                  </a:txBody>
-                  <a:tcPr anchor="ctr"/>
-                </a:tc>
-                <a:tc>
-                  <a:txBody>
-                    <a:bodyPr/>
-                    <a:lstStyle/>
-                    <a:p>
-                      <a:pPr algn="l"/>
-                      <a:r>
-                        <a:rPr lang="en-US" sz="1800" dirty="0">
-                          <a:solidFill>
-                            <a:schemeClr val="tx1"/>
-                          </a:solidFill>
-                        </a:rPr>
-                        <a:t>40</a:t>
-                      </a:r>
-                      <a:endParaRPr lang="ru-RU" sz="1800" dirty="0">
-                        <a:solidFill>
-                          <a:schemeClr val="tx1"/>
-                        </a:solidFill>
-                      </a:endParaRPr>
-                    </a:p>
-                  </a:txBody>
-                  <a:tcPr marL="95186" marR="95186" marT="47593" marB="47593" anchor="ctr"/>
-                </a:tc>
-                <a:tc>
-                  <a:txBody>
-                    <a:bodyPr/>
-                    <a:lstStyle/>
-                    <a:p>
-                      <a:pPr algn="l"/>
-                      <a:r>
-                        <a:rPr lang="en-US" sz="1800" dirty="0">
-                          <a:solidFill>
-                            <a:schemeClr val="tx1"/>
-                          </a:solidFill>
-                        </a:rPr>
-                        <a:t>400</a:t>
-                      </a:r>
-                      <a:endParaRPr lang="ru-RU" sz="1800" dirty="0">
-                        <a:solidFill>
-                          <a:schemeClr val="tx1"/>
-                        </a:solidFill>
-                      </a:endParaRPr>
-                    </a:p>
-                  </a:txBody>
-                  <a:tcPr marL="95186" marR="95186" marT="47593" marB="47593" anchor="ctr"/>
-                </a:tc>
-                <a:tc>
-                  <a:txBody>
-                    <a:bodyPr/>
-                    <a:lstStyle/>
-                    <a:p>
-                      <a:pPr marL="0" marR="0" lvl="0" indent="0" algn="l" defTabSz="914400" rtl="0" eaLnBrk="1" fontAlgn="auto" latinLnBrk="0" hangingPunct="1">
-                        <a:lnSpc>
-                          <a:spcPct val="100000"/>
-                        </a:lnSpc>
-                        <a:spcBef>
-                          <a:spcPts val="0"/>
-                        </a:spcBef>
-                        <a:spcAft>
-                          <a:spcPts val="0"/>
-                        </a:spcAft>
-                        <a:buClrTx/>
-                        <a:buSzTx/>
-                        <a:buFontTx/>
-                        <a:buNone/>
-                        <a:tabLst/>
-                        <a:defRPr/>
-                      </a:pPr>
-                      <a:r>
-                        <a:rPr lang="en-US" sz="1800" dirty="0">
-                          <a:solidFill>
-                            <a:schemeClr val="tx1"/>
-                          </a:solidFill>
-                        </a:rPr>
-                        <a:t>$40,000</a:t>
-                      </a:r>
-                      <a:endParaRPr lang="ru-RU" sz="1800" dirty="0">
-                        <a:solidFill>
-                          <a:schemeClr val="tx1"/>
-                        </a:solidFill>
-                      </a:endParaRPr>
-                    </a:p>
-                  </a:txBody>
-                  <a:tcPr marL="95186" marR="95186" marT="47593" marB="47593" anchor="ctr"/>
-                </a:tc>
-                <a:tc>
-                  <a:txBody>
-                    <a:bodyPr/>
-                    <a:lstStyle/>
-                    <a:p>
-                      <a:pPr marL="0" marR="0" lvl="0" indent="0" algn="l" defTabSz="914400" rtl="0" eaLnBrk="1" fontAlgn="auto" latinLnBrk="0" hangingPunct="1">
-                        <a:lnSpc>
-                          <a:spcPct val="100000"/>
-                        </a:lnSpc>
-                        <a:spcBef>
-                          <a:spcPts val="0"/>
-                        </a:spcBef>
-                        <a:spcAft>
-                          <a:spcPts val="0"/>
-                        </a:spcAft>
-                        <a:buClrTx/>
-                        <a:buSzTx/>
-                        <a:buFontTx/>
-                        <a:buNone/>
-                        <a:tabLst/>
-                        <a:defRPr/>
-                      </a:pPr>
-                      <a:r>
-                        <a:rPr lang="en-US" sz="1800" dirty="0">
-                          <a:solidFill>
-                            <a:schemeClr val="tx1"/>
-                          </a:solidFill>
-                        </a:rPr>
-                        <a:t>$30,000</a:t>
-                      </a:r>
-                      <a:endParaRPr lang="ru-RU" sz="1800" dirty="0">
-                        <a:solidFill>
-                          <a:schemeClr val="tx1"/>
-                        </a:solidFill>
-                      </a:endParaRPr>
-                    </a:p>
-                  </a:txBody>
-                  <a:tcPr marL="95186" marR="95186" marT="47593" marB="47593" anchor="ctr"/>
-                </a:tc>
-                <a:extLst>
-                  <a:ext uri="{0D108BD9-81ED-4DB2-BD59-A6C34878D82A}">
-                    <a16:rowId xmlns:a16="http://schemas.microsoft.com/office/drawing/2014/main" val="3345832805"/>
-                  </a:ext>
-                </a:extLst>
-              </a:tr>
-            </a:tbl>
-          </a:graphicData>
-        </a:graphic>
-      </p:graphicFrame>
+        </p:nvSpPr>
+        <p:spPr>
+          <a:xfrm>
+            <a:off x="553328" y="1304798"/>
+            <a:ext cx="11085343" cy="3747180"/>
+          </a:xfrm>
+        </p:spPr>
+        <p:txBody>
+          <a:bodyPr>
+            <a:noAutofit/>
+          </a:bodyPr>
+          <a:lstStyle/>
+          <a:p>
+            <a:r>
+              <a:rPr lang="en-US" sz="1800" b="1" u="sng" dirty="0" err="1"/>
+              <a:t>Uticaj</a:t>
+            </a:r>
+            <a:r>
+              <a:rPr lang="en-US" sz="1800" b="1" u="sng" dirty="0"/>
+              <a:t> </a:t>
+            </a:r>
+            <a:r>
+              <a:rPr lang="en-US" sz="1800" b="1" u="sng" dirty="0" err="1"/>
+              <a:t>Broja</a:t>
+            </a:r>
+            <a:r>
+              <a:rPr lang="en-US" sz="1800" b="1" u="sng" dirty="0"/>
+              <a:t> </a:t>
+            </a:r>
+            <a:r>
+              <a:rPr lang="en-US" sz="1800" b="1" u="sng" dirty="0" err="1"/>
+              <a:t>Čvorova</a:t>
+            </a:r>
+            <a:r>
+              <a:rPr lang="en-US" sz="1800" b="1" u="sng" dirty="0"/>
+              <a:t> (N)</a:t>
+            </a:r>
+          </a:p>
+          <a:p>
+            <a:r>
+              <a:rPr lang="en-US" sz="1800" dirty="0" err="1"/>
+              <a:t>Veći</a:t>
+            </a:r>
+            <a:r>
+              <a:rPr lang="en-US" sz="1800" dirty="0"/>
+              <a:t> </a:t>
+            </a:r>
+            <a:r>
+              <a:rPr lang="en-US" sz="1800" dirty="0" err="1"/>
+              <a:t>broj</a:t>
+            </a:r>
+            <a:r>
+              <a:rPr lang="en-US" sz="1800" dirty="0"/>
+              <a:t> </a:t>
+            </a:r>
+            <a:r>
+              <a:rPr lang="en-US" sz="1800" dirty="0" err="1"/>
+              <a:t>čvorova</a:t>
+            </a:r>
+            <a:r>
+              <a:rPr lang="en-US" sz="1800" dirty="0"/>
+              <a:t> (</a:t>
+            </a:r>
+            <a:r>
+              <a:rPr lang="en-US" sz="1800" dirty="0" err="1"/>
+              <a:t>npr</a:t>
+            </a:r>
+            <a:r>
+              <a:rPr lang="en-US" sz="1800" dirty="0"/>
+              <a:t> </a:t>
+            </a:r>
+            <a:r>
+              <a:rPr lang="en-US" dirty="0"/>
+              <a:t>N=200</a:t>
+            </a:r>
+            <a:r>
+              <a:rPr lang="en-US" sz="1800" dirty="0"/>
+              <a:t>) </a:t>
+            </a:r>
+            <a:r>
+              <a:rPr lang="en-US" sz="1800" dirty="0" err="1"/>
+              <a:t>rezultira</a:t>
+            </a:r>
+            <a:r>
+              <a:rPr lang="en-US" sz="1800" dirty="0"/>
+              <a:t> u </a:t>
+            </a:r>
+            <a:r>
+              <a:rPr lang="en-US" sz="1800" dirty="0" err="1"/>
+              <a:t>značajno</a:t>
+            </a:r>
+            <a:r>
+              <a:rPr lang="en-US" sz="1800" dirty="0"/>
+              <a:t> </a:t>
+            </a:r>
+            <a:r>
+              <a:rPr lang="en-US" sz="1800" dirty="0" err="1"/>
+              <a:t>većem</a:t>
+            </a:r>
+            <a:r>
+              <a:rPr lang="en-US" sz="1800" dirty="0"/>
+              <a:t> </a:t>
+            </a:r>
+            <a:r>
+              <a:rPr lang="en-US" i="1" dirty="0"/>
+              <a:t>l2_error</a:t>
+            </a:r>
+            <a:r>
+              <a:rPr lang="en-US" sz="1800" dirty="0"/>
+              <a:t>, </a:t>
+            </a:r>
+            <a:r>
+              <a:rPr lang="en-US" sz="1800" dirty="0" err="1"/>
+              <a:t>što</a:t>
+            </a:r>
+            <a:r>
+              <a:rPr lang="en-US" sz="1800" dirty="0"/>
+              <a:t> je </a:t>
+            </a:r>
+            <a:r>
+              <a:rPr lang="en-US" sz="1800" dirty="0" err="1"/>
+              <a:t>očekivano</a:t>
+            </a:r>
+            <a:r>
+              <a:rPr lang="en-US" sz="1800" dirty="0"/>
+              <a:t> </a:t>
+            </a:r>
+            <a:r>
+              <a:rPr lang="en-US" sz="1800" dirty="0" err="1"/>
+              <a:t>jer</a:t>
+            </a:r>
+            <a:r>
+              <a:rPr lang="en-US" sz="1800" dirty="0"/>
+              <a:t> </a:t>
+            </a:r>
+            <a:r>
+              <a:rPr lang="en-US" sz="1800" dirty="0" err="1"/>
+              <a:t>distribucija</a:t>
+            </a:r>
+            <a:r>
+              <a:rPr lang="en-US" sz="1800" dirty="0"/>
+              <a:t> </a:t>
+            </a:r>
+            <a:r>
+              <a:rPr lang="en-US" sz="1800" dirty="0" err="1"/>
+              <a:t>informacija</a:t>
+            </a:r>
+            <a:r>
+              <a:rPr lang="en-US" sz="1800" dirty="0"/>
+              <a:t> </a:t>
+            </a:r>
+            <a:r>
+              <a:rPr lang="en-US" sz="1800" dirty="0" err="1"/>
+              <a:t>iliti</a:t>
+            </a:r>
+            <a:r>
+              <a:rPr lang="en-US" sz="1800" dirty="0"/>
+              <a:t> </a:t>
+            </a:r>
+            <a:r>
+              <a:rPr lang="en-US" sz="1800" dirty="0" err="1"/>
+              <a:t>merenje</a:t>
+            </a:r>
+            <a:r>
+              <a:rPr lang="en-US" sz="1800" dirty="0"/>
+              <a:t> </a:t>
+            </a:r>
+            <a:r>
+              <a:rPr lang="en-US" sz="1800" dirty="0" err="1"/>
+              <a:t>zahteva</a:t>
+            </a:r>
+            <a:r>
+              <a:rPr lang="en-US" sz="1800" dirty="0"/>
+              <a:t> </a:t>
+            </a:r>
+            <a:r>
+              <a:rPr lang="en-US" sz="1800" dirty="0" err="1"/>
+              <a:t>više</a:t>
+            </a:r>
+            <a:r>
+              <a:rPr lang="en-US" sz="1800" dirty="0"/>
+              <a:t> </a:t>
+            </a:r>
+            <a:r>
+              <a:rPr lang="en-US" sz="1800" dirty="0" err="1"/>
+              <a:t>vremena</a:t>
+            </a:r>
+            <a:r>
+              <a:rPr lang="en-US" sz="1800" dirty="0"/>
+              <a:t>.</a:t>
+            </a:r>
+          </a:p>
+          <a:p>
+            <a:r>
+              <a:rPr lang="en-US" sz="1800" dirty="0" err="1"/>
+              <a:t>Međutim</a:t>
+            </a:r>
+            <a:r>
+              <a:rPr lang="en-US" sz="1800" dirty="0"/>
+              <a:t>, </a:t>
+            </a:r>
+            <a:r>
+              <a:rPr lang="en-US" sz="1800" i="1" dirty="0"/>
+              <a:t>Metropolis</a:t>
+            </a:r>
+            <a:r>
+              <a:rPr lang="en-US" sz="1800" dirty="0"/>
+              <a:t> </a:t>
+            </a:r>
+            <a:r>
+              <a:rPr lang="en-US" sz="1800" dirty="0" err="1"/>
+              <a:t>i</a:t>
+            </a:r>
+            <a:r>
+              <a:rPr lang="en-US" sz="1800" dirty="0"/>
+              <a:t> </a:t>
+            </a:r>
+            <a:r>
+              <a:rPr lang="en-US" sz="1800" dirty="0" err="1"/>
+              <a:t>dalje</a:t>
+            </a:r>
+            <a:r>
+              <a:rPr lang="en-US" sz="1800" dirty="0"/>
+              <a:t> </a:t>
+            </a:r>
+            <a:r>
+              <a:rPr lang="en-US" sz="1800" dirty="0" err="1"/>
+              <a:t>uspeva</a:t>
+            </a:r>
+            <a:r>
+              <a:rPr lang="en-US" sz="1800" dirty="0"/>
+              <a:t> </a:t>
+            </a:r>
+            <a:r>
+              <a:rPr lang="en-US" sz="1800" dirty="0" err="1"/>
+              <a:t>održati</a:t>
+            </a:r>
+            <a:r>
+              <a:rPr lang="en-US" sz="1800" dirty="0"/>
+              <a:t> </a:t>
+            </a:r>
+            <a:r>
+              <a:rPr lang="en-US" sz="1800" dirty="0" err="1"/>
+              <a:t>stabilne</a:t>
+            </a:r>
+            <a:r>
+              <a:rPr lang="en-US" sz="1800" dirty="0"/>
+              <a:t> </a:t>
+            </a:r>
+            <a:r>
+              <a:rPr lang="en-US" sz="1800" dirty="0" err="1"/>
+              <a:t>vrednosti</a:t>
+            </a:r>
+            <a:r>
+              <a:rPr lang="en-US" sz="1800" dirty="0"/>
+              <a:t>, </a:t>
+            </a:r>
+            <a:r>
+              <a:rPr lang="en-US" sz="1800" dirty="0" err="1"/>
+              <a:t>dok</a:t>
+            </a:r>
+            <a:r>
+              <a:rPr lang="en-US" sz="1800" dirty="0"/>
+              <a:t> gossip </a:t>
+            </a:r>
+            <a:r>
+              <a:rPr lang="en-US" sz="1800" dirty="0" err="1"/>
+              <a:t>postaje</a:t>
+            </a:r>
+            <a:r>
+              <a:rPr lang="en-US" sz="1800" dirty="0"/>
+              <a:t> </a:t>
+            </a:r>
+            <a:r>
+              <a:rPr lang="en-US" sz="1800" b="1" dirty="0" err="1"/>
+              <a:t>potpuno</a:t>
+            </a:r>
+            <a:r>
+              <a:rPr lang="en-US" sz="1800" dirty="0"/>
+              <a:t> </a:t>
+            </a:r>
+            <a:r>
+              <a:rPr lang="en-US" sz="1800" dirty="0" err="1"/>
+              <a:t>neefikasan</a:t>
+            </a:r>
+            <a:r>
+              <a:rPr lang="en-US" sz="1800" dirty="0"/>
+              <a:t>.</a:t>
+            </a:r>
+          </a:p>
+          <a:p>
+            <a:r>
+              <a:rPr lang="en-US" sz="1800" b="1" u="sng" dirty="0" err="1"/>
+              <a:t>Uticaj</a:t>
+            </a:r>
+            <a:r>
+              <a:rPr lang="en-US" sz="1800" b="1" u="sng" dirty="0"/>
+              <a:t> </a:t>
+            </a:r>
+            <a:r>
+              <a:rPr lang="en-US" b="1" u="sng" dirty="0"/>
+              <a:t>alpha</a:t>
+            </a:r>
+            <a:endParaRPr lang="en-US" sz="1800" b="1" u="sng" dirty="0"/>
+          </a:p>
+          <a:p>
+            <a:r>
+              <a:rPr lang="en-US" sz="1800" dirty="0" err="1"/>
+              <a:t>Viša</a:t>
+            </a:r>
+            <a:r>
+              <a:rPr lang="en-US" sz="1800" dirty="0"/>
+              <a:t> </a:t>
+            </a:r>
+            <a:r>
+              <a:rPr lang="en-US" sz="1800" dirty="0" err="1"/>
+              <a:t>vrednost</a:t>
+            </a:r>
+            <a:r>
+              <a:rPr lang="en-US" sz="1800" dirty="0"/>
+              <a:t> </a:t>
+            </a:r>
+            <a:r>
+              <a:rPr lang="en-US" dirty="0"/>
+              <a:t>alpha</a:t>
+            </a:r>
+            <a:r>
+              <a:rPr lang="en-US" sz="1800" dirty="0"/>
+              <a:t> (</a:t>
+            </a:r>
+            <a:r>
+              <a:rPr lang="en-US" sz="1800" dirty="0" err="1"/>
+              <a:t>npr</a:t>
+            </a:r>
+            <a:r>
+              <a:rPr lang="en-US" sz="1800" dirty="0"/>
+              <a:t>. </a:t>
+            </a:r>
+            <a:r>
+              <a:rPr lang="en-US" dirty="0"/>
+              <a:t>0.5</a:t>
+            </a:r>
+            <a:r>
+              <a:rPr lang="en-US" sz="1800" dirty="0"/>
+              <a:t>) </a:t>
+            </a:r>
+            <a:r>
+              <a:rPr lang="en-US" sz="1800" dirty="0" err="1"/>
+              <a:t>ubrzava</a:t>
+            </a:r>
+            <a:r>
+              <a:rPr lang="en-US" sz="1800" dirty="0"/>
+              <a:t> </a:t>
+            </a:r>
+            <a:r>
+              <a:rPr lang="en-US" sz="1800" dirty="0" err="1"/>
+              <a:t>konvergenciju</a:t>
+            </a:r>
+            <a:r>
+              <a:rPr lang="en-US" sz="1800" dirty="0"/>
+              <a:t> </a:t>
+            </a:r>
+            <a:r>
+              <a:rPr lang="en-US" sz="1800" dirty="0" err="1"/>
+              <a:t>ali</a:t>
+            </a:r>
+            <a:r>
+              <a:rPr lang="en-US" sz="1800" dirty="0"/>
+              <a:t> </a:t>
+            </a:r>
+            <a:r>
+              <a:rPr lang="en-US" sz="1800" dirty="0" err="1"/>
+              <a:t>povećava</a:t>
+            </a:r>
+            <a:r>
+              <a:rPr lang="en-US" sz="1800" dirty="0"/>
+              <a:t> </a:t>
+            </a:r>
+            <a:r>
+              <a:rPr lang="en-US" sz="1800" dirty="0" err="1"/>
+              <a:t>mogućnost</a:t>
+            </a:r>
+            <a:r>
+              <a:rPr lang="en-US" sz="1800" dirty="0"/>
+              <a:t> </a:t>
+            </a:r>
+            <a:r>
+              <a:rPr lang="en-US" sz="1800" dirty="0" err="1"/>
+              <a:t>oscilacija</a:t>
+            </a:r>
+            <a:r>
+              <a:rPr lang="en-US" sz="1800" dirty="0"/>
+              <a:t> </a:t>
+            </a:r>
+            <a:r>
+              <a:rPr lang="en-US" sz="1800" dirty="0" err="1"/>
+              <a:t>i</a:t>
+            </a:r>
+            <a:r>
+              <a:rPr lang="en-US" sz="1800" dirty="0"/>
+              <a:t> divergence </a:t>
+            </a:r>
+            <a:r>
+              <a:rPr lang="en-US" sz="1800" dirty="0" err="1"/>
+              <a:t>ako</a:t>
+            </a:r>
+            <a:r>
+              <a:rPr lang="en-US" sz="1800" dirty="0"/>
+              <a:t> je </a:t>
+            </a:r>
+            <a:r>
+              <a:rPr lang="en-US" sz="1800" dirty="0" err="1"/>
+              <a:t>graf</a:t>
+            </a:r>
+            <a:r>
+              <a:rPr lang="en-US" sz="1800" dirty="0"/>
+              <a:t> </a:t>
+            </a:r>
+            <a:r>
+              <a:rPr lang="en-US" sz="1800" dirty="0" err="1"/>
+              <a:t>loše</a:t>
+            </a:r>
+            <a:r>
+              <a:rPr lang="en-US" sz="1800" dirty="0"/>
+              <a:t> </a:t>
+            </a:r>
+            <a:r>
+              <a:rPr lang="en-US" sz="1800" dirty="0" err="1"/>
+              <a:t>povezan</a:t>
+            </a:r>
+            <a:r>
+              <a:rPr lang="en-US" sz="1800" dirty="0"/>
+              <a:t> </a:t>
+            </a:r>
+            <a:r>
+              <a:rPr lang="en-US" sz="1800" dirty="0" err="1"/>
+              <a:t>ili</a:t>
+            </a:r>
+            <a:r>
+              <a:rPr lang="en-US" sz="1800" dirty="0"/>
+              <a:t> </a:t>
+            </a:r>
+            <a:r>
+              <a:rPr lang="en-US" sz="1800" b="1" dirty="0" err="1"/>
+              <a:t>ako</a:t>
+            </a:r>
+            <a:r>
+              <a:rPr lang="en-US" sz="1800" b="1" dirty="0"/>
+              <a:t> </a:t>
+            </a:r>
+            <a:r>
+              <a:rPr lang="en-US" sz="1800" b="1" dirty="0" err="1"/>
+              <a:t>postoji</a:t>
+            </a:r>
+            <a:r>
+              <a:rPr lang="en-US" sz="1800" b="1" dirty="0"/>
+              <a:t> </a:t>
+            </a:r>
+            <a:r>
+              <a:rPr lang="en-US" b="1" dirty="0" err="1"/>
+              <a:t>noise_std</a:t>
+            </a:r>
+            <a:r>
+              <a:rPr lang="en-US" sz="1800" b="1" dirty="0"/>
+              <a:t> &gt; 0.</a:t>
+            </a:r>
+          </a:p>
+          <a:p>
+            <a:r>
+              <a:rPr lang="en-US" sz="1800" b="1" dirty="0" err="1"/>
+              <a:t>Niže</a:t>
+            </a:r>
+            <a:r>
+              <a:rPr lang="en-US" sz="1800" b="1" dirty="0"/>
+              <a:t> </a:t>
+            </a:r>
+            <a:r>
+              <a:rPr lang="en-US" b="1" dirty="0"/>
+              <a:t>alpha</a:t>
+            </a:r>
+            <a:r>
+              <a:rPr lang="en-US" sz="1800" b="1" dirty="0"/>
+              <a:t> </a:t>
+            </a:r>
+            <a:r>
+              <a:rPr lang="en-US" sz="1800" b="1" dirty="0" err="1"/>
+              <a:t>vrednosti</a:t>
+            </a:r>
+            <a:r>
+              <a:rPr lang="en-US" sz="1800" b="1" dirty="0"/>
+              <a:t> </a:t>
+            </a:r>
+            <a:r>
+              <a:rPr lang="en-US" sz="1800" b="1" dirty="0" err="1"/>
+              <a:t>stabilizuju</a:t>
+            </a:r>
+            <a:r>
+              <a:rPr lang="en-US" sz="1800" b="1" dirty="0"/>
+              <a:t> </a:t>
+            </a:r>
+            <a:r>
+              <a:rPr lang="en-US" sz="1800" b="1" dirty="0" err="1"/>
+              <a:t>sistem</a:t>
+            </a:r>
+            <a:r>
+              <a:rPr lang="en-US" sz="1800" b="1" dirty="0"/>
+              <a:t> </a:t>
+            </a:r>
+            <a:r>
+              <a:rPr lang="en-US" sz="1800" b="1" dirty="0" err="1"/>
+              <a:t>ali</a:t>
+            </a:r>
+            <a:r>
+              <a:rPr lang="en-US" sz="1800" b="1" dirty="0"/>
+              <a:t> </a:t>
+            </a:r>
+            <a:r>
+              <a:rPr lang="en-US" sz="1800" b="1" dirty="0" err="1"/>
+              <a:t>usporavaju</a:t>
+            </a:r>
+            <a:r>
+              <a:rPr lang="en-US" sz="1800" b="1" dirty="0"/>
+              <a:t> </a:t>
+            </a:r>
+            <a:r>
+              <a:rPr lang="en-US" sz="1800" b="1" dirty="0" err="1"/>
+              <a:t>konvergenciju</a:t>
+            </a:r>
+            <a:r>
+              <a:rPr lang="en-US" sz="1800" b="1" dirty="0"/>
+              <a:t>.</a:t>
+            </a:r>
+            <a:endParaRPr lang="en-US" sz="1800" dirty="0"/>
+          </a:p>
+          <a:p>
+            <a:r>
+              <a:rPr lang="en-US" sz="1800" b="1" u="sng" dirty="0" err="1"/>
+              <a:t>Uticaj</a:t>
+            </a:r>
+            <a:r>
+              <a:rPr lang="en-US" sz="1800" b="1" u="sng" dirty="0"/>
+              <a:t> </a:t>
+            </a:r>
+            <a:r>
+              <a:rPr lang="en-US" b="1" u="sng" dirty="0" err="1"/>
+              <a:t>noise_std</a:t>
+            </a:r>
+            <a:r>
+              <a:rPr lang="en-US" sz="1800" b="1" u="sng" dirty="0"/>
+              <a:t> </a:t>
+            </a:r>
+            <a:r>
+              <a:rPr lang="en-US" sz="1800" b="1" u="sng" dirty="0" err="1"/>
+              <a:t>i</a:t>
+            </a:r>
+            <a:r>
+              <a:rPr lang="en-US" sz="1800" b="1" u="sng" dirty="0"/>
+              <a:t> </a:t>
+            </a:r>
+            <a:r>
+              <a:rPr lang="en-US" b="1" u="sng" dirty="0" err="1"/>
+              <a:t>p_drop</a:t>
+            </a:r>
+            <a:endParaRPr lang="en-US" sz="1800" b="1" u="sng" dirty="0"/>
+          </a:p>
+          <a:p>
+            <a:r>
+              <a:rPr lang="en-US" sz="1800" dirty="0" err="1"/>
+              <a:t>Čak</a:t>
+            </a:r>
+            <a:r>
+              <a:rPr lang="en-US" sz="1800" dirty="0"/>
+              <a:t> </a:t>
+            </a:r>
+            <a:r>
+              <a:rPr lang="en-US" sz="1800" dirty="0" err="1"/>
+              <a:t>i</a:t>
+            </a:r>
+            <a:r>
+              <a:rPr lang="en-US" sz="1800" dirty="0"/>
+              <a:t> male </a:t>
+            </a:r>
+            <a:r>
+              <a:rPr lang="en-US" sz="1800" dirty="0" err="1"/>
+              <a:t>vrednosti</a:t>
+            </a:r>
+            <a:r>
+              <a:rPr lang="en-US" sz="1800" dirty="0"/>
+              <a:t> </a:t>
+            </a:r>
+            <a:r>
+              <a:rPr lang="en-US" dirty="0" err="1"/>
+              <a:t>noise_std</a:t>
+            </a:r>
+            <a:r>
+              <a:rPr lang="en-US" sz="1800" dirty="0"/>
+              <a:t> (</a:t>
+            </a:r>
+            <a:r>
+              <a:rPr lang="en-US" dirty="0"/>
+              <a:t>0.05</a:t>
+            </a:r>
+            <a:r>
+              <a:rPr lang="en-US" sz="1800" dirty="0"/>
+              <a:t>) </a:t>
+            </a:r>
+            <a:r>
+              <a:rPr lang="en-US" sz="1800" dirty="0" err="1"/>
+              <a:t>značajno</a:t>
+            </a:r>
+            <a:r>
+              <a:rPr lang="en-US" sz="1800" dirty="0"/>
+              <a:t> </a:t>
+            </a:r>
+            <a:r>
+              <a:rPr lang="en-US" sz="1800" dirty="0" err="1"/>
+              <a:t>pogoršavaju</a:t>
+            </a:r>
+            <a:r>
+              <a:rPr lang="en-US" sz="1800" dirty="0"/>
+              <a:t> </a:t>
+            </a:r>
+            <a:r>
+              <a:rPr lang="en-US" sz="1800" dirty="0" err="1"/>
+              <a:t>preciznost</a:t>
+            </a:r>
+            <a:r>
+              <a:rPr lang="en-US" sz="1800" dirty="0"/>
+              <a:t> </a:t>
+            </a:r>
+            <a:r>
+              <a:rPr lang="en-US" sz="1800" dirty="0" err="1"/>
+              <a:t>kod</a:t>
+            </a:r>
+            <a:r>
+              <a:rPr lang="en-US" sz="1800" dirty="0"/>
+              <a:t> </a:t>
+            </a:r>
+            <a:r>
+              <a:rPr lang="en-US" sz="1800" dirty="0" err="1"/>
+              <a:t>svih</a:t>
+            </a:r>
+            <a:r>
+              <a:rPr lang="en-US" sz="1800" dirty="0"/>
+              <a:t> </a:t>
+            </a:r>
+            <a:r>
+              <a:rPr lang="en-US" sz="1800" dirty="0" err="1"/>
+              <a:t>protokola</a:t>
+            </a:r>
+            <a:r>
+              <a:rPr lang="en-US" sz="1800" dirty="0"/>
+              <a:t>, </a:t>
+            </a:r>
+            <a:r>
+              <a:rPr lang="en-US" sz="1800" dirty="0" err="1"/>
+              <a:t>osim</a:t>
+            </a:r>
+            <a:r>
+              <a:rPr lang="en-US" sz="1800" dirty="0"/>
+              <a:t> </a:t>
+            </a:r>
+            <a:r>
+              <a:rPr lang="en-US" sz="1800" dirty="0" err="1"/>
+              <a:t>možda</a:t>
+            </a:r>
+            <a:r>
+              <a:rPr lang="en-US" sz="1800" dirty="0"/>
+              <a:t> </a:t>
+            </a:r>
+            <a:r>
+              <a:rPr lang="en-US" sz="1800" dirty="0" err="1"/>
+              <a:t>Metropolisa</a:t>
+            </a:r>
+            <a:r>
+              <a:rPr lang="en-US" sz="1800" dirty="0"/>
+              <a:t>.</a:t>
+            </a:r>
+          </a:p>
+          <a:p>
+            <a:r>
+              <a:rPr lang="en-US" dirty="0" err="1"/>
+              <a:t>p_drop</a:t>
+            </a:r>
+            <a:r>
+              <a:rPr lang="en-US" sz="1800" dirty="0"/>
+              <a:t> (</a:t>
+            </a:r>
+            <a:r>
+              <a:rPr lang="en-US" sz="1800" dirty="0" err="1"/>
+              <a:t>npr</a:t>
+            </a:r>
+            <a:r>
+              <a:rPr lang="en-US" sz="1800" dirty="0"/>
+              <a:t>. </a:t>
+            </a:r>
+            <a:r>
+              <a:rPr lang="en-US" dirty="0"/>
+              <a:t>0.2</a:t>
+            </a:r>
+            <a:r>
+              <a:rPr lang="en-US" sz="1800" dirty="0"/>
+              <a:t> </a:t>
+            </a:r>
+            <a:r>
+              <a:rPr lang="en-US" sz="1800" dirty="0" err="1"/>
+              <a:t>ili</a:t>
+            </a:r>
+            <a:r>
+              <a:rPr lang="en-US" sz="1800" dirty="0"/>
+              <a:t> </a:t>
+            </a:r>
+            <a:r>
+              <a:rPr lang="en-US" dirty="0"/>
+              <a:t>0.8</a:t>
+            </a:r>
+            <a:r>
+              <a:rPr lang="en-US" sz="1800" dirty="0"/>
+              <a:t>) </a:t>
+            </a:r>
+            <a:r>
+              <a:rPr lang="en-US" sz="1800" dirty="0" err="1"/>
+              <a:t>ima</a:t>
+            </a:r>
+            <a:r>
+              <a:rPr lang="en-US" sz="1800" dirty="0"/>
+              <a:t> </a:t>
+            </a:r>
+            <a:r>
+              <a:rPr lang="en-US" sz="1800" b="1" dirty="0" err="1"/>
+              <a:t>ogroman</a:t>
+            </a:r>
+            <a:r>
+              <a:rPr lang="en-US" sz="1800" b="1" dirty="0"/>
+              <a:t> </a:t>
+            </a:r>
+            <a:r>
+              <a:rPr lang="en-US" sz="1800" b="1" dirty="0" err="1"/>
+              <a:t>negativan</a:t>
+            </a:r>
+            <a:r>
+              <a:rPr lang="en-US" sz="1800" b="1" dirty="0"/>
+              <a:t> </a:t>
+            </a:r>
+            <a:r>
+              <a:rPr lang="en-US" sz="1800" b="1" dirty="0" err="1"/>
+              <a:t>efekat</a:t>
+            </a:r>
+            <a:r>
+              <a:rPr lang="en-US" sz="1800" b="1" dirty="0"/>
+              <a:t> </a:t>
+            </a:r>
+            <a:r>
+              <a:rPr lang="en-US" sz="1800" dirty="0" err="1"/>
+              <a:t>na</a:t>
+            </a:r>
+            <a:r>
+              <a:rPr lang="en-US" sz="1800" dirty="0"/>
+              <a:t> </a:t>
+            </a:r>
+            <a:r>
+              <a:rPr lang="en-US" sz="1800" i="1" dirty="0"/>
+              <a:t>gossip </a:t>
+            </a:r>
+            <a:r>
+              <a:rPr lang="en-US" sz="1800" i="1" dirty="0" err="1"/>
+              <a:t>i</a:t>
+            </a:r>
+            <a:r>
+              <a:rPr lang="en-US" sz="1800" i="1" dirty="0"/>
+              <a:t> </a:t>
+            </a:r>
+            <a:r>
+              <a:rPr lang="en-US" sz="1800" i="1" dirty="0" err="1"/>
+              <a:t>simple_avg</a:t>
+            </a:r>
+            <a:r>
+              <a:rPr lang="en-US" sz="1800" i="1" dirty="0"/>
+              <a:t> </a:t>
+            </a:r>
+            <a:r>
+              <a:rPr lang="en-US" sz="1800" i="1" dirty="0" err="1"/>
+              <a:t>protokole</a:t>
+            </a:r>
+            <a:r>
+              <a:rPr lang="en-US" sz="1800" dirty="0"/>
+              <a:t>; Metropolis ga </a:t>
+            </a:r>
+            <a:r>
+              <a:rPr lang="en-US" sz="1800" i="1" dirty="0" err="1"/>
+              <a:t>donekle</a:t>
+            </a:r>
+            <a:r>
+              <a:rPr lang="en-US" sz="1800" dirty="0"/>
+              <a:t> </a:t>
+            </a:r>
+            <a:r>
+              <a:rPr lang="en-US" sz="1800" dirty="0" err="1"/>
+              <a:t>amortizuje</a:t>
+            </a:r>
+            <a:r>
+              <a:rPr lang="en-US" sz="1800" dirty="0"/>
+              <a:t>.</a:t>
+            </a:r>
+          </a:p>
+          <a:p>
+            <a:br>
+              <a:rPr lang="en-US" sz="1800" dirty="0"/>
+            </a:br>
+            <a:endParaRPr lang="en-US" sz="1800" dirty="0"/>
+          </a:p>
+          <a:p>
+            <a:r>
+              <a:rPr lang="en-US" sz="1800" b="1" dirty="0"/>
+              <a:t>6. </a:t>
+            </a:r>
+            <a:r>
+              <a:rPr lang="en-US" sz="1800" b="1" dirty="0" err="1"/>
+              <a:t>Uticaj</a:t>
+            </a:r>
+            <a:r>
+              <a:rPr lang="en-US" sz="1800" b="1" dirty="0"/>
+              <a:t> </a:t>
+            </a:r>
+            <a:r>
+              <a:rPr lang="en-US" b="1" dirty="0" err="1"/>
+              <a:t>byzantine_fraction</a:t>
+            </a:r>
+            <a:endParaRPr lang="en-US" sz="1800" b="1" dirty="0"/>
+          </a:p>
+          <a:p>
+            <a:r>
+              <a:rPr lang="en-US" sz="1800" dirty="0" err="1"/>
+              <a:t>Već</a:t>
+            </a:r>
+            <a:r>
+              <a:rPr lang="en-US" sz="1800" dirty="0"/>
+              <a:t> </a:t>
+            </a:r>
+            <a:r>
+              <a:rPr lang="en-US" sz="1800" dirty="0" err="1"/>
+              <a:t>i</a:t>
+            </a:r>
+            <a:r>
+              <a:rPr lang="en-US" sz="1800" dirty="0"/>
+              <a:t> </a:t>
+            </a:r>
+            <a:r>
+              <a:rPr lang="en-US" dirty="0"/>
+              <a:t>0.15</a:t>
+            </a:r>
+            <a:r>
+              <a:rPr lang="en-US" sz="1800" dirty="0"/>
+              <a:t> fraction (</a:t>
+            </a:r>
+            <a:r>
+              <a:rPr lang="en-US" sz="1800" dirty="0" err="1"/>
+              <a:t>tj</a:t>
+            </a:r>
+            <a:r>
+              <a:rPr lang="en-US" sz="1800" dirty="0"/>
+              <a:t>. 15% </a:t>
+            </a:r>
+            <a:r>
+              <a:rPr lang="en-US" sz="1800" dirty="0" err="1"/>
+              <a:t>agenata</a:t>
+            </a:r>
+            <a:r>
+              <a:rPr lang="en-US" sz="1800" dirty="0"/>
+              <a:t>) </a:t>
+            </a:r>
+            <a:r>
+              <a:rPr lang="en-US" sz="1800" dirty="0" err="1"/>
+              <a:t>ima</a:t>
+            </a:r>
+            <a:r>
+              <a:rPr lang="en-US" sz="1800" dirty="0"/>
+              <a:t> jak </a:t>
+            </a:r>
+            <a:r>
+              <a:rPr lang="en-US" sz="1800" dirty="0" err="1"/>
+              <a:t>negativan</a:t>
+            </a:r>
+            <a:r>
+              <a:rPr lang="en-US" sz="1800" dirty="0"/>
+              <a:t> </a:t>
+            </a:r>
+            <a:r>
+              <a:rPr lang="en-US" sz="1800" dirty="0" err="1"/>
+              <a:t>efekat</a:t>
+            </a:r>
+            <a:r>
+              <a:rPr lang="en-US" sz="1800" dirty="0"/>
+              <a:t>.</a:t>
+            </a:r>
+          </a:p>
+          <a:p>
+            <a:r>
+              <a:rPr lang="en-US" sz="1800" dirty="0" err="1"/>
+              <a:t>Najviše</a:t>
+            </a:r>
+            <a:r>
+              <a:rPr lang="en-US" sz="1800" dirty="0"/>
+              <a:t> </a:t>
+            </a:r>
+            <a:r>
+              <a:rPr lang="en-US" sz="1800" dirty="0" err="1"/>
+              <a:t>šteti</a:t>
+            </a:r>
+            <a:r>
+              <a:rPr lang="en-US" sz="1800" dirty="0"/>
+              <a:t> </a:t>
+            </a:r>
+            <a:r>
+              <a:rPr lang="en-US" sz="1800" dirty="0" err="1"/>
+              <a:t>protokolima</a:t>
+            </a:r>
+            <a:r>
+              <a:rPr lang="en-US" sz="1800" dirty="0"/>
+              <a:t> koji se </a:t>
+            </a:r>
+            <a:r>
+              <a:rPr lang="en-US" sz="1800" dirty="0" err="1"/>
+              <a:t>oslanjaju</a:t>
+            </a:r>
+            <a:r>
+              <a:rPr lang="en-US" sz="1800" dirty="0"/>
+              <a:t> </a:t>
+            </a:r>
+            <a:r>
+              <a:rPr lang="en-US" sz="1800" dirty="0" err="1"/>
+              <a:t>na</a:t>
+            </a:r>
+            <a:r>
+              <a:rPr lang="en-US" sz="1800" dirty="0"/>
+              <a:t> </a:t>
+            </a:r>
+            <a:r>
+              <a:rPr lang="en-US" sz="1800" dirty="0" err="1"/>
+              <a:t>proseke</a:t>
+            </a:r>
+            <a:r>
+              <a:rPr lang="en-US" sz="1800" dirty="0"/>
+              <a:t> (</a:t>
+            </a:r>
+            <a:r>
+              <a:rPr lang="en-US" dirty="0" err="1"/>
+              <a:t>simple_avg</a:t>
+            </a:r>
+            <a:r>
+              <a:rPr lang="en-US" sz="1800" dirty="0"/>
+              <a:t>, </a:t>
+            </a:r>
+            <a:r>
+              <a:rPr lang="en-US" dirty="0"/>
+              <a:t>gossip</a:t>
+            </a:r>
+            <a:r>
+              <a:rPr lang="en-US" sz="1800" dirty="0"/>
+              <a:t>), </a:t>
+            </a:r>
+            <a:r>
+              <a:rPr lang="en-US" sz="1800" dirty="0" err="1"/>
+              <a:t>dok</a:t>
+            </a:r>
+            <a:r>
+              <a:rPr lang="en-US" sz="1800" dirty="0"/>
+              <a:t> Metropolis </a:t>
+            </a:r>
+            <a:r>
+              <a:rPr lang="en-US" sz="1800" dirty="0" err="1"/>
+              <a:t>sa</a:t>
+            </a:r>
+            <a:r>
+              <a:rPr lang="en-US" sz="1800" dirty="0"/>
+              <a:t> </a:t>
+            </a:r>
+            <a:r>
+              <a:rPr lang="en-US" sz="1800" dirty="0" err="1"/>
+              <a:t>težinama</a:t>
+            </a:r>
+            <a:r>
+              <a:rPr lang="en-US" sz="1800" dirty="0"/>
+              <a:t> </a:t>
+            </a:r>
+            <a:r>
+              <a:rPr lang="en-US" sz="1800" dirty="0" err="1"/>
+              <a:t>bolje</a:t>
+            </a:r>
+            <a:r>
+              <a:rPr lang="en-US" sz="1800" dirty="0"/>
+              <a:t> </a:t>
+            </a:r>
+            <a:r>
+              <a:rPr lang="en-US" sz="1800" dirty="0" err="1"/>
+              <a:t>toleriše</a:t>
+            </a:r>
+            <a:r>
+              <a:rPr lang="en-US" sz="1800" dirty="0"/>
+              <a:t> </a:t>
+            </a:r>
+            <a:r>
+              <a:rPr lang="en-US" sz="1800" dirty="0" err="1"/>
+              <a:t>ekstremne</a:t>
+            </a:r>
+            <a:r>
+              <a:rPr lang="en-US" sz="1800" dirty="0"/>
+              <a:t> </a:t>
+            </a:r>
+            <a:r>
+              <a:rPr lang="en-US" sz="1800" dirty="0" err="1"/>
+              <a:t>vrednosti</a:t>
+            </a:r>
+            <a:r>
+              <a:rPr lang="en-US" sz="1800" dirty="0"/>
+              <a:t>.</a:t>
+            </a:r>
+          </a:p>
+        </p:txBody>
+      </p:sp>
       <p:sp>
         <p:nvSpPr>
           <p:cNvPr id="5" name="Slide Number Placeholder 4">
             <a:extLst>
               <a:ext uri="{FF2B5EF4-FFF2-40B4-BE49-F238E27FC236}">
-                <a16:creationId xmlns:a16="http://schemas.microsoft.com/office/drawing/2014/main" id="{0FF6EF25-1A43-B685-800B-85D36602EF9F}"/>
+                <a16:creationId xmlns:a16="http://schemas.microsoft.com/office/drawing/2014/main" id="{E3529B2E-0B21-1F61-637D-CA25C730F62A}"/>
               </a:ext>
             </a:extLst>
           </p:cNvPr>
@@ -7753,7 +8104,7 @@
     </p:spTree>
     <p:extLst>
       <p:ext uri="{BB962C8B-B14F-4D97-AF65-F5344CB8AC3E}">
-        <p14:creationId xmlns:p14="http://schemas.microsoft.com/office/powerpoint/2010/main" val="2149261472"/>
+        <p14:creationId xmlns:p14="http://schemas.microsoft.com/office/powerpoint/2010/main" val="3996577430"/>
       </p:ext>
     </p:extLst>
   </p:cSld>
@@ -7768,7 +8119,13 @@
   <p:cSld>
     <p:spTree>
       <p:nvGrpSpPr>
-        <p:cNvPr id="1" name=""/>
+        <p:cNvPr id="1" name="">
+          <a:extLst>
+            <a:ext uri="{FF2B5EF4-FFF2-40B4-BE49-F238E27FC236}">
+              <a16:creationId xmlns:a16="http://schemas.microsoft.com/office/drawing/2014/main" id="{F920A94C-6E00-CE94-7DAA-C65D315B3A18}"/>
+            </a:ext>
+          </a:extLst>
+        </p:cNvPr>
         <p:cNvGrpSpPr/>
         <p:nvPr/>
       </p:nvGrpSpPr>
@@ -7785,7 +8142,7 @@
           <p:cNvPr id="2" name="Title 1">
             <a:extLst>
               <a:ext uri="{FF2B5EF4-FFF2-40B4-BE49-F238E27FC236}">
-                <a16:creationId xmlns:a16="http://schemas.microsoft.com/office/drawing/2014/main" id="{B4386DBB-D0DC-05D4-788C-E10EEF6B4A91}"/>
+                <a16:creationId xmlns:a16="http://schemas.microsoft.com/office/drawing/2014/main" id="{96B83E2D-0D8B-F69D-0512-258C145F0E64}"/>
               </a:ext>
             </a:extLst>
           </p:cNvPr>
@@ -7798,8 +8155,8 @@
         </p:nvSpPr>
         <p:spPr>
           <a:xfrm>
-            <a:off x="891990" y="434225"/>
-            <a:ext cx="9524998" cy="1499627"/>
+            <a:off x="158378" y="-312219"/>
+            <a:ext cx="10439401" cy="1617017"/>
           </a:xfrm>
         </p:spPr>
         <p:txBody>
@@ -7807,9 +8164,10 @@
           <a:lstStyle/>
           <a:p>
             <a:r>
-              <a:rPr lang="en-US" dirty="0"/>
-              <a:t>Solution</a:t>
-            </a:r>
+              <a:rPr lang="en-US" dirty="0" err="1"/>
+              <a:t>Rezultati</a:t>
+            </a:r>
+            <a:endParaRPr lang="en-US" dirty="0"/>
           </a:p>
         </p:txBody>
       </p:sp>
@@ -7818,7 +8176,7 @@
           <p:cNvPr id="3" name="Content Placeholder 2">
             <a:extLst>
               <a:ext uri="{FF2B5EF4-FFF2-40B4-BE49-F238E27FC236}">
-                <a16:creationId xmlns:a16="http://schemas.microsoft.com/office/drawing/2014/main" id="{F0E41F64-E350-1F21-8A57-E740F48F3132}"/>
+                <a16:creationId xmlns:a16="http://schemas.microsoft.com/office/drawing/2014/main" id="{9A6086F5-C85A-599C-357E-3EE5C540C81F}"/>
               </a:ext>
             </a:extLst>
           </p:cNvPr>
@@ -7831,44 +8189,31 @@
         </p:nvSpPr>
         <p:spPr>
           <a:xfrm>
-            <a:off x="914399" y="2022250"/>
-            <a:ext cx="6257366" cy="3914910"/>
+            <a:off x="717451" y="685819"/>
+            <a:ext cx="3310129" cy="355190"/>
           </a:xfrm>
         </p:spPr>
         <p:txBody>
-          <a:bodyPr/>
+          <a:bodyPr>
+            <a:normAutofit lnSpcReduction="10000"/>
+          </a:bodyPr>
           <a:lstStyle/>
           <a:p>
-            <a:r>
-              <a:rPr lang="en-US" dirty="0"/>
-              <a:t>Our product makes consumer lives easier, and no other product on the market offers the same features</a:t>
-            </a:r>
-          </a:p>
-          <a:p>
-            <a:pPr lvl="1"/>
-            <a:r>
-              <a:rPr lang="en-US" dirty="0"/>
-              <a:t>Gen Z (18-25 years old)</a:t>
-            </a:r>
-          </a:p>
-          <a:p>
-            <a:pPr lvl="1"/>
-            <a:r>
-              <a:rPr lang="en-US" dirty="0"/>
-              <a:t>Reduce expenses for replacement products </a:t>
-            </a:r>
-          </a:p>
-          <a:p>
-            <a:pPr lvl="1"/>
-            <a:r>
-              <a:rPr lang="en-US" dirty="0"/>
-              <a:t>Simple design that gives customers the targeted information they need</a:t>
-            </a:r>
-          </a:p>
-          <a:p>
-            <a:endParaRPr lang="en-US" dirty="0"/>
-          </a:p>
-          <a:p>
+            <a:pPr marL="0" indent="0">
+              <a:buNone/>
+            </a:pPr>
+            <a:r>
+              <a:rPr lang="en-US" dirty="0" err="1"/>
+              <a:t>Nekih</a:t>
+            </a:r>
+            <a:r>
+              <a:rPr lang="en-US" dirty="0"/>
+              <a:t> </a:t>
+            </a:r>
+            <a:r>
+              <a:rPr lang="en-US" dirty="0" err="1"/>
+              <a:t>parametara</a:t>
+            </a:r>
             <a:endParaRPr lang="en-US" dirty="0"/>
           </a:p>
         </p:txBody>
@@ -7878,7 +8223,7 @@
           <p:cNvPr id="4" name="Content Placeholder 3">
             <a:extLst>
               <a:ext uri="{FF2B5EF4-FFF2-40B4-BE49-F238E27FC236}">
-                <a16:creationId xmlns:a16="http://schemas.microsoft.com/office/drawing/2014/main" id="{3735AC68-D86C-E73B-5402-F22C9F54DC0C}"/>
+                <a16:creationId xmlns:a16="http://schemas.microsoft.com/office/drawing/2014/main" id="{50326D7E-DE4A-4043-F79D-C0763BB5BC6E}"/>
               </a:ext>
             </a:extLst>
           </p:cNvPr>
@@ -7891,35 +8236,218 @@
         </p:nvSpPr>
         <p:spPr>
           <a:xfrm>
-            <a:off x="7967475" y="2018119"/>
-            <a:ext cx="2449514" cy="3931919"/>
+            <a:off x="553328" y="1304798"/>
+            <a:ext cx="11085343" cy="3747180"/>
           </a:xfrm>
         </p:spPr>
         <p:txBody>
-          <a:bodyPr/>
+          <a:bodyPr>
+            <a:noAutofit/>
+          </a:bodyPr>
           <a:lstStyle/>
           <a:p>
-            <a:r>
-              <a:rPr lang="en-US" dirty="0"/>
-              <a:t>Close the gap</a:t>
-            </a:r>
-          </a:p>
-          <a:p>
-            <a:r>
-              <a:rPr lang="en-US" dirty="0"/>
-              <a:t>Target audience </a:t>
-            </a:r>
-          </a:p>
-          <a:p>
-            <a:r>
-              <a:rPr lang="en-US" dirty="0"/>
-              <a:t>Cost savings</a:t>
-            </a:r>
-          </a:p>
-          <a:p>
-            <a:r>
-              <a:rPr lang="en-US" dirty="0"/>
-              <a:t>Easy to use</a:t>
+            <a:pPr marL="0" indent="0">
+              <a:buNone/>
+            </a:pPr>
+            <a:endParaRPr lang="en-US" sz="1800" dirty="0"/>
+          </a:p>
+          <a:p>
+            <a:r>
+              <a:rPr lang="en-US" sz="1800" b="1" dirty="0" err="1"/>
+              <a:t>Uticaj</a:t>
+            </a:r>
+            <a:r>
+              <a:rPr lang="en-US" sz="1800" b="1" dirty="0"/>
+              <a:t> </a:t>
+            </a:r>
+            <a:r>
+              <a:rPr lang="en-US" b="1" i="1" dirty="0" err="1"/>
+              <a:t>byzantine_fraction</a:t>
+            </a:r>
+            <a:endParaRPr lang="en-US" sz="1800" b="1" i="1" dirty="0"/>
+          </a:p>
+          <a:p>
+            <a:r>
+              <a:rPr lang="en-US" sz="1800" dirty="0" err="1"/>
+              <a:t>Već</a:t>
+            </a:r>
+            <a:r>
+              <a:rPr lang="en-US" sz="1800" dirty="0"/>
+              <a:t> </a:t>
+            </a:r>
+            <a:r>
+              <a:rPr lang="en-US" sz="1800" dirty="0" err="1"/>
+              <a:t>i</a:t>
+            </a:r>
+            <a:r>
+              <a:rPr lang="en-US" sz="1800" dirty="0"/>
+              <a:t> </a:t>
+            </a:r>
+            <a:r>
+              <a:rPr lang="en-US" dirty="0"/>
+              <a:t>0.15</a:t>
+            </a:r>
+            <a:r>
+              <a:rPr lang="en-US" sz="1800" dirty="0"/>
+              <a:t> fraction (15% </a:t>
+            </a:r>
+            <a:r>
+              <a:rPr lang="en-US" sz="1800" dirty="0" err="1"/>
+              <a:t>agenata</a:t>
+            </a:r>
+            <a:r>
+              <a:rPr lang="en-US" sz="1800" dirty="0"/>
+              <a:t>) </a:t>
+            </a:r>
+            <a:r>
+              <a:rPr lang="en-US" sz="1800" dirty="0" err="1"/>
+              <a:t>ima</a:t>
+            </a:r>
+            <a:r>
+              <a:rPr lang="en-US" sz="1800" dirty="0"/>
+              <a:t> </a:t>
+            </a:r>
+            <a:r>
+              <a:rPr lang="en-US" sz="1800" b="1" dirty="0"/>
+              <a:t>jak </a:t>
+            </a:r>
+            <a:r>
+              <a:rPr lang="en-US" sz="1800" b="1" dirty="0" err="1"/>
+              <a:t>negativan</a:t>
+            </a:r>
+            <a:r>
+              <a:rPr lang="en-US" sz="1800" b="1" dirty="0"/>
+              <a:t> </a:t>
+            </a:r>
+            <a:r>
+              <a:rPr lang="en-US" sz="1800" b="1" dirty="0" err="1"/>
+              <a:t>efekat</a:t>
+            </a:r>
+            <a:r>
+              <a:rPr lang="en-US" sz="1800" dirty="0"/>
+              <a:t>.</a:t>
+            </a:r>
+          </a:p>
+          <a:p>
+            <a:r>
+              <a:rPr lang="en-US" sz="1800" dirty="0" err="1"/>
+              <a:t>Najviše</a:t>
+            </a:r>
+            <a:r>
+              <a:rPr lang="en-US" sz="1800" dirty="0"/>
+              <a:t> </a:t>
+            </a:r>
+            <a:r>
+              <a:rPr lang="en-US" sz="1800" dirty="0" err="1"/>
+              <a:t>šteti</a:t>
+            </a:r>
+            <a:r>
+              <a:rPr lang="en-US" sz="1800" dirty="0"/>
+              <a:t> </a:t>
+            </a:r>
+            <a:r>
+              <a:rPr lang="en-US" sz="1800" dirty="0" err="1"/>
+              <a:t>protokolima</a:t>
+            </a:r>
+            <a:r>
+              <a:rPr lang="en-US" sz="1800" dirty="0"/>
+              <a:t> koji se </a:t>
+            </a:r>
+            <a:r>
+              <a:rPr lang="en-US" sz="1800" dirty="0" err="1"/>
+              <a:t>oslanjaju</a:t>
+            </a:r>
+            <a:r>
+              <a:rPr lang="en-US" sz="1800" dirty="0"/>
+              <a:t> </a:t>
+            </a:r>
+            <a:r>
+              <a:rPr lang="en-US" sz="1800" dirty="0" err="1"/>
+              <a:t>na</a:t>
+            </a:r>
+            <a:r>
+              <a:rPr lang="en-US" sz="1800" dirty="0"/>
+              <a:t> </a:t>
+            </a:r>
+            <a:r>
+              <a:rPr lang="en-US" sz="1800" dirty="0" err="1"/>
+              <a:t>proseke</a:t>
+            </a:r>
+            <a:r>
+              <a:rPr lang="en-US" sz="1800" dirty="0"/>
+              <a:t> (</a:t>
+            </a:r>
+            <a:r>
+              <a:rPr lang="en-US" dirty="0" err="1"/>
+              <a:t>simple_avg</a:t>
+            </a:r>
+            <a:r>
+              <a:rPr lang="en-US" sz="1800" dirty="0"/>
+              <a:t>, </a:t>
+            </a:r>
+            <a:r>
+              <a:rPr lang="en-US" dirty="0"/>
+              <a:t>gossip</a:t>
+            </a:r>
+            <a:r>
+              <a:rPr lang="en-US" sz="1800" dirty="0"/>
+              <a:t>), </a:t>
+            </a:r>
+            <a:r>
+              <a:rPr lang="en-US" sz="1800" dirty="0" err="1"/>
+              <a:t>dok</a:t>
+            </a:r>
+            <a:r>
+              <a:rPr lang="en-US" sz="1800" dirty="0"/>
+              <a:t> Metropolis </a:t>
+            </a:r>
+            <a:r>
+              <a:rPr lang="en-US" sz="1800" dirty="0" err="1"/>
+              <a:t>sa</a:t>
+            </a:r>
+            <a:r>
+              <a:rPr lang="en-US" sz="1800" dirty="0"/>
+              <a:t> </a:t>
+            </a:r>
+            <a:r>
+              <a:rPr lang="en-US" sz="1800" dirty="0" err="1"/>
+              <a:t>težinama</a:t>
+            </a:r>
+            <a:r>
+              <a:rPr lang="en-US" sz="1800" dirty="0"/>
+              <a:t> </a:t>
+            </a:r>
+            <a:r>
+              <a:rPr lang="en-US" sz="1800" dirty="0" err="1"/>
+              <a:t>bolje</a:t>
+            </a:r>
+            <a:r>
+              <a:rPr lang="en-US" sz="1800" dirty="0"/>
+              <a:t> </a:t>
+            </a:r>
+            <a:r>
+              <a:rPr lang="en-US" sz="1800" dirty="0" err="1"/>
+              <a:t>toleriše</a:t>
+            </a:r>
+            <a:r>
+              <a:rPr lang="en-US" sz="1800" dirty="0"/>
+              <a:t> </a:t>
+            </a:r>
+            <a:r>
+              <a:rPr lang="en-US" sz="1800" dirty="0" err="1"/>
+              <a:t>ekstremne</a:t>
+            </a:r>
+            <a:r>
+              <a:rPr lang="en-US" sz="1800" dirty="0"/>
+              <a:t> </a:t>
+            </a:r>
+            <a:r>
+              <a:rPr lang="en-US" sz="1800" dirty="0" err="1"/>
+              <a:t>vrednosti</a:t>
+            </a:r>
+            <a:r>
+              <a:rPr lang="en-US" sz="1800" dirty="0"/>
+              <a:t>.</a:t>
             </a:r>
           </a:p>
         </p:txBody>
@@ -7929,7 +8457,7 @@
           <p:cNvPr id="5" name="Slide Number Placeholder 4">
             <a:extLst>
               <a:ext uri="{FF2B5EF4-FFF2-40B4-BE49-F238E27FC236}">
-                <a16:creationId xmlns:a16="http://schemas.microsoft.com/office/drawing/2014/main" id="{C99D2502-F7A7-039F-01A0-59462ADFF659}"/>
+                <a16:creationId xmlns:a16="http://schemas.microsoft.com/office/drawing/2014/main" id="{BAFC9D98-F1AC-9260-925B-402826917914}"/>
               </a:ext>
             </a:extLst>
           </p:cNvPr>
@@ -7962,7 +8490,7 @@
     </p:spTree>
     <p:extLst>
       <p:ext uri="{BB962C8B-B14F-4D97-AF65-F5344CB8AC3E}">
-        <p14:creationId xmlns:p14="http://schemas.microsoft.com/office/powerpoint/2010/main" val="2398406067"/>
+        <p14:creationId xmlns:p14="http://schemas.microsoft.com/office/powerpoint/2010/main" val="1115156090"/>
       </p:ext>
     </p:extLst>
   </p:cSld>
@@ -7991,849 +8519,10 @@
       </p:grpSpPr>
       <p:sp>
         <p:nvSpPr>
-          <p:cNvPr id="2" name="Title 1">
+          <p:cNvPr id="5" name="Slide Number Placeholder 4">
             <a:extLst>
               <a:ext uri="{FF2B5EF4-FFF2-40B4-BE49-F238E27FC236}">
-                <a16:creationId xmlns:a16="http://schemas.microsoft.com/office/drawing/2014/main" id="{958ECED9-3D31-C7EF-C4E5-0D218F611807}"/>
-              </a:ext>
-            </a:extLst>
-          </p:cNvPr>
-          <p:cNvSpPr>
-            <a:spLocks noGrp="1"/>
-          </p:cNvSpPr>
-          <p:nvPr>
-            <p:ph type="title"/>
-          </p:nvPr>
-        </p:nvSpPr>
-        <p:spPr>
-          <a:xfrm>
-            <a:off x="923545" y="584477"/>
-            <a:ext cx="10354052" cy="1209765"/>
-          </a:xfrm>
-        </p:spPr>
-        <p:txBody>
-          <a:bodyPr/>
-          <a:lstStyle/>
-          <a:p>
-            <a:r>
-              <a:rPr lang="en-US" dirty="0"/>
-              <a:t>Financials</a:t>
-            </a:r>
-          </a:p>
-        </p:txBody>
-      </p:sp>
-      <p:graphicFrame>
-        <p:nvGraphicFramePr>
-          <p:cNvPr id="5" name="Table 9">
-            <a:extLst>
-              <a:ext uri="{FF2B5EF4-FFF2-40B4-BE49-F238E27FC236}">
-                <a16:creationId xmlns:a16="http://schemas.microsoft.com/office/drawing/2014/main" id="{B782709C-FC0C-E355-9C94-A8EE025BAC7B}"/>
-              </a:ext>
-            </a:extLst>
-          </p:cNvPr>
-          <p:cNvGraphicFramePr>
-            <a:graphicFrameLocks noGrp="1"/>
-          </p:cNvGraphicFramePr>
-          <p:nvPr>
-            <p:ph type="tbl" sz="quarter" idx="10"/>
-            <p:extLst>
-              <p:ext uri="{D42A27DB-BD31-4B8C-83A1-F6EECF244321}">
-                <p14:modId xmlns:p14="http://schemas.microsoft.com/office/powerpoint/2010/main" val="829977845"/>
-              </p:ext>
-            </p:extLst>
-          </p:nvPr>
-        </p:nvGraphicFramePr>
-        <p:xfrm>
-          <a:off x="923925" y="2009775"/>
-          <a:ext cx="10363201" cy="3934070"/>
-        </p:xfrm>
-        <a:graphic>
-          <a:graphicData uri="http://schemas.openxmlformats.org/drawingml/2006/table">
-            <a:tbl>
-              <a:tblPr firstRow="1" bandRow="1">
-                <a:tableStyleId>{5C22544A-7EE6-4342-B048-85BDC9FD1C3A}</a:tableStyleId>
-              </a:tblPr>
-              <a:tblGrid>
-                <a:gridCol w="4324555">
-                  <a:extLst>
-                    <a:ext uri="{9D8B030D-6E8A-4147-A177-3AD203B41FA5}">
-                      <a16:colId xmlns:a16="http://schemas.microsoft.com/office/drawing/2014/main" val="3446012419"/>
-                    </a:ext>
-                  </a:extLst>
-                </a:gridCol>
-                <a:gridCol w="2012882">
-                  <a:extLst>
-                    <a:ext uri="{9D8B030D-6E8A-4147-A177-3AD203B41FA5}">
-                      <a16:colId xmlns:a16="http://schemas.microsoft.com/office/drawing/2014/main" val="4052646397"/>
-                    </a:ext>
-                  </a:extLst>
-                </a:gridCol>
-                <a:gridCol w="2012882">
-                  <a:extLst>
-                    <a:ext uri="{9D8B030D-6E8A-4147-A177-3AD203B41FA5}">
-                      <a16:colId xmlns:a16="http://schemas.microsoft.com/office/drawing/2014/main" val="1935352797"/>
-                    </a:ext>
-                  </a:extLst>
-                </a:gridCol>
-                <a:gridCol w="2012882">
-                  <a:extLst>
-                    <a:ext uri="{9D8B030D-6E8A-4147-A177-3AD203B41FA5}">
-                      <a16:colId xmlns:a16="http://schemas.microsoft.com/office/drawing/2014/main" val="1218263486"/>
-                    </a:ext>
-                  </a:extLst>
-                </a:gridCol>
-              </a:tblGrid>
-              <a:tr h="562010">
-                <a:tc>
-                  <a:txBody>
-                    <a:bodyPr/>
-                    <a:lstStyle/>
-                    <a:p>
-                      <a:pPr algn="l" fontAlgn="b"/>
-                      <a:endParaRPr lang="en-US" sz="1800" b="0" i="0" u="none" strike="noStrike" dirty="0">
-                        <a:solidFill>
-                          <a:schemeClr val="tx1"/>
-                        </a:solidFill>
-                        <a:effectLst/>
-                        <a:latin typeface="+mn-lt"/>
-                      </a:endParaRPr>
-                    </a:p>
-                  </a:txBody>
-                  <a:tcPr marL="288000" anchor="ctr"/>
-                </a:tc>
-                <a:tc>
-                  <a:txBody>
-                    <a:bodyPr/>
-                    <a:lstStyle/>
-                    <a:p>
-                      <a:pPr algn="l" fontAlgn="b"/>
-                      <a:r>
-                        <a:rPr lang="en-US" sz="1800" b="1" u="none" strike="noStrike" dirty="0">
-                          <a:solidFill>
-                            <a:schemeClr val="tx1"/>
-                          </a:solidFill>
-                          <a:effectLst/>
-                        </a:rPr>
-                        <a:t>Year 1</a:t>
-                      </a:r>
-                      <a:endParaRPr lang="en-US" sz="1800" b="1" i="0" u="none" strike="noStrike" dirty="0">
-                        <a:solidFill>
-                          <a:schemeClr val="tx1"/>
-                        </a:solidFill>
-                        <a:effectLst/>
-                        <a:latin typeface="+mn-lt"/>
-                      </a:endParaRPr>
-                    </a:p>
-                  </a:txBody>
-                  <a:tcPr anchor="ctr"/>
-                </a:tc>
-                <a:tc>
-                  <a:txBody>
-                    <a:bodyPr/>
-                    <a:lstStyle/>
-                    <a:p>
-                      <a:pPr algn="l" fontAlgn="b"/>
-                      <a:r>
-                        <a:rPr lang="en-US" sz="1800" b="1" u="none" strike="noStrike" dirty="0">
-                          <a:solidFill>
-                            <a:schemeClr val="tx1"/>
-                          </a:solidFill>
-                          <a:effectLst/>
-                        </a:rPr>
-                        <a:t>Year 2</a:t>
-                      </a:r>
-                      <a:endParaRPr lang="en-US" sz="1800" b="1" i="0" u="none" strike="noStrike" dirty="0">
-                        <a:solidFill>
-                          <a:schemeClr val="tx1"/>
-                        </a:solidFill>
-                        <a:effectLst/>
-                        <a:latin typeface="+mn-lt"/>
-                      </a:endParaRPr>
-                    </a:p>
-                  </a:txBody>
-                  <a:tcPr anchor="ctr"/>
-                </a:tc>
-                <a:tc>
-                  <a:txBody>
-                    <a:bodyPr/>
-                    <a:lstStyle/>
-                    <a:p>
-                      <a:pPr algn="l" fontAlgn="b"/>
-                      <a:r>
-                        <a:rPr lang="en-US" sz="1800" b="1" u="none" strike="noStrike" dirty="0">
-                          <a:solidFill>
-                            <a:schemeClr val="tx1"/>
-                          </a:solidFill>
-                          <a:effectLst/>
-                        </a:rPr>
-                        <a:t>Year 3</a:t>
-                      </a:r>
-                      <a:endParaRPr lang="en-US" sz="1800" b="1" i="0" u="none" strike="noStrike" dirty="0">
-                        <a:solidFill>
-                          <a:schemeClr val="tx1"/>
-                        </a:solidFill>
-                        <a:effectLst/>
-                        <a:latin typeface="+mn-lt"/>
-                      </a:endParaRPr>
-                    </a:p>
-                  </a:txBody>
-                  <a:tcPr anchor="ctr"/>
-                </a:tc>
-                <a:extLst>
-                  <a:ext uri="{0D108BD9-81ED-4DB2-BD59-A6C34878D82A}">
-                    <a16:rowId xmlns:a16="http://schemas.microsoft.com/office/drawing/2014/main" val="4140773105"/>
-                  </a:ext>
-                </a:extLst>
-              </a:tr>
-              <a:tr h="562010">
-                <a:tc>
-                  <a:txBody>
-                    <a:bodyPr/>
-                    <a:lstStyle/>
-                    <a:p>
-                      <a:pPr algn="l" fontAlgn="b"/>
-                      <a:r>
-                        <a:rPr lang="en-US" sz="1800" b="0" u="none" strike="noStrike" dirty="0">
-                          <a:solidFill>
-                            <a:schemeClr val="tx1"/>
-                          </a:solidFill>
-                          <a:effectLst/>
-                        </a:rPr>
-                        <a:t>Income</a:t>
-                      </a:r>
-                      <a:endParaRPr lang="en-US" sz="1800" b="0" i="0" u="none" strike="noStrike" dirty="0">
-                        <a:solidFill>
-                          <a:schemeClr val="tx1"/>
-                        </a:solidFill>
-                        <a:effectLst/>
-                        <a:latin typeface="+mn-lt"/>
-                      </a:endParaRPr>
-                    </a:p>
-                  </a:txBody>
-                  <a:tcPr marL="288000" anchor="ctr"/>
-                </a:tc>
-                <a:tc>
-                  <a:txBody>
-                    <a:bodyPr/>
-                    <a:lstStyle/>
-                    <a:p>
-                      <a:pPr algn="l" fontAlgn="b"/>
-                      <a:endParaRPr lang="en-US" sz="1800" b="0" i="0" u="none" strike="noStrike" dirty="0">
-                        <a:solidFill>
-                          <a:schemeClr val="tx1"/>
-                        </a:solidFill>
-                        <a:effectLst/>
-                        <a:latin typeface="+mn-lt"/>
-                      </a:endParaRPr>
-                    </a:p>
-                  </a:txBody>
-                  <a:tcPr anchor="ctr"/>
-                </a:tc>
-                <a:tc>
-                  <a:txBody>
-                    <a:bodyPr/>
-                    <a:lstStyle/>
-                    <a:p>
-                      <a:pPr algn="l" fontAlgn="b"/>
-                      <a:endParaRPr lang="en-US" sz="1800" b="0" i="0" u="none" strike="noStrike" dirty="0">
-                        <a:solidFill>
-                          <a:schemeClr val="tx1"/>
-                        </a:solidFill>
-                        <a:effectLst/>
-                        <a:latin typeface="+mn-lt"/>
-                      </a:endParaRPr>
-                    </a:p>
-                  </a:txBody>
-                  <a:tcPr anchor="ctr"/>
-                </a:tc>
-                <a:tc>
-                  <a:txBody>
-                    <a:bodyPr/>
-                    <a:lstStyle/>
-                    <a:p>
-                      <a:pPr algn="l" fontAlgn="b"/>
-                      <a:endParaRPr lang="en-US" sz="1800" b="0" i="0" u="none" strike="noStrike" dirty="0">
-                        <a:solidFill>
-                          <a:schemeClr val="tx1"/>
-                        </a:solidFill>
-                        <a:effectLst/>
-                        <a:latin typeface="+mn-lt"/>
-                      </a:endParaRPr>
-                    </a:p>
-                  </a:txBody>
-                  <a:tcPr anchor="ctr"/>
-                </a:tc>
-                <a:extLst>
-                  <a:ext uri="{0D108BD9-81ED-4DB2-BD59-A6C34878D82A}">
-                    <a16:rowId xmlns:a16="http://schemas.microsoft.com/office/drawing/2014/main" val="4142911372"/>
-                  </a:ext>
-                </a:extLst>
-              </a:tr>
-              <a:tr h="562010">
-                <a:tc>
-                  <a:txBody>
-                    <a:bodyPr/>
-                    <a:lstStyle/>
-                    <a:p>
-                      <a:pPr lvl="1" algn="l" fontAlgn="b"/>
-                      <a:r>
-                        <a:rPr lang="en-US" sz="1800" b="0" u="none" strike="noStrike" dirty="0">
-                          <a:solidFill>
-                            <a:schemeClr val="tx1"/>
-                          </a:solidFill>
-                          <a:effectLst/>
-                        </a:rPr>
-                        <a:t>Users</a:t>
-                      </a:r>
-                      <a:endParaRPr lang="en-US" sz="1800" b="0" i="0" u="none" strike="noStrike" dirty="0">
-                        <a:solidFill>
-                          <a:schemeClr val="tx1"/>
-                        </a:solidFill>
-                        <a:effectLst/>
-                        <a:latin typeface="+mn-lt"/>
-                      </a:endParaRPr>
-                    </a:p>
-                  </a:txBody>
-                  <a:tcPr marL="288000" anchor="ctr"/>
-                </a:tc>
-                <a:tc>
-                  <a:txBody>
-                    <a:bodyPr/>
-                    <a:lstStyle/>
-                    <a:p>
-                      <a:pPr algn="l" fontAlgn="b"/>
-                      <a:r>
-                        <a:rPr lang="en-US" sz="1800" b="0" u="none" strike="noStrike" dirty="0">
-                          <a:solidFill>
-                            <a:schemeClr val="tx1"/>
-                          </a:solidFill>
-                          <a:effectLst/>
-                        </a:rPr>
-                        <a:t>50,000</a:t>
-                      </a:r>
-                      <a:endParaRPr lang="en-US" sz="1800" b="0" i="0" u="none" strike="noStrike" dirty="0">
-                        <a:solidFill>
-                          <a:schemeClr val="tx1"/>
-                        </a:solidFill>
-                        <a:effectLst/>
-                        <a:latin typeface="+mn-lt"/>
-                      </a:endParaRPr>
-                    </a:p>
-                  </a:txBody>
-                  <a:tcPr anchor="ctr"/>
-                </a:tc>
-                <a:tc>
-                  <a:txBody>
-                    <a:bodyPr/>
-                    <a:lstStyle/>
-                    <a:p>
-                      <a:pPr algn="l" fontAlgn="b"/>
-                      <a:r>
-                        <a:rPr lang="en-US" sz="1800" b="0" u="none" strike="noStrike" dirty="0">
-                          <a:solidFill>
-                            <a:schemeClr val="tx1"/>
-                          </a:solidFill>
-                          <a:effectLst/>
-                        </a:rPr>
-                        <a:t>400,000</a:t>
-                      </a:r>
-                      <a:endParaRPr lang="en-US" sz="1800" b="0" i="0" u="none" strike="noStrike" dirty="0">
-                        <a:solidFill>
-                          <a:schemeClr val="tx1"/>
-                        </a:solidFill>
-                        <a:effectLst/>
-                        <a:latin typeface="+mn-lt"/>
-                      </a:endParaRPr>
-                    </a:p>
-                  </a:txBody>
-                  <a:tcPr anchor="ctr"/>
-                </a:tc>
-                <a:tc>
-                  <a:txBody>
-                    <a:bodyPr/>
-                    <a:lstStyle/>
-                    <a:p>
-                      <a:pPr algn="l" fontAlgn="b"/>
-                      <a:r>
-                        <a:rPr lang="en-US" sz="1800" b="0" u="none" strike="noStrike" dirty="0">
-                          <a:solidFill>
-                            <a:schemeClr val="tx1"/>
-                          </a:solidFill>
-                          <a:effectLst/>
-                        </a:rPr>
-                        <a:t>1,600,000</a:t>
-                      </a:r>
-                      <a:endParaRPr lang="en-US" sz="1800" b="0" i="0" u="none" strike="noStrike" dirty="0">
-                        <a:solidFill>
-                          <a:schemeClr val="tx1"/>
-                        </a:solidFill>
-                        <a:effectLst/>
-                        <a:latin typeface="+mn-lt"/>
-                      </a:endParaRPr>
-                    </a:p>
-                  </a:txBody>
-                  <a:tcPr anchor="ctr"/>
-                </a:tc>
-                <a:extLst>
-                  <a:ext uri="{0D108BD9-81ED-4DB2-BD59-A6C34878D82A}">
-                    <a16:rowId xmlns:a16="http://schemas.microsoft.com/office/drawing/2014/main" val="1543393929"/>
-                  </a:ext>
-                </a:extLst>
-              </a:tr>
-              <a:tr h="562010">
-                <a:tc>
-                  <a:txBody>
-                    <a:bodyPr/>
-                    <a:lstStyle/>
-                    <a:p>
-                      <a:pPr lvl="1" algn="l" fontAlgn="b"/>
-                      <a:r>
-                        <a:rPr lang="en-US" sz="1800" b="0" u="none" strike="noStrike" dirty="0">
-                          <a:solidFill>
-                            <a:schemeClr val="tx1"/>
-                          </a:solidFill>
-                          <a:effectLst/>
-                        </a:rPr>
-                        <a:t>Sales</a:t>
-                      </a:r>
-                      <a:endParaRPr lang="en-US" sz="1800" b="0" i="0" u="none" strike="noStrike" dirty="0">
-                        <a:solidFill>
-                          <a:schemeClr val="tx1"/>
-                        </a:solidFill>
-                        <a:effectLst/>
-                        <a:latin typeface="+mn-lt"/>
-                      </a:endParaRPr>
-                    </a:p>
-                  </a:txBody>
-                  <a:tcPr marL="288000" anchor="ctr"/>
-                </a:tc>
-                <a:tc>
-                  <a:txBody>
-                    <a:bodyPr/>
-                    <a:lstStyle/>
-                    <a:p>
-                      <a:pPr algn="l" fontAlgn="b"/>
-                      <a:r>
-                        <a:rPr lang="en-US" sz="1800" b="0" u="none" strike="noStrike" dirty="0">
-                          <a:solidFill>
-                            <a:schemeClr val="tx1"/>
-                          </a:solidFill>
-                          <a:effectLst/>
-                        </a:rPr>
-                        <a:t>500,000</a:t>
-                      </a:r>
-                      <a:endParaRPr lang="en-US" sz="1800" b="0" i="0" u="none" strike="noStrike" dirty="0">
-                        <a:solidFill>
-                          <a:schemeClr val="tx1"/>
-                        </a:solidFill>
-                        <a:effectLst/>
-                        <a:latin typeface="+mn-lt"/>
-                      </a:endParaRPr>
-                    </a:p>
-                  </a:txBody>
-                  <a:tcPr anchor="ctr"/>
-                </a:tc>
-                <a:tc>
-                  <a:txBody>
-                    <a:bodyPr/>
-                    <a:lstStyle/>
-                    <a:p>
-                      <a:pPr algn="l" fontAlgn="b"/>
-                      <a:r>
-                        <a:rPr lang="en-US" sz="1800" b="0" u="none" strike="noStrike" dirty="0">
-                          <a:solidFill>
-                            <a:schemeClr val="tx1"/>
-                          </a:solidFill>
-                          <a:effectLst/>
-                        </a:rPr>
-                        <a:t>4,000,000</a:t>
-                      </a:r>
-                      <a:endParaRPr lang="en-US" sz="1800" b="0" i="0" u="none" strike="noStrike" dirty="0">
-                        <a:solidFill>
-                          <a:schemeClr val="tx1"/>
-                        </a:solidFill>
-                        <a:effectLst/>
-                        <a:latin typeface="+mn-lt"/>
-                      </a:endParaRPr>
-                    </a:p>
-                  </a:txBody>
-                  <a:tcPr anchor="ctr"/>
-                </a:tc>
-                <a:tc>
-                  <a:txBody>
-                    <a:bodyPr/>
-                    <a:lstStyle/>
-                    <a:p>
-                      <a:pPr algn="l" fontAlgn="b"/>
-                      <a:r>
-                        <a:rPr lang="en-US" sz="1800" b="0" u="none" strike="noStrike" dirty="0">
-                          <a:solidFill>
-                            <a:schemeClr val="tx1"/>
-                          </a:solidFill>
-                          <a:effectLst/>
-                        </a:rPr>
-                        <a:t>16,000,000</a:t>
-                      </a:r>
-                      <a:endParaRPr lang="en-US" sz="1800" b="0" i="0" u="none" strike="noStrike" dirty="0">
-                        <a:solidFill>
-                          <a:schemeClr val="tx1"/>
-                        </a:solidFill>
-                        <a:effectLst/>
-                        <a:latin typeface="+mn-lt"/>
-                      </a:endParaRPr>
-                    </a:p>
-                  </a:txBody>
-                  <a:tcPr anchor="ctr"/>
-                </a:tc>
-                <a:extLst>
-                  <a:ext uri="{0D108BD9-81ED-4DB2-BD59-A6C34878D82A}">
-                    <a16:rowId xmlns:a16="http://schemas.microsoft.com/office/drawing/2014/main" val="255711469"/>
-                  </a:ext>
-                </a:extLst>
-              </a:tr>
-              <a:tr h="562010">
-                <a:tc>
-                  <a:txBody>
-                    <a:bodyPr/>
-                    <a:lstStyle/>
-                    <a:p>
-                      <a:pPr lvl="1" algn="l" fontAlgn="b"/>
-                      <a:r>
-                        <a:rPr lang="en-US" sz="1800" b="0" u="none" strike="noStrike" dirty="0">
-                          <a:solidFill>
-                            <a:schemeClr val="tx1"/>
-                          </a:solidFill>
-                          <a:effectLst/>
-                        </a:rPr>
-                        <a:t>Average price per sale</a:t>
-                      </a:r>
-                      <a:endParaRPr lang="en-US" sz="1800" b="0" i="0" u="none" strike="noStrike" dirty="0">
-                        <a:solidFill>
-                          <a:schemeClr val="tx1"/>
-                        </a:solidFill>
-                        <a:effectLst/>
-                        <a:latin typeface="+mn-lt"/>
-                      </a:endParaRPr>
-                    </a:p>
-                  </a:txBody>
-                  <a:tcPr marL="288000" anchor="ctr"/>
-                </a:tc>
-                <a:tc>
-                  <a:txBody>
-                    <a:bodyPr/>
-                    <a:lstStyle/>
-                    <a:p>
-                      <a:pPr algn="l" fontAlgn="b"/>
-                      <a:r>
-                        <a:rPr lang="en-US" sz="1800" b="0" u="none" strike="noStrike" dirty="0">
-                          <a:solidFill>
-                            <a:schemeClr val="tx1"/>
-                          </a:solidFill>
-                          <a:effectLst/>
-                        </a:rPr>
-                        <a:t>75</a:t>
-                      </a:r>
-                      <a:endParaRPr lang="en-US" sz="1800" b="0" i="0" u="none" strike="noStrike" dirty="0">
-                        <a:solidFill>
-                          <a:schemeClr val="tx1"/>
-                        </a:solidFill>
-                        <a:effectLst/>
-                        <a:latin typeface="+mn-lt"/>
-                      </a:endParaRPr>
-                    </a:p>
-                  </a:txBody>
-                  <a:tcPr anchor="ctr"/>
-                </a:tc>
-                <a:tc>
-                  <a:txBody>
-                    <a:bodyPr/>
-                    <a:lstStyle/>
-                    <a:p>
-                      <a:pPr algn="l" fontAlgn="b"/>
-                      <a:r>
-                        <a:rPr lang="en-US" sz="1800" b="0" u="none" strike="noStrike" dirty="0">
-                          <a:solidFill>
-                            <a:schemeClr val="tx1"/>
-                          </a:solidFill>
-                          <a:effectLst/>
-                        </a:rPr>
-                        <a:t>80</a:t>
-                      </a:r>
-                      <a:endParaRPr lang="en-US" sz="1800" b="0" i="0" u="none" strike="noStrike" dirty="0">
-                        <a:solidFill>
-                          <a:schemeClr val="tx1"/>
-                        </a:solidFill>
-                        <a:effectLst/>
-                        <a:latin typeface="+mn-lt"/>
-                      </a:endParaRPr>
-                    </a:p>
-                  </a:txBody>
-                  <a:tcPr anchor="ctr"/>
-                </a:tc>
-                <a:tc>
-                  <a:txBody>
-                    <a:bodyPr/>
-                    <a:lstStyle/>
-                    <a:p>
-                      <a:pPr algn="l" fontAlgn="b"/>
-                      <a:r>
-                        <a:rPr lang="en-US" sz="1800" b="0" u="none" strike="noStrike" dirty="0">
-                          <a:solidFill>
-                            <a:schemeClr val="tx1"/>
-                          </a:solidFill>
-                          <a:effectLst/>
-                        </a:rPr>
-                        <a:t>90</a:t>
-                      </a:r>
-                      <a:endParaRPr lang="en-US" sz="1800" b="0" i="0" u="none" strike="noStrike" dirty="0">
-                        <a:solidFill>
-                          <a:schemeClr val="tx1"/>
-                        </a:solidFill>
-                        <a:effectLst/>
-                        <a:latin typeface="+mn-lt"/>
-                      </a:endParaRPr>
-                    </a:p>
-                  </a:txBody>
-                  <a:tcPr anchor="ctr"/>
-                </a:tc>
-                <a:extLst>
-                  <a:ext uri="{0D108BD9-81ED-4DB2-BD59-A6C34878D82A}">
-                    <a16:rowId xmlns:a16="http://schemas.microsoft.com/office/drawing/2014/main" val="1498944196"/>
-                  </a:ext>
-                </a:extLst>
-              </a:tr>
-              <a:tr h="562010">
-                <a:tc>
-                  <a:txBody>
-                    <a:bodyPr/>
-                    <a:lstStyle/>
-                    <a:p>
-                      <a:pPr lvl="1" algn="l" fontAlgn="b"/>
-                      <a:r>
-                        <a:rPr lang="en-US" sz="1800" b="0" u="none" strike="noStrike" dirty="0">
-                          <a:solidFill>
-                            <a:schemeClr val="tx1"/>
-                          </a:solidFill>
-                          <a:effectLst/>
-                        </a:rPr>
-                        <a:t>Revenue @ 15%</a:t>
-                      </a:r>
-                      <a:endParaRPr lang="en-US" sz="1800" b="0" i="0" u="none" strike="noStrike" dirty="0">
-                        <a:solidFill>
-                          <a:schemeClr val="tx1"/>
-                        </a:solidFill>
-                        <a:effectLst/>
-                        <a:latin typeface="+mn-lt"/>
-                      </a:endParaRPr>
-                    </a:p>
-                  </a:txBody>
-                  <a:tcPr marL="288000" anchor="ctr"/>
-                </a:tc>
-                <a:tc>
-                  <a:txBody>
-                    <a:bodyPr/>
-                    <a:lstStyle/>
-                    <a:p>
-                      <a:pPr algn="l" fontAlgn="b"/>
-                      <a:r>
-                        <a:rPr lang="en-US" sz="1800" b="0" u="none" strike="noStrike" dirty="0">
-                          <a:solidFill>
-                            <a:schemeClr val="tx1"/>
-                          </a:solidFill>
-                          <a:effectLst/>
-                        </a:rPr>
-                        <a:t>5,625,000</a:t>
-                      </a:r>
-                      <a:endParaRPr lang="en-US" sz="1800" b="0" i="0" u="none" strike="noStrike" dirty="0">
-                        <a:solidFill>
-                          <a:schemeClr val="tx1"/>
-                        </a:solidFill>
-                        <a:effectLst/>
-                        <a:latin typeface="+mn-lt"/>
-                      </a:endParaRPr>
-                    </a:p>
-                  </a:txBody>
-                  <a:tcPr anchor="ctr"/>
-                </a:tc>
-                <a:tc>
-                  <a:txBody>
-                    <a:bodyPr/>
-                    <a:lstStyle/>
-                    <a:p>
-                      <a:pPr algn="l" fontAlgn="b"/>
-                      <a:r>
-                        <a:rPr lang="en-US" sz="1800" b="0" u="none" strike="noStrike" dirty="0">
-                          <a:solidFill>
-                            <a:schemeClr val="tx1"/>
-                          </a:solidFill>
-                          <a:effectLst/>
-                        </a:rPr>
-                        <a:t>48,000,000</a:t>
-                      </a:r>
-                      <a:endParaRPr lang="en-US" sz="1800" b="0" i="0" u="none" strike="noStrike" dirty="0">
-                        <a:solidFill>
-                          <a:schemeClr val="tx1"/>
-                        </a:solidFill>
-                        <a:effectLst/>
-                        <a:latin typeface="+mn-lt"/>
-                      </a:endParaRPr>
-                    </a:p>
-                  </a:txBody>
-                  <a:tcPr anchor="ctr"/>
-                </a:tc>
-                <a:tc>
-                  <a:txBody>
-                    <a:bodyPr/>
-                    <a:lstStyle/>
-                    <a:p>
-                      <a:pPr algn="l" fontAlgn="b"/>
-                      <a:r>
-                        <a:rPr lang="en-US" sz="1800" b="0" u="none" strike="noStrike" dirty="0">
-                          <a:solidFill>
-                            <a:schemeClr val="tx1"/>
-                          </a:solidFill>
-                          <a:effectLst/>
-                        </a:rPr>
-                        <a:t>216,000,000</a:t>
-                      </a:r>
-                      <a:endParaRPr lang="en-US" sz="1800" b="0" i="0" u="none" strike="noStrike" dirty="0">
-                        <a:solidFill>
-                          <a:schemeClr val="tx1"/>
-                        </a:solidFill>
-                        <a:effectLst/>
-                        <a:latin typeface="+mn-lt"/>
-                      </a:endParaRPr>
-                    </a:p>
-                  </a:txBody>
-                  <a:tcPr anchor="ctr"/>
-                </a:tc>
-                <a:extLst>
-                  <a:ext uri="{0D108BD9-81ED-4DB2-BD59-A6C34878D82A}">
-                    <a16:rowId xmlns:a16="http://schemas.microsoft.com/office/drawing/2014/main" val="2561606819"/>
-                  </a:ext>
-                </a:extLst>
-              </a:tr>
-              <a:tr h="562010">
-                <a:tc>
-                  <a:txBody>
-                    <a:bodyPr/>
-                    <a:lstStyle/>
-                    <a:p>
-                      <a:pPr algn="l" fontAlgn="b"/>
-                      <a:r>
-                        <a:rPr lang="en-US" sz="1800" b="1" u="none" strike="noStrike" dirty="0">
-                          <a:solidFill>
-                            <a:schemeClr val="tx1"/>
-                          </a:solidFill>
-                          <a:effectLst/>
-                        </a:rPr>
-                        <a:t>Gross profit</a:t>
-                      </a:r>
-                      <a:endParaRPr lang="en-US" sz="1800" b="1" i="0" u="none" strike="noStrike" dirty="0">
-                        <a:solidFill>
-                          <a:schemeClr val="tx1"/>
-                        </a:solidFill>
-                        <a:effectLst/>
-                        <a:latin typeface="+mn-lt"/>
-                      </a:endParaRPr>
-                    </a:p>
-                  </a:txBody>
-                  <a:tcPr marL="288000" anchor="ctr"/>
-                </a:tc>
-                <a:tc>
-                  <a:txBody>
-                    <a:bodyPr/>
-                    <a:lstStyle/>
-                    <a:p>
-                      <a:pPr algn="l" fontAlgn="b"/>
-                      <a:r>
-                        <a:rPr lang="en-US" sz="1800" b="1" u="none" strike="noStrike" dirty="0">
-                          <a:solidFill>
-                            <a:schemeClr val="tx1"/>
-                          </a:solidFill>
-                          <a:effectLst/>
-                        </a:rPr>
-                        <a:t>5,625,000</a:t>
-                      </a:r>
-                      <a:endParaRPr lang="en-US" sz="1800" b="1" i="0" u="none" strike="noStrike" dirty="0">
-                        <a:solidFill>
-                          <a:schemeClr val="tx1"/>
-                        </a:solidFill>
-                        <a:effectLst/>
-                        <a:latin typeface="+mn-lt"/>
-                      </a:endParaRPr>
-                    </a:p>
-                  </a:txBody>
-                  <a:tcPr anchor="ctr"/>
-                </a:tc>
-                <a:tc>
-                  <a:txBody>
-                    <a:bodyPr/>
-                    <a:lstStyle/>
-                    <a:p>
-                      <a:pPr algn="l" fontAlgn="b"/>
-                      <a:r>
-                        <a:rPr lang="en-US" sz="1800" b="1" u="none" strike="noStrike" dirty="0">
-                          <a:solidFill>
-                            <a:schemeClr val="tx1"/>
-                          </a:solidFill>
-                          <a:effectLst/>
-                        </a:rPr>
-                        <a:t>48,000,000</a:t>
-                      </a:r>
-                      <a:endParaRPr lang="en-US" sz="1800" b="1" i="0" u="none" strike="noStrike" dirty="0">
-                        <a:solidFill>
-                          <a:schemeClr val="tx1"/>
-                        </a:solidFill>
-                        <a:effectLst/>
-                        <a:latin typeface="+mn-lt"/>
-                      </a:endParaRPr>
-                    </a:p>
-                  </a:txBody>
-                  <a:tcPr anchor="ctr"/>
-                </a:tc>
-                <a:tc>
-                  <a:txBody>
-                    <a:bodyPr/>
-                    <a:lstStyle/>
-                    <a:p>
-                      <a:pPr algn="l" fontAlgn="b"/>
-                      <a:r>
-                        <a:rPr lang="en-US" sz="1800" b="1" u="none" strike="noStrike" dirty="0">
-                          <a:solidFill>
-                            <a:schemeClr val="tx1"/>
-                          </a:solidFill>
-                          <a:effectLst/>
-                        </a:rPr>
-                        <a:t>216,000,000</a:t>
-                      </a:r>
-                      <a:endParaRPr lang="en-US" sz="1800" b="1" i="0" u="none" strike="noStrike" dirty="0">
-                        <a:solidFill>
-                          <a:schemeClr val="tx1"/>
-                        </a:solidFill>
-                        <a:effectLst/>
-                        <a:latin typeface="+mn-lt"/>
-                      </a:endParaRPr>
-                    </a:p>
-                  </a:txBody>
-                  <a:tcPr anchor="ctr"/>
-                </a:tc>
-                <a:extLst>
-                  <a:ext uri="{0D108BD9-81ED-4DB2-BD59-A6C34878D82A}">
-                    <a16:rowId xmlns:a16="http://schemas.microsoft.com/office/drawing/2014/main" val="365120011"/>
-                  </a:ext>
-                </a:extLst>
-              </a:tr>
-            </a:tbl>
-          </a:graphicData>
-        </a:graphic>
-      </p:graphicFrame>
-      <p:sp>
-        <p:nvSpPr>
-          <p:cNvPr id="4" name="Slide Number Placeholder 3">
-            <a:extLst>
-              <a:ext uri="{FF2B5EF4-FFF2-40B4-BE49-F238E27FC236}">
-                <a16:creationId xmlns:a16="http://schemas.microsoft.com/office/drawing/2014/main" id="{BFE50FF3-CE3C-DDFB-B8EA-5BA1668A1068}"/>
+                <a16:creationId xmlns:a16="http://schemas.microsoft.com/office/drawing/2014/main" id="{1DDD930B-FB1B-543D-6828-8C31F30BBD28}"/>
               </a:ext>
             </a:extLst>
           </p:cNvPr>
@@ -8863,10 +8552,40 @@
           </a:p>
         </p:txBody>
       </p:sp>
+      <p:pic>
+        <p:nvPicPr>
+          <p:cNvPr id="12" name="Picture 11" descr="A graph of different colored bars&#10;&#10;AI-generated content may be incorrect.">
+            <a:extLst>
+              <a:ext uri="{FF2B5EF4-FFF2-40B4-BE49-F238E27FC236}">
+                <a16:creationId xmlns:a16="http://schemas.microsoft.com/office/drawing/2014/main" id="{128DA178-6AF9-86A5-982E-E7529BB3A781}"/>
+              </a:ext>
+            </a:extLst>
+          </p:cNvPr>
+          <p:cNvPicPr>
+            <a:picLocks noChangeAspect="1"/>
+          </p:cNvPicPr>
+          <p:nvPr/>
+        </p:nvPicPr>
+        <p:blipFill>
+          <a:blip r:embed="rId3"/>
+          <a:stretch>
+            <a:fillRect/>
+          </a:stretch>
+        </p:blipFill>
+        <p:spPr>
+          <a:xfrm>
+            <a:off x="2438392" y="1142995"/>
+            <a:ext cx="7315215" cy="4572009"/>
+          </a:xfrm>
+          <a:prstGeom prst="rect">
+            <a:avLst/>
+          </a:prstGeom>
+        </p:spPr>
+      </p:pic>
     </p:spTree>
     <p:extLst>
       <p:ext uri="{BB962C8B-B14F-4D97-AF65-F5344CB8AC3E}">
-        <p14:creationId xmlns:p14="http://schemas.microsoft.com/office/powerpoint/2010/main" val="2323500703"/>
+        <p14:creationId xmlns:p14="http://schemas.microsoft.com/office/powerpoint/2010/main" val="1517447069"/>
       </p:ext>
     </p:extLst>
   </p:cSld>
@@ -8879,17 +8598,15 @@
 <file path=ppt/slides/slide13.xml><?xml version="1.0" encoding="utf-8"?>
 <p:sld xmlns:a="http://schemas.openxmlformats.org/drawingml/2006/main" xmlns:r="http://schemas.openxmlformats.org/officeDocument/2006/relationships" xmlns:p="http://schemas.openxmlformats.org/presentationml/2006/main">
   <p:cSld>
-    <p:bg>
-      <p:bgPr>
-        <a:solidFill>
-          <a:schemeClr val="tx1"/>
-        </a:solidFill>
-        <a:effectLst/>
-      </p:bgPr>
-    </p:bg>
     <p:spTree>
       <p:nvGrpSpPr>
-        <p:cNvPr id="1" name=""/>
+        <p:cNvPr id="1" name="">
+          <a:extLst>
+            <a:ext uri="{FF2B5EF4-FFF2-40B4-BE49-F238E27FC236}">
+              <a16:creationId xmlns:a16="http://schemas.microsoft.com/office/drawing/2014/main" id="{F3D5DF97-BBEF-5007-0BC0-17205515CE31}"/>
+            </a:ext>
+          </a:extLst>
+        </p:cNvPr>
         <p:cNvGrpSpPr/>
         <p:nvPr/>
       </p:nvGrpSpPr>
@@ -8901,15 +8618,47 @@
           <a:chExt cx="0" cy="0"/>
         </a:xfrm>
       </p:grpSpPr>
+      <p:sp>
+        <p:nvSpPr>
+          <p:cNvPr id="5" name="Slide Number Placeholder 4">
+            <a:extLst>
+              <a:ext uri="{FF2B5EF4-FFF2-40B4-BE49-F238E27FC236}">
+                <a16:creationId xmlns:a16="http://schemas.microsoft.com/office/drawing/2014/main" id="{F2D118C0-795B-DC0F-AA7F-9CD1AF5CC52D}"/>
+              </a:ext>
+            </a:extLst>
+          </p:cNvPr>
+          <p:cNvSpPr>
+            <a:spLocks noGrp="1"/>
+          </p:cNvSpPr>
+          <p:nvPr>
+            <p:ph type="sldNum" sz="quarter" idx="4"/>
+          </p:nvPr>
+        </p:nvSpPr>
+        <p:spPr>
+          <a:xfrm>
+            <a:off x="914400" y="6246254"/>
+            <a:ext cx="631065" cy="296214"/>
+          </a:xfrm>
+        </p:spPr>
+        <p:txBody>
+          <a:bodyPr/>
+          <a:lstStyle/>
+          <a:p>
+            <a:fld id="{B5CEABB6-07DC-46E8-9B57-56EC44A396E5}" type="slidenum">
+              <a:rPr lang="en-US" smtClean="0"/>
+              <a:pPr/>
+              <a:t>13</a:t>
+            </a:fld>
+            <a:endParaRPr lang="en-US" dirty="0"/>
+          </a:p>
+        </p:txBody>
+      </p:sp>
       <p:pic>
         <p:nvPicPr>
-          <p:cNvPr id="3" name="Graphic 2">
+          <p:cNvPr id="3" name="Picture 2" descr="A graph of different colored bars&#10;&#10;AI-generated content may be incorrect.">
             <a:extLst>
               <a:ext uri="{FF2B5EF4-FFF2-40B4-BE49-F238E27FC236}">
-                <a16:creationId xmlns:a16="http://schemas.microsoft.com/office/drawing/2014/main" id="{77B52831-0916-294C-0ACB-9774B9805D9B}"/>
-              </a:ext>
-              <a:ext uri="{C183D7F6-B498-43B3-948B-1728B52AA6E4}">
-                <adec:decorative xmlns:adec="http://schemas.microsoft.com/office/drawing/2017/decorative" val="1"/>
+                <a16:creationId xmlns:a16="http://schemas.microsoft.com/office/drawing/2014/main" id="{E80170A6-D96B-6CD3-BE84-7ACCFEA36970}"/>
               </a:ext>
             </a:extLst>
           </p:cNvPr>
@@ -8918,115 +8667,26 @@
           </p:cNvPicPr>
           <p:nvPr/>
         </p:nvPicPr>
-        <p:blipFill rotWithShape="1">
-          <a:blip r:embed="rId3">
-            <a:extLst>
-              <a:ext uri="{96DAC541-7B7A-43D3-8B79-37D633B846F1}">
-                <asvg:svgBlip xmlns:asvg="http://schemas.microsoft.com/office/drawing/2016/SVG/main" r:embed="rId4"/>
-              </a:ext>
-            </a:extLst>
-          </a:blip>
-          <a:srcRect l="4151" r="18577"/>
-          <a:stretch/>
+        <p:blipFill>
+          <a:blip r:embed="rId3"/>
+          <a:stretch>
+            <a:fillRect/>
+          </a:stretch>
         </p:blipFill>
         <p:spPr>
-          <a:xfrm flipH="1">
-            <a:off x="0" y="0"/>
-            <a:ext cx="5181600" cy="6858000"/>
+          <a:xfrm>
+            <a:off x="2438392" y="1142995"/>
+            <a:ext cx="7315215" cy="4572009"/>
           </a:xfrm>
           <a:prstGeom prst="rect">
             <a:avLst/>
           </a:prstGeom>
         </p:spPr>
       </p:pic>
-      <p:sp>
-        <p:nvSpPr>
-          <p:cNvPr id="7" name="Title 6">
-            <a:extLst>
-              <a:ext uri="{FF2B5EF4-FFF2-40B4-BE49-F238E27FC236}">
-                <a16:creationId xmlns:a16="http://schemas.microsoft.com/office/drawing/2014/main" id="{E82E216E-9EE0-9D3F-D692-083F575A3D04}"/>
-              </a:ext>
-            </a:extLst>
-          </p:cNvPr>
-          <p:cNvSpPr>
-            <a:spLocks noGrp="1"/>
-          </p:cNvSpPr>
-          <p:nvPr>
-            <p:ph type="title"/>
-          </p:nvPr>
-        </p:nvSpPr>
-        <p:spPr>
-          <a:xfrm>
-            <a:off x="6091515" y="374090"/>
-            <a:ext cx="5057104" cy="3624984"/>
-          </a:xfrm>
-        </p:spPr>
-        <p:txBody>
-          <a:bodyPr/>
-          <a:lstStyle/>
-          <a:p>
-            <a:r>
-              <a:rPr lang="en-US" dirty="0"/>
-              <a:t>Thank you</a:t>
-            </a:r>
-          </a:p>
-        </p:txBody>
-      </p:sp>
-      <p:sp>
-        <p:nvSpPr>
-          <p:cNvPr id="10" name="Content Placeholder 9">
-            <a:extLst>
-              <a:ext uri="{FF2B5EF4-FFF2-40B4-BE49-F238E27FC236}">
-                <a16:creationId xmlns:a16="http://schemas.microsoft.com/office/drawing/2014/main" id="{1F398FDD-E639-CF6A-B875-443655F2B31B}"/>
-              </a:ext>
-            </a:extLst>
-          </p:cNvPr>
-          <p:cNvSpPr>
-            <a:spLocks noGrp="1"/>
-          </p:cNvSpPr>
-          <p:nvPr>
-            <p:ph idx="1"/>
-          </p:nvPr>
-        </p:nvSpPr>
-        <p:spPr>
-          <a:xfrm>
-            <a:off x="6091514" y="4172989"/>
-            <a:ext cx="5057103" cy="2519363"/>
-          </a:xfrm>
-        </p:spPr>
-        <p:txBody>
-          <a:bodyPr/>
-          <a:lstStyle/>
-          <a:p>
-            <a:r>
-              <a:rPr lang="en-US" dirty="0"/>
-              <a:t>Brita Tamm</a:t>
-            </a:r>
-          </a:p>
-          <a:p>
-            <a:r>
-              <a:rPr lang="en-US" dirty="0"/>
-              <a:t>502-555-0152</a:t>
-            </a:r>
-          </a:p>
-          <a:p>
-            <a:r>
-              <a:rPr lang="en-US" dirty="0"/>
-              <a:t>brita@firstupconsultants.com</a:t>
-            </a:r>
-          </a:p>
-          <a:p>
-            <a:r>
-              <a:rPr lang="en-US" dirty="0"/>
-              <a:t>www.firstupconsultants.com</a:t>
-            </a:r>
-          </a:p>
-        </p:txBody>
-      </p:sp>
     </p:spTree>
     <p:extLst>
       <p:ext uri="{BB962C8B-B14F-4D97-AF65-F5344CB8AC3E}">
-        <p14:creationId xmlns:p14="http://schemas.microsoft.com/office/powerpoint/2010/main" val="769932640"/>
+        <p14:creationId xmlns:p14="http://schemas.microsoft.com/office/powerpoint/2010/main" val="1088645624"/>
       </p:ext>
     </p:extLst>
   </p:cSld>
@@ -9053,41 +8713,6 @@
           <a:chExt cx="0" cy="0"/>
         </a:xfrm>
       </p:grpSpPr>
-      <p:sp>
-        <p:nvSpPr>
-          <p:cNvPr id="3" name="Title 2">
-            <a:extLst>
-              <a:ext uri="{FF2B5EF4-FFF2-40B4-BE49-F238E27FC236}">
-                <a16:creationId xmlns:a16="http://schemas.microsoft.com/office/drawing/2014/main" id="{3474D05E-8A36-8D9F-519E-DB514A69D886}"/>
-              </a:ext>
-            </a:extLst>
-          </p:cNvPr>
-          <p:cNvSpPr>
-            <a:spLocks noGrp="1"/>
-          </p:cNvSpPr>
-          <p:nvPr>
-            <p:ph type="title"/>
-          </p:nvPr>
-        </p:nvSpPr>
-        <p:spPr>
-          <a:xfrm>
-            <a:off x="914400" y="315532"/>
-            <a:ext cx="5181600" cy="488697"/>
-          </a:xfrm>
-        </p:spPr>
-        <p:txBody>
-          <a:bodyPr>
-            <a:normAutofit fontScale="90000"/>
-          </a:bodyPr>
-          <a:lstStyle/>
-          <a:p>
-            <a:r>
-              <a:rPr lang="en-US" dirty="0"/>
-              <a:t>About us</a:t>
-            </a:r>
-          </a:p>
-        </p:txBody>
-      </p:sp>
       <p:sp>
         <p:nvSpPr>
           <p:cNvPr id="4" name="Content Placeholder 3">
@@ -9535,7 +9160,7 @@
         <p:spPr>
           <a:xfrm>
             <a:off x="1508387" y="1963690"/>
-            <a:ext cx="5532493" cy="4862870"/>
+            <a:ext cx="5532493" cy="4493538"/>
           </a:xfrm>
           <a:prstGeom prst="rect">
             <a:avLst/>
@@ -9701,6 +9326,38 @@
                   <a:schemeClr val="bg1"/>
                 </a:solidFill>
               </a:rPr>
+              <a:t> </a:t>
+            </a:r>
+            <a:r>
+              <a:rPr lang="en-US" sz="2400" dirty="0" err="1">
+                <a:solidFill>
+                  <a:schemeClr val="bg1"/>
+                </a:solidFill>
+              </a:rPr>
+              <a:t>istom</a:t>
+            </a:r>
+            <a:r>
+              <a:rPr lang="en-US" sz="2400" dirty="0">
+                <a:solidFill>
+                  <a:schemeClr val="bg1"/>
+                </a:solidFill>
+              </a:rPr>
+              <a:t> </a:t>
+            </a:r>
+            <a:r>
+              <a:rPr lang="en-US" sz="2400" dirty="0" err="1">
+                <a:solidFill>
+                  <a:schemeClr val="bg1"/>
+                </a:solidFill>
+              </a:rPr>
+              <a:t>vrednosću</a:t>
+            </a:r>
+            <a:r>
+              <a:rPr lang="en-US" sz="2400" dirty="0">
+                <a:solidFill>
+                  <a:schemeClr val="bg1"/>
+                </a:solidFill>
+              </a:rPr>
               <a:t>.</a:t>
             </a:r>
           </a:p>
@@ -9806,7 +9463,7 @@
                   <a:schemeClr val="bg1"/>
                 </a:solidFill>
               </a:rPr>
-              <a:t>, </a:t>
+              <a:t> </a:t>
             </a:r>
             <a:r>
               <a:rPr lang="en-US" sz="2400" dirty="0" err="1">
@@ -9830,7 +9487,7 @@
                   <a:schemeClr val="bg1"/>
                 </a:solidFill>
               </a:rPr>
-              <a:t>zlonamernih</a:t>
+              <a:t>otkaya</a:t>
             </a:r>
             <a:r>
               <a:rPr lang="en-US" sz="2400" dirty="0">
@@ -9838,7 +9495,23 @@
                   <a:schemeClr val="bg1"/>
                 </a:solidFill>
               </a:rPr>
-              <a:t> (Byzantine) </a:t>
+              <a:t>, </a:t>
+            </a:r>
+            <a:r>
+              <a:rPr lang="en-US" sz="2400" dirty="0" err="1">
+                <a:solidFill>
+                  <a:schemeClr val="bg1"/>
+                </a:solidFill>
+              </a:rPr>
+              <a:t>i</a:t>
+            </a:r>
+            <a:r>
+              <a:rPr lang="en-US" sz="2400" dirty="0">
+                <a:solidFill>
+                  <a:schemeClr val="bg1"/>
+                </a:solidFill>
+              </a:rPr>
+              <a:t> Byzantine </a:t>
             </a:r>
             <a:r>
               <a:rPr lang="en-US" sz="2400" dirty="0" err="1">
@@ -9936,54 +9609,6 @@
                 </a:solidFill>
               </a:rPr>
               <a:t>protokoli</a:t>
-            </a:r>
-            <a:r>
-              <a:rPr lang="en-US" sz="2400" dirty="0">
-                <a:solidFill>
-                  <a:schemeClr val="bg1"/>
-                </a:solidFill>
-              </a:rPr>
-              <a:t> - </a:t>
-            </a:r>
-            <a:r>
-              <a:rPr lang="en-US" sz="2400" dirty="0" err="1">
-                <a:solidFill>
-                  <a:schemeClr val="bg1"/>
-                </a:solidFill>
-              </a:rPr>
-              <a:t>robusni</a:t>
-            </a:r>
-            <a:r>
-              <a:rPr lang="en-US" sz="2400" dirty="0">
-                <a:solidFill>
-                  <a:schemeClr val="bg1"/>
-                </a:solidFill>
-              </a:rPr>
-              <a:t> </a:t>
-            </a:r>
-            <a:r>
-              <a:rPr lang="en-US" sz="2400" dirty="0" err="1">
-                <a:solidFill>
-                  <a:schemeClr val="bg1"/>
-                </a:solidFill>
-              </a:rPr>
-              <a:t>i</a:t>
-            </a:r>
-            <a:r>
-              <a:rPr lang="en-US" sz="2400" dirty="0">
-                <a:solidFill>
-                  <a:schemeClr val="bg1"/>
-                </a:solidFill>
-              </a:rPr>
-              <a:t> </a:t>
-            </a:r>
-            <a:r>
-              <a:rPr lang="en-US" sz="2400" dirty="0" err="1">
-                <a:solidFill>
-                  <a:schemeClr val="bg1"/>
-                </a:solidFill>
-              </a:rPr>
-              <a:t>efikasni</a:t>
             </a:r>
             <a:r>
               <a:rPr lang="en-US" sz="2400" dirty="0">
@@ -10104,7 +9729,7 @@
           <a:bodyPr/>
           <a:lstStyle/>
           <a:p>
-            <a:endParaRPr lang="en-US"/>
+            <a:endParaRPr lang="en-US" dirty="0"/>
           </a:p>
         </p:txBody>
       </p:sp>
@@ -10383,10 +10008,6 @@
             </a:r>
             <a:r>
               <a:rPr lang="en-US" b="1" dirty="0"/>
-              <a:t> G(n, p)</a:t>
-            </a:r>
-            <a:r>
-              <a:rPr lang="en-US" dirty="0"/>
               <a:t>: </a:t>
             </a:r>
             <a:r>
@@ -10457,12 +10078,8 @@
           </a:p>
           <a:p>
             <a:r>
-              <a:rPr lang="en-US" b="1" dirty="0" err="1"/>
-              <a:t>Prsten</a:t>
-            </a:r>
-            <a:r>
               <a:rPr lang="en-US" b="1" dirty="0"/>
-              <a:t> (Cycle)</a:t>
+              <a:t>Ring</a:t>
             </a:r>
             <a:r>
               <a:rPr lang="en-US" dirty="0"/>
@@ -10528,7 +10145,7 @@
             </a:r>
             <a:r>
               <a:rPr lang="en-US" b="1" dirty="0"/>
-              <a:t> (Small-world)</a:t>
+              <a:t> (Small world)</a:t>
             </a:r>
             <a:r>
               <a:rPr lang="en-US" dirty="0"/>
@@ -10678,7 +10295,7 @@
             </a:r>
             <a:r>
               <a:rPr lang="en-US" dirty="0"/>
-              <a:t>).</a:t>
+              <a:t>). </a:t>
             </a:r>
           </a:p>
           <a:p>
@@ -10696,7 +10313,7 @@
             </a:r>
             <a:r>
               <a:rPr lang="en-US" b="1" i="1" dirty="0"/>
-              <a:t> </a:t>
+              <a:t>/gap </a:t>
             </a:r>
             <a:r>
               <a:rPr lang="el-GR" b="1" i="1" dirty="0"/>
@@ -10704,55 +10321,7 @@
             </a:r>
             <a:r>
               <a:rPr lang="el-GR" i="1" dirty="0"/>
-              <a:t> (</a:t>
-            </a:r>
-            <a:r>
-              <a:rPr lang="en-US" i="1" dirty="0" err="1"/>
-              <a:t>druga</a:t>
-            </a:r>
-            <a:r>
-              <a:rPr lang="en-US" i="1" dirty="0"/>
-              <a:t> </a:t>
-            </a:r>
-            <a:r>
-              <a:rPr lang="en-US" i="1" dirty="0" err="1"/>
-              <a:t>najmanja</a:t>
-            </a:r>
-            <a:r>
-              <a:rPr lang="en-US" i="1" dirty="0"/>
-              <a:t> </a:t>
-            </a:r>
-            <a:r>
-              <a:rPr lang="en-US" i="1" dirty="0" err="1"/>
-              <a:t>sopstvena</a:t>
-            </a:r>
-            <a:r>
-              <a:rPr lang="en-US" i="1" dirty="0"/>
-              <a:t> </a:t>
-            </a:r>
-            <a:r>
-              <a:rPr lang="en-US" i="1" dirty="0" err="1"/>
-              <a:t>vrednost</a:t>
-            </a:r>
-            <a:r>
-              <a:rPr lang="en-US" i="1" dirty="0"/>
-              <a:t> </a:t>
-            </a:r>
-            <a:r>
-              <a:rPr lang="en-US" i="1" dirty="0" err="1"/>
-              <a:t>Laplasijana</a:t>
-            </a:r>
-            <a:r>
-              <a:rPr lang="en-US" i="1" dirty="0"/>
-              <a:t> </a:t>
-            </a:r>
-            <a:r>
-              <a:rPr lang="en-US" i="1" dirty="0" err="1"/>
-              <a:t>grafa</a:t>
-            </a:r>
-            <a:r>
-              <a:rPr lang="en-US" i="1" dirty="0"/>
-              <a:t>) </a:t>
+              <a:t> </a:t>
             </a:r>
             <a:r>
               <a:rPr lang="en-US" i="1" dirty="0" err="1"/>
@@ -10808,15 +10377,7 @@
             </a:r>
             <a:r>
               <a:rPr lang="en-US" i="1" dirty="0"/>
-              <a:t> </a:t>
-            </a:r>
-            <a:r>
-              <a:rPr lang="en-US" i="1" dirty="0" err="1"/>
-              <a:t>zazor</a:t>
-            </a:r>
-            <a:r>
-              <a:rPr lang="en-US" i="1" dirty="0"/>
-              <a:t> -&gt; </a:t>
+              <a:t> gap -&gt; </a:t>
             </a:r>
             <a:r>
               <a:rPr lang="en-US" i="1" dirty="0" err="1"/>
@@ -11041,18 +10602,24 @@
                     <m:sSubSup>
                       <m:sSubSupPr>
                         <m:ctrlPr>
-                          <a:rPr lang="ar-AE" sz="7200"/>
+                          <a:rPr lang="ar-AE" sz="7200" i="1">
+                            <a:latin typeface="Cambria Math" panose="02040503050406030204" pitchFamily="18" charset="0"/>
+                          </a:rPr>
                         </m:ctrlPr>
                       </m:sSubSupPr>
                       <m:e>
                         <m:r>
-                          <a:rPr lang="ar-AE" sz="7200" i="1"/>
+                          <a:rPr lang="ar-AE" sz="7200" i="1">
+                            <a:latin typeface="Cambria Math" panose="02040503050406030204" pitchFamily="18" charset="0"/>
+                          </a:rPr>
                           <m:t>𝑥</m:t>
                         </m:r>
                       </m:e>
                       <m:sub>
                         <m:r>
-                          <a:rPr lang="ar-AE" sz="7200" i="1"/>
+                          <a:rPr lang="ar-AE" sz="7200" i="1">
+                            <a:latin typeface="Cambria Math" panose="02040503050406030204" pitchFamily="18" charset="0"/>
+                          </a:rPr>
                           <m:t>𝑖</m:t>
                         </m:r>
                       </m:sub>
@@ -11060,20 +10627,28 @@
                         <m:d>
                           <m:dPr>
                             <m:ctrlPr>
-                              <a:rPr lang="ar-AE" sz="7200" i="1"/>
+                              <a:rPr lang="ar-AE" sz="7200" i="1">
+                                <a:latin typeface="Cambria Math" panose="02040503050406030204" pitchFamily="18" charset="0"/>
+                              </a:rPr>
                             </m:ctrlPr>
                           </m:dPr>
                           <m:e>
                             <m:r>
-                              <a:rPr lang="ar-AE" sz="7200" i="1"/>
+                              <a:rPr lang="ar-AE" sz="7200" i="1">
+                                <a:latin typeface="Cambria Math" panose="02040503050406030204" pitchFamily="18" charset="0"/>
+                              </a:rPr>
                               <m:t>𝑡</m:t>
                             </m:r>
                             <m:r>
-                              <a:rPr lang="ar-AE" sz="7200"/>
+                              <a:rPr lang="ar-AE" sz="7200">
+                                <a:latin typeface="Cambria Math" panose="02040503050406030204" pitchFamily="18" charset="0"/>
+                              </a:rPr>
                               <m:t>+</m:t>
                             </m:r>
                             <m:r>
-                              <a:rPr lang="ar-AE" sz="7200"/>
+                              <a:rPr lang="ar-AE" sz="7200">
+                                <a:latin typeface="Cambria Math" panose="02040503050406030204" pitchFamily="18" charset="0"/>
+                              </a:rPr>
                               <m:t>1</m:t>
                             </m:r>
                           </m:e>
@@ -11081,18 +10656,24 @@
                       </m:sup>
                     </m:sSubSup>
                     <m:r>
-                      <a:rPr lang="ar-AE" sz="7200"/>
+                      <a:rPr lang="ar-AE" sz="7200">
+                        <a:latin typeface="Cambria Math" panose="02040503050406030204" pitchFamily="18" charset="0"/>
+                      </a:rPr>
                       <m:t>=</m:t>
                     </m:r>
                     <m:f>
                       <m:fPr>
                         <m:ctrlPr>
-                          <a:rPr lang="ar-AE" sz="7200" i="1"/>
+                          <a:rPr lang="ar-AE" sz="7200" i="1">
+                            <a:latin typeface="Cambria Math" panose="02040503050406030204" pitchFamily="18" charset="0"/>
+                          </a:rPr>
                         </m:ctrlPr>
                       </m:fPr>
                       <m:num>
                         <m:r>
-                          <a:rPr lang="ar-AE" sz="7200"/>
+                          <a:rPr lang="ar-AE" sz="7200">
+                            <a:latin typeface="Cambria Math" panose="02040503050406030204" pitchFamily="18" charset="0"/>
+                          </a:rPr>
                           <m:t>1</m:t>
                         </m:r>
                       </m:num>
@@ -11100,18 +10681,24 @@
                         <m:sSub>
                           <m:sSubPr>
                             <m:ctrlPr>
-                              <a:rPr lang="ar-AE" sz="7200" i="1"/>
+                              <a:rPr lang="ar-AE" sz="7200" i="1">
+                                <a:latin typeface="Cambria Math" panose="02040503050406030204" pitchFamily="18" charset="0"/>
+                              </a:rPr>
                             </m:ctrlPr>
                           </m:sSubPr>
                           <m:e>
                             <m:r>
-                              <a:rPr lang="ar-AE" sz="7200" i="1"/>
+                              <a:rPr lang="ar-AE" sz="7200" i="1">
+                                <a:latin typeface="Cambria Math" panose="02040503050406030204" pitchFamily="18" charset="0"/>
+                              </a:rPr>
                               <m:t>𝑑</m:t>
                             </m:r>
                           </m:e>
                           <m:sub>
                             <m:r>
-                              <a:rPr lang="ar-AE" sz="7200" i="1"/>
+                              <a:rPr lang="ar-AE" sz="7200" i="1">
+                                <a:latin typeface="Cambria Math" panose="02040503050406030204" pitchFamily="18" charset="0"/>
+                              </a:rPr>
                               <m:t>𝑖</m:t>
                             </m:r>
                           </m:sub>
@@ -11124,31 +10711,43 @@
                         <m:grow m:val="on"/>
                         <m:supHide m:val="on"/>
                         <m:ctrlPr>
-                          <a:rPr lang="ar-AE" sz="7200" i="1"/>
+                          <a:rPr lang="ar-AE" sz="7200" i="1">
+                            <a:latin typeface="Cambria Math" panose="02040503050406030204" pitchFamily="18" charset="0"/>
+                          </a:rPr>
                         </m:ctrlPr>
                       </m:naryPr>
                       <m:sub>
                         <m:r>
-                          <a:rPr lang="ar-AE" sz="7200" i="1"/>
+                          <a:rPr lang="ar-AE" sz="7200" i="1">
+                            <a:latin typeface="Cambria Math" panose="02040503050406030204" pitchFamily="18" charset="0"/>
+                          </a:rPr>
                           <m:t>𝑗</m:t>
                         </m:r>
                         <m:r>
-                          <a:rPr lang="ar-AE" sz="7200"/>
+                          <a:rPr lang="ar-AE" sz="7200">
+                            <a:latin typeface="Cambria Math" panose="02040503050406030204" pitchFamily="18" charset="0"/>
+                          </a:rPr>
                           <m:t>∈</m:t>
                         </m:r>
                         <m:r>
-                          <a:rPr lang="ar-AE" sz="7200"/>
+                          <a:rPr lang="ar-AE" sz="7200">
+                            <a:latin typeface="Cambria Math" panose="02040503050406030204" pitchFamily="18" charset="0"/>
+                          </a:rPr>
                           <m:t>𝒩</m:t>
                         </m:r>
                         <m:d>
                           <m:dPr>
                             <m:ctrlPr>
-                              <a:rPr lang="ar-AE" sz="7200" i="1"/>
+                              <a:rPr lang="ar-AE" sz="7200" i="1">
+                                <a:latin typeface="Cambria Math" panose="02040503050406030204" pitchFamily="18" charset="0"/>
+                              </a:rPr>
                             </m:ctrlPr>
                           </m:dPr>
                           <m:e>
                             <m:r>
-                              <a:rPr lang="ar-AE" sz="7200" i="1"/>
+                              <a:rPr lang="ar-AE" sz="7200" i="1">
+                                <a:latin typeface="Cambria Math" panose="02040503050406030204" pitchFamily="18" charset="0"/>
+                              </a:rPr>
                               <m:t>𝑖</m:t>
                             </m:r>
                           </m:e>
@@ -11159,18 +10758,24 @@
                         <m:sSubSup>
                           <m:sSubSupPr>
                             <m:ctrlPr>
-                              <a:rPr lang="ar-AE" sz="7200" i="1"/>
+                              <a:rPr lang="ar-AE" sz="7200" i="1">
+                                <a:latin typeface="Cambria Math" panose="02040503050406030204" pitchFamily="18" charset="0"/>
+                              </a:rPr>
                             </m:ctrlPr>
                           </m:sSubSupPr>
                           <m:e>
                             <m:r>
-                              <a:rPr lang="ar-AE" sz="7200" i="1"/>
+                              <a:rPr lang="ar-AE" sz="7200" i="1">
+                                <a:latin typeface="Cambria Math" panose="02040503050406030204" pitchFamily="18" charset="0"/>
+                              </a:rPr>
                               <m:t>𝑥</m:t>
                             </m:r>
                           </m:e>
                           <m:sub>
                             <m:r>
-                              <a:rPr lang="ar-AE" sz="7200" i="1"/>
+                              <a:rPr lang="ar-AE" sz="7200" i="1">
+                                <a:latin typeface="Cambria Math" panose="02040503050406030204" pitchFamily="18" charset="0"/>
+                              </a:rPr>
                               <m:t>𝑗</m:t>
                             </m:r>
                           </m:sub>
@@ -11178,12 +10783,16 @@
                             <m:d>
                               <m:dPr>
                                 <m:ctrlPr>
-                                  <a:rPr lang="ar-AE" sz="7200" i="1"/>
+                                  <a:rPr lang="ar-AE" sz="7200" i="1">
+                                    <a:latin typeface="Cambria Math" panose="02040503050406030204" pitchFamily="18" charset="0"/>
+                                  </a:rPr>
                                 </m:ctrlPr>
                               </m:dPr>
                               <m:e>
                                 <m:r>
-                                  <a:rPr lang="ar-AE" sz="7200" i="1"/>
+                                  <a:rPr lang="ar-AE" sz="7200" i="1">
+                                    <a:latin typeface="Cambria Math" panose="02040503050406030204" pitchFamily="18" charset="0"/>
+                                  </a:rPr>
                                   <m:t>𝑡</m:t>
                                 </m:r>
                               </m:e>
@@ -11253,32 +10862,44 @@
                     <m:sSub>
                       <m:sSubPr>
                         <m:ctrlPr>
-                          <a:rPr lang="ar-AE" sz="7200"/>
+                          <a:rPr lang="ar-AE" sz="7200" i="1">
+                            <a:latin typeface="Cambria Math" panose="02040503050406030204" pitchFamily="18" charset="0"/>
+                          </a:rPr>
                         </m:ctrlPr>
                       </m:sSubPr>
                       <m:e>
                         <m:r>
-                          <a:rPr lang="ar-AE" sz="7200" i="1"/>
+                          <a:rPr lang="ar-AE" sz="7200" i="1">
+                            <a:latin typeface="Cambria Math" panose="02040503050406030204" pitchFamily="18" charset="0"/>
+                          </a:rPr>
                           <m:t>𝑤</m:t>
                         </m:r>
                       </m:e>
                       <m:sub>
                         <m:r>
-                          <a:rPr lang="ar-AE" sz="7200" i="1"/>
+                          <a:rPr lang="ar-AE" sz="7200" i="1">
+                            <a:latin typeface="Cambria Math" panose="02040503050406030204" pitchFamily="18" charset="0"/>
+                          </a:rPr>
                           <m:t>𝑖𝑖</m:t>
                         </m:r>
                       </m:sub>
                     </m:sSub>
                     <m:r>
-                      <a:rPr lang="ar-AE" sz="7200"/>
+                      <a:rPr lang="ar-AE" sz="7200">
+                        <a:latin typeface="Cambria Math" panose="02040503050406030204" pitchFamily="18" charset="0"/>
+                      </a:rPr>
                       <m:t>=</m:t>
                     </m:r>
                     <m:r>
-                      <a:rPr lang="ar-AE" sz="7200"/>
+                      <a:rPr lang="ar-AE" sz="7200">
+                        <a:latin typeface="Cambria Math" panose="02040503050406030204" pitchFamily="18" charset="0"/>
+                      </a:rPr>
                       <m:t>1</m:t>
                     </m:r>
                     <m:r>
-                      <a:rPr lang="ar-AE" sz="7200"/>
+                      <a:rPr lang="ar-AE" sz="7200">
+                        <a:latin typeface="Cambria Math" panose="02040503050406030204" pitchFamily="18" charset="0"/>
+                      </a:rPr>
                       <m:t>−</m:t>
                     </m:r>
                     <m:nary>
@@ -11287,31 +10908,43 @@
                         <m:grow m:val="on"/>
                         <m:supHide m:val="on"/>
                         <m:ctrlPr>
-                          <a:rPr lang="ar-AE" sz="7200" i="1"/>
+                          <a:rPr lang="ar-AE" sz="7200" i="1">
+                            <a:latin typeface="Cambria Math" panose="02040503050406030204" pitchFamily="18" charset="0"/>
+                          </a:rPr>
                         </m:ctrlPr>
                       </m:naryPr>
                       <m:sub>
                         <m:r>
-                          <a:rPr lang="ar-AE" sz="7200" i="1"/>
+                          <a:rPr lang="ar-AE" sz="7200" i="1">
+                            <a:latin typeface="Cambria Math" panose="02040503050406030204" pitchFamily="18" charset="0"/>
+                          </a:rPr>
                           <m:t>𝑗</m:t>
                         </m:r>
                         <m:r>
-                          <a:rPr lang="ar-AE" sz="7200"/>
+                          <a:rPr lang="ar-AE" sz="7200">
+                            <a:latin typeface="Cambria Math" panose="02040503050406030204" pitchFamily="18" charset="0"/>
+                          </a:rPr>
                           <m:t>∈</m:t>
                         </m:r>
                         <m:r>
-                          <a:rPr lang="ar-AE" sz="7200"/>
+                          <a:rPr lang="ar-AE" sz="7200">
+                            <a:latin typeface="Cambria Math" panose="02040503050406030204" pitchFamily="18" charset="0"/>
+                          </a:rPr>
                           <m:t>𝒩</m:t>
                         </m:r>
                         <m:d>
                           <m:dPr>
                             <m:ctrlPr>
-                              <a:rPr lang="ar-AE" sz="7200" i="1"/>
+                              <a:rPr lang="ar-AE" sz="7200" i="1">
+                                <a:latin typeface="Cambria Math" panose="02040503050406030204" pitchFamily="18" charset="0"/>
+                              </a:rPr>
                             </m:ctrlPr>
                           </m:dPr>
                           <m:e>
                             <m:r>
-                              <a:rPr lang="ar-AE" sz="7200" i="1"/>
+                              <a:rPr lang="ar-AE" sz="7200" i="1">
+                                <a:latin typeface="Cambria Math" panose="02040503050406030204" pitchFamily="18" charset="0"/>
+                              </a:rPr>
                               <m:t>𝑖</m:t>
                             </m:r>
                           </m:e>
@@ -11322,18 +10955,24 @@
                         <m:sSub>
                           <m:sSubPr>
                             <m:ctrlPr>
-                              <a:rPr lang="ar-AE" sz="7200" i="1"/>
+                              <a:rPr lang="ar-AE" sz="7200" i="1">
+                                <a:latin typeface="Cambria Math" panose="02040503050406030204" pitchFamily="18" charset="0"/>
+                              </a:rPr>
                             </m:ctrlPr>
                           </m:sSubPr>
                           <m:e>
                             <m:r>
-                              <a:rPr lang="ar-AE" sz="7200" i="1"/>
+                              <a:rPr lang="ar-AE" sz="7200" i="1">
+                                <a:latin typeface="Cambria Math" panose="02040503050406030204" pitchFamily="18" charset="0"/>
+                              </a:rPr>
                               <m:t>𝑤</m:t>
                             </m:r>
                           </m:e>
                           <m:sub>
                             <m:r>
-                              <a:rPr lang="ar-AE" sz="7200" i="1"/>
+                              <a:rPr lang="ar-AE" sz="7200" i="1">
+                                <a:latin typeface="Cambria Math" panose="02040503050406030204" pitchFamily="18" charset="0"/>
+                              </a:rPr>
                               <m:t>𝑖𝑗</m:t>
                             </m:r>
                           </m:sub>
@@ -11396,18 +11035,24 @@
                       <m:dPr>
                         <m:sepChr m:val=","/>
                         <m:ctrlPr>
-                          <a:rPr lang="ar-AE" sz="7200"/>
+                          <a:rPr lang="ar-AE" sz="7200" i="1">
+                            <a:latin typeface="Cambria Math" panose="02040503050406030204" pitchFamily="18" charset="0"/>
+                          </a:rPr>
                         </m:ctrlPr>
                       </m:dPr>
                       <m:e>
                         <m:r>
-                          <a:rPr lang="ar-AE" sz="7200" i="1"/>
+                          <a:rPr lang="ar-AE" sz="7200" i="1">
+                            <a:latin typeface="Cambria Math" panose="02040503050406030204" pitchFamily="18" charset="0"/>
+                          </a:rPr>
                           <m:t>𝑖</m:t>
                         </m:r>
                       </m:e>
                       <m:e>
                         <m:r>
-                          <a:rPr lang="ar-AE" sz="7200" i="1"/>
+                          <a:rPr lang="ar-AE" sz="7200" i="1">
+                            <a:latin typeface="Cambria Math" panose="02040503050406030204" pitchFamily="18" charset="0"/>
+                          </a:rPr>
                           <m:t>𝑗</m:t>
                         </m:r>
                       </m:e>
@@ -11457,98 +11102,132 @@
                     <m:sSub>
                       <m:sSubPr>
                         <m:ctrlPr>
-                          <a:rPr lang="ar-AE" sz="7200"/>
+                          <a:rPr lang="ar-AE" sz="7200" i="1" smtClean="0">
+                            <a:latin typeface="Cambria Math" panose="02040503050406030204" pitchFamily="18" charset="0"/>
+                          </a:rPr>
                         </m:ctrlPr>
                       </m:sSubPr>
                       <m:e>
                         <m:r>
-                          <a:rPr lang="ar-AE" sz="7200" i="1"/>
+                          <a:rPr lang="ar-AE" sz="7200" i="1">
+                            <a:latin typeface="Cambria Math" panose="02040503050406030204" pitchFamily="18" charset="0"/>
+                          </a:rPr>
                           <m:t>𝑥</m:t>
                         </m:r>
                       </m:e>
                       <m:sub>
                         <m:r>
-                          <a:rPr lang="ar-AE" sz="7200" i="1"/>
+                          <a:rPr lang="ar-AE" sz="7200" i="1">
+                            <a:latin typeface="Cambria Math" panose="02040503050406030204" pitchFamily="18" charset="0"/>
+                          </a:rPr>
                           <m:t>𝑖</m:t>
                         </m:r>
                       </m:sub>
                     </m:sSub>
                     <m:r>
-                      <a:rPr lang="ar-AE" sz="7200"/>
+                      <a:rPr lang="ar-AE" sz="7200">
+                        <a:latin typeface="Cambria Math" panose="02040503050406030204" pitchFamily="18" charset="0"/>
+                      </a:rPr>
                       <m:t>←</m:t>
                     </m:r>
                     <m:sSub>
                       <m:sSubPr>
                         <m:ctrlPr>
-                          <a:rPr lang="ar-AE" sz="7200" i="1"/>
+                          <a:rPr lang="ar-AE" sz="7200" i="1">
+                            <a:latin typeface="Cambria Math" panose="02040503050406030204" pitchFamily="18" charset="0"/>
+                          </a:rPr>
                         </m:ctrlPr>
                       </m:sSubPr>
                       <m:e>
                         <m:r>
-                          <a:rPr lang="ar-AE" sz="7200" i="1"/>
+                          <a:rPr lang="ar-AE" sz="7200" i="1">
+                            <a:latin typeface="Cambria Math" panose="02040503050406030204" pitchFamily="18" charset="0"/>
+                          </a:rPr>
                           <m:t>𝑥</m:t>
                         </m:r>
                       </m:e>
                       <m:sub>
                         <m:r>
-                          <a:rPr lang="ar-AE" sz="7200" i="1"/>
+                          <a:rPr lang="ar-AE" sz="7200" i="1">
+                            <a:latin typeface="Cambria Math" panose="02040503050406030204" pitchFamily="18" charset="0"/>
+                          </a:rPr>
                           <m:t>𝑖</m:t>
                         </m:r>
                       </m:sub>
                     </m:sSub>
                     <m:r>
-                      <a:rPr lang="ar-AE" sz="7200"/>
+                      <a:rPr lang="ar-AE" sz="7200">
+                        <a:latin typeface="Cambria Math" panose="02040503050406030204" pitchFamily="18" charset="0"/>
+                      </a:rPr>
                       <m:t>+</m:t>
                     </m:r>
                     <m:r>
-                      <a:rPr lang="ar-AE" sz="7200" i="1"/>
+                      <a:rPr lang="ar-AE" sz="7200" i="1">
+                        <a:latin typeface="Cambria Math" panose="02040503050406030204" pitchFamily="18" charset="0"/>
+                      </a:rPr>
                       <m:t>𝛼</m:t>
                     </m:r>
                     <m:d>
                       <m:dPr>
                         <m:ctrlPr>
-                          <a:rPr lang="ar-AE" sz="7200" i="1"/>
+                          <a:rPr lang="ar-AE" sz="7200" i="1">
+                            <a:latin typeface="Cambria Math" panose="02040503050406030204" pitchFamily="18" charset="0"/>
+                          </a:rPr>
                         </m:ctrlPr>
                       </m:dPr>
                       <m:e>
                         <m:sSub>
                           <m:sSubPr>
                             <m:ctrlPr>
-                              <a:rPr lang="ar-AE" sz="7200" i="1"/>
+                              <a:rPr lang="ar-AE" sz="7200" i="1">
+                                <a:latin typeface="Cambria Math" panose="02040503050406030204" pitchFamily="18" charset="0"/>
+                              </a:rPr>
                             </m:ctrlPr>
                           </m:sSubPr>
                           <m:e>
                             <m:r>
-                              <a:rPr lang="ar-AE" sz="7200" i="1"/>
+                              <a:rPr lang="ar-AE" sz="7200" i="1">
+                                <a:latin typeface="Cambria Math" panose="02040503050406030204" pitchFamily="18" charset="0"/>
+                              </a:rPr>
                               <m:t>𝑥</m:t>
                             </m:r>
                           </m:e>
                           <m:sub>
                             <m:r>
-                              <a:rPr lang="ar-AE" sz="7200" i="1"/>
+                              <a:rPr lang="ar-AE" sz="7200" i="1">
+                                <a:latin typeface="Cambria Math" panose="02040503050406030204" pitchFamily="18" charset="0"/>
+                              </a:rPr>
                               <m:t>𝑗</m:t>
                             </m:r>
                           </m:sub>
                         </m:sSub>
                         <m:r>
-                          <a:rPr lang="ar-AE" sz="7200"/>
+                          <a:rPr lang="ar-AE" sz="7200">
+                            <a:latin typeface="Cambria Math" panose="02040503050406030204" pitchFamily="18" charset="0"/>
+                          </a:rPr>
                           <m:t>−</m:t>
                         </m:r>
                         <m:sSub>
                           <m:sSubPr>
                             <m:ctrlPr>
-                              <a:rPr lang="ar-AE" sz="7200" i="1"/>
+                              <a:rPr lang="ar-AE" sz="7200" i="1">
+                                <a:latin typeface="Cambria Math" panose="02040503050406030204" pitchFamily="18" charset="0"/>
+                              </a:rPr>
                             </m:ctrlPr>
                           </m:sSubPr>
                           <m:e>
                             <m:r>
-                              <a:rPr lang="ar-AE" sz="7200" i="1"/>
+                              <a:rPr lang="ar-AE" sz="7200" i="1">
+                                <a:latin typeface="Cambria Math" panose="02040503050406030204" pitchFamily="18" charset="0"/>
+                              </a:rPr>
                               <m:t>𝑥</m:t>
                             </m:r>
                           </m:e>
                           <m:sub>
                             <m:r>
-                              <a:rPr lang="ar-AE" sz="7200" i="1"/>
+                              <a:rPr lang="ar-AE" sz="7200" i="1">
+                                <a:latin typeface="Cambria Math" panose="02040503050406030204" pitchFamily="18" charset="0"/>
+                              </a:rPr>
                               <m:t>𝑖</m:t>
                             </m:r>
                           </m:sub>
@@ -11560,111 +11239,6 @@
                 <a:endParaRPr lang="ar-AE" sz="7200" dirty="0"/>
               </a:p>
               <a:p>
-                <a14:m>
-                  <m:oMath xmlns:m="http://schemas.openxmlformats.org/officeDocument/2006/math">
-                    <m:sSub>
-                      <m:sSubPr>
-                        <m:ctrlPr>
-                          <a:rPr lang="ar-AE" sz="7200" smtClean="0"/>
-                        </m:ctrlPr>
-                      </m:sSubPr>
-                      <m:e>
-                        <m:r>
-                          <a:rPr lang="ar-AE" sz="7200" i="1"/>
-                          <m:t>𝑥</m:t>
-                        </m:r>
-                      </m:e>
-                      <m:sub>
-                        <m:r>
-                          <a:rPr lang="ar-AE" sz="7200" i="1"/>
-                          <m:t>𝑗</m:t>
-                        </m:r>
-                      </m:sub>
-                    </m:sSub>
-                    <m:r>
-                      <a:rPr lang="ar-AE" sz="7200"/>
-                      <m:t>←</m:t>
-                    </m:r>
-                    <m:sSub>
-                      <m:sSubPr>
-                        <m:ctrlPr>
-                          <a:rPr lang="ar-AE" sz="7200" i="1"/>
-                        </m:ctrlPr>
-                      </m:sSubPr>
-                      <m:e>
-                        <m:r>
-                          <a:rPr lang="ar-AE" sz="7200" i="1"/>
-                          <m:t>𝑥</m:t>
-                        </m:r>
-                      </m:e>
-                      <m:sub>
-                        <m:r>
-                          <a:rPr lang="ar-AE" sz="7200" i="1"/>
-                          <m:t>𝑗</m:t>
-                        </m:r>
-                      </m:sub>
-                    </m:sSub>
-                    <m:r>
-                      <a:rPr lang="ar-AE" sz="7200"/>
-                      <m:t>+</m:t>
-                    </m:r>
-                    <m:r>
-                      <a:rPr lang="ar-AE" sz="7200" i="1"/>
-                      <m:t>𝛼</m:t>
-                    </m:r>
-                    <m:d>
-                      <m:dPr>
-                        <m:ctrlPr>
-                          <a:rPr lang="ar-AE" sz="7200" i="1"/>
-                        </m:ctrlPr>
-                      </m:dPr>
-                      <m:e>
-                        <m:sSub>
-                          <m:sSubPr>
-                            <m:ctrlPr>
-                              <a:rPr lang="ar-AE" sz="7200" i="1"/>
-                            </m:ctrlPr>
-                          </m:sSubPr>
-                          <m:e>
-                            <m:r>
-                              <a:rPr lang="ar-AE" sz="7200" i="1"/>
-                              <m:t>𝑥</m:t>
-                            </m:r>
-                          </m:e>
-                          <m:sub>
-                            <m:r>
-                              <a:rPr lang="ar-AE" sz="7200" i="1"/>
-                              <m:t>𝑖</m:t>
-                            </m:r>
-                          </m:sub>
-                        </m:sSub>
-                        <m:r>
-                          <a:rPr lang="ar-AE" sz="7200"/>
-                          <m:t>−</m:t>
-                        </m:r>
-                        <m:sSub>
-                          <m:sSubPr>
-                            <m:ctrlPr>
-                              <a:rPr lang="ar-AE" sz="7200" i="1"/>
-                            </m:ctrlPr>
-                          </m:sSubPr>
-                          <m:e>
-                            <m:r>
-                              <a:rPr lang="ar-AE" sz="7200" i="1"/>
-                              <m:t>𝑥</m:t>
-                            </m:r>
-                          </m:e>
-                          <m:sub>
-                            <m:r>
-                              <a:rPr lang="ar-AE" sz="7200" i="1"/>
-                              <m:t>𝑗</m:t>
-                            </m:r>
-                          </m:sub>
-                        </m:sSub>
-                      </m:e>
-                    </m:d>
-                  </m:oMath>
-                </a14:m>
                 <a:endParaRPr lang="ar-AE" sz="7200" dirty="0"/>
               </a:p>
               <a:p>
@@ -11703,7 +11277,7 @@
               <a:blipFill>
                 <a:blip r:embed="rId3"/>
                 <a:stretch>
-                  <a:fillRect l="-503" t="-2496" b="-16593"/>
+                  <a:fillRect l="-503" t="-2643" b="-14391"/>
                 </a:stretch>
               </a:blipFill>
             </p:spPr>
@@ -12254,7 +11828,7 @@
         </p:nvSpPr>
         <p:spPr>
           <a:xfrm>
-            <a:off x="914398" y="365125"/>
+            <a:off x="158378" y="-312219"/>
             <a:ext cx="10439401" cy="1617017"/>
           </a:xfrm>
         </p:spPr>
@@ -12263,9 +11837,10 @@
           <a:lstStyle/>
           <a:p>
             <a:r>
-              <a:rPr lang="en-US" dirty="0"/>
-              <a:t>Product overview </a:t>
-            </a:r>
+              <a:rPr lang="en-US" dirty="0" err="1"/>
+              <a:t>Rezultati</a:t>
+            </a:r>
+            <a:endParaRPr lang="en-US" dirty="0"/>
           </a:p>
         </p:txBody>
       </p:sp>
@@ -12287,36 +11862,32 @@
         </p:nvSpPr>
         <p:spPr>
           <a:xfrm>
-            <a:off x="914399" y="2022250"/>
-            <a:ext cx="3310129" cy="3747180"/>
+            <a:off x="717451" y="685819"/>
+            <a:ext cx="3310129" cy="355190"/>
           </a:xfrm>
         </p:spPr>
         <p:txBody>
-          <a:bodyPr/>
+          <a:bodyPr>
+            <a:normAutofit lnSpcReduction="10000"/>
+          </a:bodyPr>
           <a:lstStyle/>
           <a:p>
-            <a:r>
-              <a:rPr lang="en-US" dirty="0"/>
-              <a:t>Unique</a:t>
-            </a:r>
-          </a:p>
-          <a:p>
-            <a:r>
-              <a:rPr lang="en-US" dirty="0"/>
-              <a:t>First to market</a:t>
-            </a:r>
-          </a:p>
-          <a:p>
-            <a:r>
-              <a:rPr lang="en-US" dirty="0"/>
-              <a:t>Tested</a:t>
-            </a:r>
-          </a:p>
-          <a:p>
-            <a:r>
-              <a:rPr lang="en-US" dirty="0"/>
-              <a:t>Authentic</a:t>
-            </a:r>
+            <a:pPr marL="0" indent="0">
+              <a:buNone/>
+            </a:pPr>
+            <a:r>
+              <a:rPr lang="en-US" dirty="0" err="1"/>
+              <a:t>Uticaj</a:t>
+            </a:r>
+            <a:r>
+              <a:rPr lang="en-US" dirty="0"/>
+              <a:t> </a:t>
+            </a:r>
+            <a:r>
+              <a:rPr lang="en-US" dirty="0" err="1"/>
+              <a:t>protokola</a:t>
+            </a:r>
+            <a:endParaRPr lang="en-US" dirty="0"/>
           </a:p>
         </p:txBody>
       </p:sp>
@@ -12338,36 +11909,628 @@
         </p:nvSpPr>
         <p:spPr>
           <a:xfrm>
-            <a:off x="4602310" y="2018120"/>
-            <a:ext cx="6751489" cy="3747180"/>
+            <a:off x="717451" y="1555410"/>
+            <a:ext cx="11085343" cy="3747180"/>
           </a:xfrm>
         </p:spPr>
         <p:txBody>
-          <a:bodyPr/>
+          <a:bodyPr>
+            <a:noAutofit/>
+          </a:bodyPr>
           <a:lstStyle/>
           <a:p>
             <a:r>
-              <a:rPr lang="en-US" dirty="0"/>
-              <a:t>Only product specifically dedicated to this niche market</a:t>
-            </a:r>
-          </a:p>
-          <a:p>
-            <a:r>
-              <a:rPr lang="en-US" dirty="0"/>
-              <a:t>First beautifully designed product that's both stylish and functional</a:t>
-            </a:r>
-          </a:p>
-          <a:p>
-            <a:r>
-              <a:rPr lang="en-US" dirty="0"/>
-              <a:t>Conducted testing with college students in the area</a:t>
-            </a:r>
-          </a:p>
-          <a:p>
-            <a:r>
-              <a:rPr lang="en-US" dirty="0"/>
-              <a:t>Designed with the help and input of experts in the field </a:t>
-            </a:r>
+              <a:rPr lang="en-US" sz="1800" b="1" dirty="0"/>
+              <a:t>Metropolis:</a:t>
+            </a:r>
+            <a:endParaRPr lang="en-US" sz="1800" dirty="0"/>
+          </a:p>
+          <a:p>
+            <a:r>
+              <a:rPr lang="en-US" sz="1800" dirty="0" err="1"/>
+              <a:t>Ubedljivo</a:t>
+            </a:r>
+            <a:r>
+              <a:rPr lang="en-US" sz="1800" dirty="0"/>
+              <a:t> </a:t>
+            </a:r>
+            <a:r>
+              <a:rPr lang="en-US" sz="1800" dirty="0" err="1"/>
+              <a:t>najstabilniji</a:t>
+            </a:r>
+            <a:r>
+              <a:rPr lang="en-US" sz="1800" dirty="0"/>
+              <a:t> </a:t>
+            </a:r>
+            <a:r>
+              <a:rPr lang="en-US" sz="1800" dirty="0" err="1"/>
+              <a:t>kod</a:t>
+            </a:r>
+            <a:r>
+              <a:rPr lang="en-US" sz="1800" dirty="0"/>
+              <a:t> </a:t>
+            </a:r>
+            <a:r>
+              <a:rPr lang="en-US" sz="1800" dirty="0" err="1"/>
+              <a:t>većine</a:t>
+            </a:r>
+            <a:r>
+              <a:rPr lang="en-US" sz="1800" dirty="0"/>
+              <a:t> </a:t>
+            </a:r>
+            <a:r>
+              <a:rPr lang="en-US" sz="1800" dirty="0" err="1"/>
+              <a:t>topologija</a:t>
+            </a:r>
+            <a:r>
+              <a:rPr lang="en-US" sz="1800" dirty="0"/>
+              <a:t>.</a:t>
+            </a:r>
+          </a:p>
+          <a:p>
+            <a:r>
+              <a:rPr lang="en-US" sz="1800" dirty="0"/>
+              <a:t>Ima </a:t>
+            </a:r>
+            <a:r>
+              <a:rPr lang="en-US" sz="1800" dirty="0" err="1"/>
+              <a:t>niže</a:t>
+            </a:r>
+            <a:r>
+              <a:rPr lang="en-US" sz="1800" dirty="0"/>
+              <a:t> </a:t>
+            </a:r>
+            <a:r>
+              <a:rPr lang="en-US" sz="1800" dirty="0" err="1"/>
+              <a:t>vrednosti</a:t>
+            </a:r>
+            <a:r>
+              <a:rPr lang="en-US" sz="1800" dirty="0"/>
+              <a:t> </a:t>
+            </a:r>
+            <a:r>
+              <a:rPr lang="en-US" sz="1800" i="1" dirty="0" err="1"/>
+              <a:t>final_var</a:t>
+            </a:r>
+            <a:r>
+              <a:rPr lang="en-US" sz="1800" dirty="0"/>
+              <a:t>, </a:t>
+            </a:r>
+            <a:r>
+              <a:rPr lang="en-US" sz="1800" i="1" dirty="0" err="1"/>
+              <a:t>final_range</a:t>
+            </a:r>
+            <a:r>
+              <a:rPr lang="en-US" sz="1800" i="1" dirty="0"/>
+              <a:t> </a:t>
+            </a:r>
+            <a:r>
+              <a:rPr lang="en-US" sz="1800" dirty="0" err="1"/>
+              <a:t>i</a:t>
+            </a:r>
+            <a:r>
+              <a:rPr lang="en-US" sz="1800" dirty="0"/>
+              <a:t> </a:t>
+            </a:r>
+            <a:r>
+              <a:rPr lang="en-US" sz="1800" i="1" dirty="0"/>
+              <a:t>final_l2_error </a:t>
+            </a:r>
+            <a:r>
+              <a:rPr lang="en-US" sz="1800" dirty="0"/>
+              <a:t> </a:t>
+            </a:r>
+            <a:r>
+              <a:rPr lang="en-US" sz="1800" dirty="0" err="1"/>
+              <a:t>što</a:t>
+            </a:r>
+            <a:r>
+              <a:rPr lang="en-US" sz="1800" dirty="0"/>
+              <a:t> </a:t>
+            </a:r>
+            <a:r>
+              <a:rPr lang="en-US" sz="1800" dirty="0" err="1"/>
+              <a:t>ukazuje</a:t>
+            </a:r>
+            <a:r>
+              <a:rPr lang="en-US" sz="1800" dirty="0"/>
+              <a:t> </a:t>
+            </a:r>
+            <a:r>
+              <a:rPr lang="en-US" sz="1800" dirty="0" err="1"/>
+              <a:t>na</a:t>
+            </a:r>
+            <a:r>
+              <a:rPr lang="en-US" sz="1800" dirty="0"/>
+              <a:t> </a:t>
+            </a:r>
+            <a:r>
+              <a:rPr lang="en-US" sz="1800" dirty="0" err="1"/>
+              <a:t>efikasniju</a:t>
+            </a:r>
+            <a:r>
+              <a:rPr lang="en-US" sz="1800" dirty="0"/>
+              <a:t> , </a:t>
+            </a:r>
+            <a:r>
+              <a:rPr lang="en-US" sz="1800" dirty="0" err="1"/>
+              <a:t>stabilniju</a:t>
+            </a:r>
+            <a:r>
+              <a:rPr lang="en-US" sz="1800" dirty="0"/>
+              <a:t> </a:t>
+            </a:r>
+            <a:r>
+              <a:rPr lang="en-US" sz="1800" dirty="0" err="1"/>
+              <a:t>konvergenciju</a:t>
+            </a:r>
+            <a:r>
+              <a:rPr lang="en-US" sz="1800" dirty="0"/>
+              <a:t>, </a:t>
+            </a:r>
+          </a:p>
+          <a:p>
+            <a:r>
+              <a:rPr lang="en-US" sz="1800" dirty="0" err="1"/>
+              <a:t>ali</a:t>
+            </a:r>
+            <a:r>
+              <a:rPr lang="en-US" sz="1800" dirty="0"/>
+              <a:t> </a:t>
+            </a:r>
+            <a:r>
+              <a:rPr lang="en-US" sz="1800" dirty="0" err="1"/>
+              <a:t>često</a:t>
+            </a:r>
+            <a:r>
+              <a:rPr lang="en-US" sz="1800" dirty="0"/>
+              <a:t> ne </a:t>
+            </a:r>
+            <a:r>
+              <a:rPr lang="en-US" sz="1800" dirty="0" err="1"/>
+              <a:t>konvergira</a:t>
+            </a:r>
+            <a:r>
+              <a:rPr lang="en-US" sz="1800" dirty="0"/>
+              <a:t> </a:t>
+            </a:r>
+            <a:r>
+              <a:rPr lang="en-US" sz="1800" dirty="0" err="1"/>
+              <a:t>unutar</a:t>
+            </a:r>
+            <a:r>
+              <a:rPr lang="en-US" sz="1800" dirty="0"/>
+              <a:t> 1000 </a:t>
+            </a:r>
+            <a:r>
+              <a:rPr lang="en-US" sz="1800" dirty="0" err="1"/>
+              <a:t>iteracija</a:t>
+            </a:r>
+            <a:r>
+              <a:rPr lang="en-US" sz="1800" dirty="0"/>
+              <a:t> </a:t>
+            </a:r>
+            <a:r>
+              <a:rPr lang="en-US" sz="1800" dirty="0" err="1"/>
+              <a:t>ako</a:t>
+            </a:r>
+            <a:r>
+              <a:rPr lang="en-US" sz="1800" dirty="0"/>
+              <a:t> </a:t>
+            </a:r>
+            <a:r>
+              <a:rPr lang="en-US" sz="1800" dirty="0" err="1"/>
+              <a:t>postoji</a:t>
+            </a:r>
+            <a:r>
+              <a:rPr lang="en-US" sz="1800" dirty="0"/>
+              <a:t> </a:t>
+            </a:r>
+            <a:r>
+              <a:rPr lang="en-US" sz="1800" dirty="0" err="1"/>
+              <a:t>značajan</a:t>
+            </a:r>
+            <a:r>
+              <a:rPr lang="en-US" sz="1800" dirty="0"/>
+              <a:t> </a:t>
+            </a:r>
+            <a:r>
+              <a:rPr lang="en-US" sz="1800" dirty="0" err="1"/>
+              <a:t>broj</a:t>
+            </a:r>
+            <a:r>
+              <a:rPr lang="en-US" sz="1800" dirty="0"/>
+              <a:t> </a:t>
+            </a:r>
+            <a:r>
+              <a:rPr lang="en-US" sz="1800" dirty="0" err="1"/>
+              <a:t>vizantijskih</a:t>
+            </a:r>
+            <a:r>
+              <a:rPr lang="en-US" sz="1800" dirty="0"/>
+              <a:t> </a:t>
+            </a:r>
+            <a:r>
+              <a:rPr lang="en-US" sz="1800" dirty="0" err="1"/>
+              <a:t>agenata</a:t>
+            </a:r>
+            <a:r>
+              <a:rPr lang="en-US" sz="1800" dirty="0"/>
+              <a:t>.</a:t>
+            </a:r>
+          </a:p>
+          <a:p>
+            <a:r>
+              <a:rPr lang="en-US" sz="1800" b="1" dirty="0"/>
+              <a:t>Simple Average:</a:t>
+            </a:r>
+            <a:endParaRPr lang="en-US" sz="1800" dirty="0"/>
+          </a:p>
+          <a:p>
+            <a:r>
+              <a:rPr lang="en-US" sz="1800" dirty="0" err="1"/>
+              <a:t>Pokazuje</a:t>
+            </a:r>
+            <a:r>
+              <a:rPr lang="en-US" sz="1800" dirty="0"/>
+              <a:t> </a:t>
+            </a:r>
+            <a:r>
+              <a:rPr lang="en-US" sz="1800" dirty="0" err="1"/>
+              <a:t>slične</a:t>
+            </a:r>
+            <a:r>
+              <a:rPr lang="en-US" sz="1800" dirty="0"/>
+              <a:t> </a:t>
+            </a:r>
+            <a:r>
+              <a:rPr lang="en-US" sz="1800" dirty="0" err="1"/>
+              <a:t>rezultate</a:t>
+            </a:r>
+            <a:r>
+              <a:rPr lang="en-US" sz="1800" dirty="0"/>
+              <a:t> </a:t>
+            </a:r>
+            <a:r>
+              <a:rPr lang="en-US" sz="1800" dirty="0" err="1"/>
+              <a:t>kao</a:t>
+            </a:r>
+            <a:r>
+              <a:rPr lang="en-US" sz="1800" dirty="0"/>
+              <a:t> Metropolis, </a:t>
+            </a:r>
+            <a:r>
+              <a:rPr lang="en-US" sz="1800" dirty="0" err="1"/>
+              <a:t>ali</a:t>
+            </a:r>
+            <a:r>
+              <a:rPr lang="en-US" sz="1800" dirty="0"/>
+              <a:t> </a:t>
+            </a:r>
+            <a:r>
+              <a:rPr lang="en-US" sz="1800" dirty="0" err="1"/>
+              <a:t>sa</a:t>
+            </a:r>
+            <a:r>
+              <a:rPr lang="en-US" sz="1800" dirty="0"/>
+              <a:t> </a:t>
+            </a:r>
+            <a:r>
+              <a:rPr lang="en-US" sz="1800" dirty="0" err="1"/>
+              <a:t>većom</a:t>
+            </a:r>
+            <a:r>
+              <a:rPr lang="en-US" sz="1800" dirty="0"/>
+              <a:t> </a:t>
+            </a:r>
+            <a:r>
+              <a:rPr lang="en-US" sz="1800" dirty="0" err="1"/>
+              <a:t>varijansom</a:t>
+            </a:r>
+            <a:r>
+              <a:rPr lang="en-US" sz="1800" dirty="0"/>
+              <a:t> </a:t>
+            </a:r>
+            <a:r>
+              <a:rPr lang="en-US" sz="1800" dirty="0" err="1"/>
+              <a:t>i</a:t>
+            </a:r>
+            <a:r>
+              <a:rPr lang="en-US" sz="1800" dirty="0"/>
+              <a:t> </a:t>
+            </a:r>
+            <a:r>
+              <a:rPr lang="en-US" sz="1800" dirty="0" err="1"/>
+              <a:t>greškom</a:t>
+            </a:r>
+            <a:r>
+              <a:rPr lang="en-US" sz="1800" dirty="0"/>
+              <a:t>, </a:t>
+            </a:r>
+            <a:r>
+              <a:rPr lang="en-US" sz="1800" dirty="0" err="1"/>
+              <a:t>posebno</a:t>
+            </a:r>
+            <a:r>
+              <a:rPr lang="en-US" sz="1800" dirty="0"/>
+              <a:t> u </a:t>
+            </a:r>
+            <a:r>
+              <a:rPr lang="en-US" sz="1800" dirty="0" err="1"/>
+              <a:t>prisustvu</a:t>
+            </a:r>
+            <a:r>
+              <a:rPr lang="en-US" sz="1800" dirty="0"/>
+              <a:t> </a:t>
+            </a:r>
+            <a:r>
+              <a:rPr lang="en-US" sz="1800" dirty="0" err="1"/>
+              <a:t>noisea</a:t>
+            </a:r>
+            <a:r>
+              <a:rPr lang="en-US" sz="1800" dirty="0"/>
+              <a:t> </a:t>
+            </a:r>
+            <a:r>
+              <a:rPr lang="en-US" sz="1800" dirty="0" err="1"/>
+              <a:t>ili</a:t>
+            </a:r>
+            <a:r>
+              <a:rPr lang="en-US" sz="1800" dirty="0"/>
+              <a:t> </a:t>
+            </a:r>
+            <a:r>
+              <a:rPr lang="en-US" sz="1800" dirty="0" err="1"/>
+              <a:t>gubitka</a:t>
+            </a:r>
+            <a:r>
+              <a:rPr lang="en-US" sz="1800" dirty="0"/>
+              <a:t> </a:t>
+            </a:r>
+            <a:r>
+              <a:rPr lang="en-US" sz="1800" dirty="0" err="1"/>
+              <a:t>poruka</a:t>
+            </a:r>
+            <a:r>
+              <a:rPr lang="en-US" sz="1800" dirty="0"/>
+              <a:t> (</a:t>
+            </a:r>
+            <a:r>
+              <a:rPr lang="en-US" sz="1800" i="1" dirty="0" err="1"/>
+              <a:t>p_drop</a:t>
+            </a:r>
+            <a:r>
+              <a:rPr lang="en-US" sz="1800" dirty="0"/>
+              <a:t>).</a:t>
+            </a:r>
+          </a:p>
+          <a:p>
+            <a:r>
+              <a:rPr lang="en-US" sz="1800" dirty="0" err="1"/>
+              <a:t>Više</a:t>
+            </a:r>
+            <a:r>
+              <a:rPr lang="en-US" sz="1800" dirty="0"/>
+              <a:t> </a:t>
+            </a:r>
+            <a:r>
+              <a:rPr lang="en-US" sz="1800" dirty="0" err="1"/>
+              <a:t>osetljiv</a:t>
+            </a:r>
+            <a:r>
+              <a:rPr lang="en-US" sz="1800" dirty="0"/>
+              <a:t> </a:t>
+            </a:r>
+            <a:r>
+              <a:rPr lang="en-US" sz="1800" dirty="0" err="1"/>
+              <a:t>na</a:t>
+            </a:r>
+            <a:r>
+              <a:rPr lang="en-US" sz="1800" dirty="0"/>
+              <a:t> </a:t>
+            </a:r>
+            <a:r>
+              <a:rPr lang="en-US" sz="1800" dirty="0" err="1"/>
+              <a:t>strukturu</a:t>
+            </a:r>
+            <a:r>
+              <a:rPr lang="en-US" sz="1800" dirty="0"/>
+              <a:t> </a:t>
+            </a:r>
+            <a:r>
+              <a:rPr lang="en-US" sz="1800" dirty="0" err="1"/>
+              <a:t>grafa</a:t>
+            </a:r>
+            <a:r>
+              <a:rPr lang="en-US" sz="1800" dirty="0"/>
+              <a:t>.</a:t>
+            </a:r>
+          </a:p>
+          <a:p>
+            <a:r>
+              <a:rPr lang="en-US" sz="1800" b="1" dirty="0"/>
+              <a:t>Gossip:</a:t>
+            </a:r>
+            <a:endParaRPr lang="en-US" sz="1800" dirty="0"/>
+          </a:p>
+          <a:p>
+            <a:r>
+              <a:rPr lang="en-US" sz="1800" b="1" dirty="0" err="1"/>
+              <a:t>Najnestabilniji</a:t>
+            </a:r>
+            <a:r>
+              <a:rPr lang="en-US" sz="1800" b="1" dirty="0"/>
+              <a:t> </a:t>
+            </a:r>
+            <a:r>
+              <a:rPr lang="en-US" sz="1800" dirty="0" err="1"/>
+              <a:t>iako</a:t>
+            </a:r>
+            <a:r>
+              <a:rPr lang="en-US" sz="1800" dirty="0"/>
+              <a:t> </a:t>
+            </a:r>
+            <a:r>
+              <a:rPr lang="en-US" sz="1800" dirty="0" err="1"/>
+              <a:t>asinhronost</a:t>
+            </a:r>
+            <a:r>
+              <a:rPr lang="en-US" sz="1800" dirty="0"/>
+              <a:t> </a:t>
+            </a:r>
+            <a:r>
+              <a:rPr lang="en-US" sz="1800" dirty="0" err="1"/>
+              <a:t>može</a:t>
+            </a:r>
+            <a:r>
+              <a:rPr lang="en-US" sz="1800" dirty="0"/>
+              <a:t> </a:t>
+            </a:r>
+            <a:r>
+              <a:rPr lang="en-US" sz="1800" dirty="0" err="1"/>
+              <a:t>biti</a:t>
+            </a:r>
+            <a:r>
+              <a:rPr lang="en-US" sz="1800" dirty="0"/>
+              <a:t> </a:t>
+            </a:r>
+            <a:r>
+              <a:rPr lang="en-US" sz="1800" dirty="0" err="1"/>
+              <a:t>korisna</a:t>
+            </a:r>
+            <a:r>
+              <a:rPr lang="en-US" sz="1800" dirty="0"/>
+              <a:t> u </a:t>
+            </a:r>
+            <a:r>
+              <a:rPr lang="en-US" sz="1800" dirty="0" err="1"/>
+              <a:t>realnim</a:t>
+            </a:r>
+            <a:r>
+              <a:rPr lang="en-US" sz="1800" dirty="0"/>
+              <a:t> </a:t>
+            </a:r>
+            <a:r>
+              <a:rPr lang="en-US" sz="1800" dirty="0" err="1"/>
+              <a:t>sistemima</a:t>
+            </a:r>
+            <a:r>
+              <a:rPr lang="en-US" sz="1800" dirty="0"/>
+              <a:t>, </a:t>
+            </a:r>
+            <a:r>
+              <a:rPr lang="en-US" sz="1800" dirty="0" err="1"/>
+              <a:t>dovodi</a:t>
+            </a:r>
+            <a:r>
+              <a:rPr lang="en-US" sz="1800" dirty="0"/>
+              <a:t> do </a:t>
+            </a:r>
+            <a:r>
+              <a:rPr lang="en-US" sz="1800" dirty="0" err="1"/>
+              <a:t>visokih</a:t>
+            </a:r>
+            <a:r>
+              <a:rPr lang="en-US" sz="1800" dirty="0"/>
+              <a:t> </a:t>
+            </a:r>
+            <a:r>
+              <a:rPr lang="en-US" sz="1800" i="1" dirty="0" err="1"/>
+              <a:t>final_range</a:t>
+            </a:r>
+            <a:r>
+              <a:rPr lang="en-US" sz="1800" i="1" dirty="0"/>
+              <a:t> </a:t>
+            </a:r>
+            <a:r>
+              <a:rPr lang="en-US" sz="1800" dirty="0" err="1"/>
+              <a:t>i</a:t>
+            </a:r>
+            <a:r>
+              <a:rPr lang="en-US" sz="1800" dirty="0"/>
+              <a:t> </a:t>
+            </a:r>
+            <a:r>
+              <a:rPr lang="en-US" sz="1800" i="1" dirty="0"/>
+              <a:t>l2_error</a:t>
+            </a:r>
+            <a:r>
+              <a:rPr lang="en-US" sz="1800" dirty="0"/>
+              <a:t>.</a:t>
+            </a:r>
+          </a:p>
+          <a:p>
+            <a:r>
+              <a:rPr lang="en-US" sz="1800" dirty="0"/>
+              <a:t>U </a:t>
+            </a:r>
+            <a:r>
+              <a:rPr lang="en-US" sz="1800" dirty="0" err="1"/>
+              <a:t>nekim</a:t>
+            </a:r>
+            <a:r>
+              <a:rPr lang="en-US" sz="1800" dirty="0"/>
+              <a:t> </a:t>
+            </a:r>
+            <a:r>
+              <a:rPr lang="en-US" sz="1800" dirty="0" err="1"/>
+              <a:t>slučajevima</a:t>
+            </a:r>
+            <a:r>
+              <a:rPr lang="en-US" sz="1800" dirty="0"/>
+              <a:t> se </a:t>
+            </a:r>
+            <a:r>
+              <a:rPr lang="en-US" sz="1800" dirty="0" err="1"/>
+              <a:t>približava</a:t>
+            </a:r>
+            <a:r>
+              <a:rPr lang="en-US" sz="1800" dirty="0"/>
+              <a:t> </a:t>
+            </a:r>
+            <a:r>
+              <a:rPr lang="en-US" sz="1800" dirty="0" err="1"/>
+              <a:t>rešenju</a:t>
+            </a:r>
+            <a:r>
+              <a:rPr lang="en-US" sz="1800" dirty="0"/>
+              <a:t>, </a:t>
+            </a:r>
+            <a:r>
+              <a:rPr lang="en-US" sz="1800" dirty="0" err="1"/>
+              <a:t>ali</a:t>
+            </a:r>
+            <a:r>
+              <a:rPr lang="en-US" sz="1800" dirty="0"/>
+              <a:t> </a:t>
+            </a:r>
+            <a:r>
+              <a:rPr lang="en-US" sz="1800" i="1" dirty="0" err="1"/>
+              <a:t>retko</a:t>
+            </a:r>
+            <a:r>
+              <a:rPr lang="en-US" sz="1800" dirty="0"/>
+              <a:t> </a:t>
+            </a:r>
+            <a:r>
+              <a:rPr lang="en-US" sz="1800" dirty="0" err="1"/>
+              <a:t>konvergira</a:t>
+            </a:r>
+            <a:r>
+              <a:rPr lang="en-US" sz="1800" dirty="0"/>
+              <a:t> </a:t>
+            </a:r>
+            <a:r>
+              <a:rPr lang="en-US" sz="1800" dirty="0" err="1"/>
+              <a:t>brzo</a:t>
+            </a:r>
+            <a:r>
+              <a:rPr lang="en-US" sz="1800" dirty="0"/>
+              <a:t>.</a:t>
+            </a:r>
+          </a:p>
+          <a:p>
+            <a:endParaRPr lang="en-US" sz="1800" dirty="0"/>
           </a:p>
         </p:txBody>
       </p:sp>
@@ -12424,7 +12587,13 @@
   <p:cSld>
     <p:spTree>
       <p:nvGrpSpPr>
-        <p:cNvPr id="1" name=""/>
+        <p:cNvPr id="1" name="">
+          <a:extLst>
+            <a:ext uri="{FF2B5EF4-FFF2-40B4-BE49-F238E27FC236}">
+              <a16:creationId xmlns:a16="http://schemas.microsoft.com/office/drawing/2014/main" id="{3F069DAF-92AD-4572-4E57-B60A671C3F60}"/>
+            </a:ext>
+          </a:extLst>
+        </p:cNvPr>
         <p:cNvGrpSpPr/>
         <p:nvPr/>
       </p:nvGrpSpPr>
@@ -12441,7 +12610,7 @@
           <p:cNvPr id="2" name="Title 1">
             <a:extLst>
               <a:ext uri="{FF2B5EF4-FFF2-40B4-BE49-F238E27FC236}">
-                <a16:creationId xmlns:a16="http://schemas.microsoft.com/office/drawing/2014/main" id="{56FEAA13-E02F-EB47-E510-E3F48A95F847}"/>
+                <a16:creationId xmlns:a16="http://schemas.microsoft.com/office/drawing/2014/main" id="{7B337516-839F-1262-8DC2-F67F17A19124}"/>
               </a:ext>
             </a:extLst>
           </p:cNvPr>
@@ -12454,8 +12623,8 @@
         </p:nvSpPr>
         <p:spPr>
           <a:xfrm>
-            <a:off x="916385" y="446313"/>
-            <a:ext cx="5179615" cy="1448747"/>
+            <a:off x="158378" y="-312219"/>
+            <a:ext cx="10439401" cy="1617017"/>
           </a:xfrm>
         </p:spPr>
         <p:txBody>
@@ -12463,9 +12632,10 @@
           <a:lstStyle/>
           <a:p>
             <a:r>
-              <a:rPr lang="en-US" dirty="0"/>
-              <a:t>Growth strategy</a:t>
-            </a:r>
+              <a:rPr lang="en-US" dirty="0" err="1"/>
+              <a:t>Rezultati</a:t>
+            </a:r>
+            <a:endParaRPr lang="en-US" dirty="0"/>
           </a:p>
         </p:txBody>
       </p:sp>
@@ -12474,7 +12644,7 @@
           <p:cNvPr id="3" name="Content Placeholder 2">
             <a:extLst>
               <a:ext uri="{FF2B5EF4-FFF2-40B4-BE49-F238E27FC236}">
-                <a16:creationId xmlns:a16="http://schemas.microsoft.com/office/drawing/2014/main" id="{05E26637-007F-EC9E-F644-AAFBA0900F3C}"/>
+                <a16:creationId xmlns:a16="http://schemas.microsoft.com/office/drawing/2014/main" id="{2B955E50-FC33-B13F-3B95-EE5735641921}"/>
               </a:ext>
             </a:extLst>
           </p:cNvPr>
@@ -12487,41 +12657,719 @@
         </p:nvSpPr>
         <p:spPr>
           <a:xfrm>
-            <a:off x="914399" y="2022250"/>
-            <a:ext cx="5181600" cy="3747180"/>
+            <a:off x="717451" y="685819"/>
+            <a:ext cx="3310129" cy="355190"/>
           </a:xfrm>
         </p:spPr>
         <p:txBody>
-          <a:bodyPr/>
+          <a:bodyPr>
+            <a:normAutofit lnSpcReduction="10000"/>
+          </a:bodyPr>
           <a:lstStyle/>
           <a:p>
-            <a:r>
-              <a:rPr lang="en-US" b="1" dirty="0"/>
-              <a:t>Feb 20XX: </a:t>
-            </a:r>
-            <a:r>
-              <a:rPr lang="en-US" dirty="0"/>
-              <a:t>roll out product to high profile or top-level participants to help establish the product</a:t>
-            </a:r>
-          </a:p>
-          <a:p>
-            <a:r>
-              <a:rPr lang="en-US" b="1" dirty="0"/>
-              <a:t>May 20XX: </a:t>
-            </a:r>
-            <a:r>
-              <a:rPr lang="en-US" dirty="0"/>
-              <a:t>release the product to the public and monitor press release and social media accounts</a:t>
-            </a:r>
-          </a:p>
-          <a:p>
-            <a:r>
-              <a:rPr lang="en-US" b="1" dirty="0"/>
-              <a:t>Oct 20XX: </a:t>
-            </a:r>
-            <a:r>
-              <a:rPr lang="en-US" dirty="0"/>
-              <a:t>gather feedback and adjust product design as necessary</a:t>
+            <a:pPr marL="0" indent="0">
+              <a:buNone/>
+            </a:pPr>
+            <a:r>
+              <a:rPr lang="en-US" dirty="0" err="1"/>
+              <a:t>Uticaj</a:t>
+            </a:r>
+            <a:r>
+              <a:rPr lang="en-US" dirty="0"/>
+              <a:t> </a:t>
+            </a:r>
+            <a:r>
+              <a:rPr lang="en-US" dirty="0" err="1"/>
+              <a:t>grafa</a:t>
+            </a:r>
+            <a:endParaRPr lang="en-US" dirty="0"/>
+          </a:p>
+        </p:txBody>
+      </p:sp>
+      <p:sp>
+        <p:nvSpPr>
+          <p:cNvPr id="4" name="Content Placeholder 3">
+            <a:extLst>
+              <a:ext uri="{FF2B5EF4-FFF2-40B4-BE49-F238E27FC236}">
+                <a16:creationId xmlns:a16="http://schemas.microsoft.com/office/drawing/2014/main" id="{B0E60B6F-9971-E9C8-4C26-9841DAEC9D81}"/>
+              </a:ext>
+            </a:extLst>
+          </p:cNvPr>
+          <p:cNvSpPr>
+            <a:spLocks noGrp="1"/>
+          </p:cNvSpPr>
+          <p:nvPr>
+            <p:ph sz="quarter" idx="11"/>
+          </p:nvPr>
+        </p:nvSpPr>
+        <p:spPr>
+          <a:xfrm>
+            <a:off x="553328" y="1304798"/>
+            <a:ext cx="11085343" cy="3747180"/>
+          </a:xfrm>
+        </p:spPr>
+        <p:txBody>
+          <a:bodyPr>
+            <a:noAutofit/>
+          </a:bodyPr>
+          <a:lstStyle/>
+          <a:p>
+            <a:r>
+              <a:rPr lang="en-US" sz="1800" b="1" dirty="0"/>
+              <a:t>Ring:</a:t>
+            </a:r>
+            <a:endParaRPr lang="en-US" sz="1800" dirty="0"/>
+          </a:p>
+          <a:p>
+            <a:r>
+              <a:rPr lang="en-US" sz="1800" dirty="0" err="1"/>
+              <a:t>Najgori</a:t>
+            </a:r>
+            <a:r>
+              <a:rPr lang="en-US" sz="1800" dirty="0"/>
+              <a:t> </a:t>
+            </a:r>
+            <a:r>
+              <a:rPr lang="en-US" sz="1800" dirty="0" err="1"/>
+              <a:t>rezultati</a:t>
+            </a:r>
+            <a:r>
+              <a:rPr lang="en-US" sz="1800" dirty="0"/>
+              <a:t>, </a:t>
+            </a:r>
+            <a:r>
+              <a:rPr lang="en-US" sz="1800" dirty="0" err="1"/>
+              <a:t>zbog</a:t>
+            </a:r>
+            <a:r>
+              <a:rPr lang="en-US" sz="1800" dirty="0"/>
+              <a:t> male </a:t>
+            </a:r>
+            <a:r>
+              <a:rPr lang="en-US" sz="1800" dirty="0" err="1"/>
+              <a:t>povezanosti</a:t>
+            </a:r>
+            <a:r>
+              <a:rPr lang="en-US" sz="1800" dirty="0"/>
+              <a:t> u </a:t>
+            </a:r>
+            <a:r>
+              <a:rPr lang="en-US" sz="1800" dirty="0" err="1"/>
+              <a:t>poredjenju</a:t>
+            </a:r>
+            <a:r>
+              <a:rPr lang="en-US" sz="1800" dirty="0"/>
+              <a:t> </a:t>
+            </a:r>
+            <a:r>
+              <a:rPr lang="en-US" sz="1800" dirty="0" err="1"/>
+              <a:t>sa</a:t>
+            </a:r>
+            <a:r>
+              <a:rPr lang="en-US" sz="1800" dirty="0"/>
+              <a:t> </a:t>
+            </a:r>
+            <a:r>
+              <a:rPr lang="en-US" sz="1800" dirty="0" err="1"/>
+              <a:t>ostalim</a:t>
+            </a:r>
+            <a:endParaRPr lang="en-US" sz="1800" dirty="0"/>
+          </a:p>
+          <a:p>
+            <a:r>
+              <a:rPr lang="en-US" sz="1800" dirty="0" err="1"/>
+              <a:t>Dovodi</a:t>
+            </a:r>
+            <a:r>
+              <a:rPr lang="en-US" sz="1800" dirty="0"/>
+              <a:t> do </a:t>
+            </a:r>
+            <a:r>
+              <a:rPr lang="en-US" sz="1800" dirty="0" err="1"/>
+              <a:t>loše</a:t>
+            </a:r>
+            <a:r>
+              <a:rPr lang="en-US" sz="1800" dirty="0"/>
+              <a:t> </a:t>
+            </a:r>
+            <a:r>
+              <a:rPr lang="en-US" sz="1800" dirty="0" err="1"/>
+              <a:t>propagacije</a:t>
+            </a:r>
+            <a:r>
+              <a:rPr lang="en-US" sz="1800" dirty="0"/>
+              <a:t> </a:t>
+            </a:r>
+            <a:r>
+              <a:rPr lang="en-US" sz="1800" dirty="0" err="1"/>
+              <a:t>merenja</a:t>
+            </a:r>
+            <a:r>
+              <a:rPr lang="en-US" sz="1800" dirty="0"/>
+              <a:t>, </a:t>
+            </a:r>
+            <a:r>
+              <a:rPr lang="en-US" sz="1800" dirty="0" err="1"/>
+              <a:t>naročito</a:t>
+            </a:r>
+            <a:r>
+              <a:rPr lang="en-US" sz="1800" dirty="0"/>
+              <a:t> </a:t>
+            </a:r>
+            <a:r>
+              <a:rPr lang="en-US" sz="1800" dirty="0" err="1"/>
+              <a:t>loše</a:t>
+            </a:r>
+            <a:r>
+              <a:rPr lang="en-US" sz="1800" dirty="0"/>
+              <a:t> </a:t>
+            </a:r>
+            <a:r>
+              <a:rPr lang="en-US" sz="1800" dirty="0" err="1"/>
+              <a:t>kod</a:t>
+            </a:r>
+            <a:r>
+              <a:rPr lang="en-US" sz="1800" dirty="0"/>
+              <a:t> </a:t>
+            </a:r>
+            <a:r>
+              <a:rPr lang="en-US" sz="1800" i="1" dirty="0"/>
+              <a:t>gossip</a:t>
+            </a:r>
+            <a:r>
+              <a:rPr lang="en-US" sz="1800" dirty="0"/>
+              <a:t> </a:t>
+            </a:r>
+            <a:r>
+              <a:rPr lang="en-US" sz="1800" dirty="0" err="1"/>
+              <a:t>protokola</a:t>
+            </a:r>
+            <a:r>
+              <a:rPr lang="en-US" sz="1800" dirty="0"/>
+              <a:t>.</a:t>
+            </a:r>
+          </a:p>
+          <a:p>
+            <a:r>
+              <a:rPr lang="en-US" sz="1800" b="1" dirty="0"/>
+              <a:t>Erdos </a:t>
+            </a:r>
+            <a:r>
+              <a:rPr lang="en-US" sz="1800" b="1" dirty="0" err="1"/>
+              <a:t>Renyi</a:t>
+            </a:r>
+            <a:r>
+              <a:rPr lang="en-US" sz="1800" b="1" dirty="0"/>
+              <a:t> :</a:t>
+            </a:r>
+            <a:endParaRPr lang="en-US" sz="1800" dirty="0"/>
+          </a:p>
+          <a:p>
+            <a:r>
+              <a:rPr lang="en-US" sz="1800" dirty="0"/>
+              <a:t>Dobri </a:t>
+            </a:r>
+            <a:r>
+              <a:rPr lang="en-US" sz="1800" dirty="0" err="1"/>
+              <a:t>rezultati</a:t>
+            </a:r>
+            <a:r>
+              <a:rPr lang="en-US" sz="1800" dirty="0"/>
+              <a:t> </a:t>
+            </a:r>
+            <a:r>
+              <a:rPr lang="en-US" sz="1800" dirty="0" err="1"/>
+              <a:t>kod</a:t>
+            </a:r>
+            <a:r>
+              <a:rPr lang="en-US" sz="1800" dirty="0"/>
+              <a:t> </a:t>
+            </a:r>
+            <a:r>
+              <a:rPr lang="en-US" sz="1800" dirty="0" err="1"/>
+              <a:t>svih</a:t>
+            </a:r>
+            <a:r>
+              <a:rPr lang="en-US" sz="1800" dirty="0"/>
+              <a:t> </a:t>
+            </a:r>
+            <a:r>
+              <a:rPr lang="en-US" sz="1800" dirty="0" err="1"/>
+              <a:t>protokola</a:t>
+            </a:r>
+            <a:r>
+              <a:rPr lang="en-US" sz="1800" dirty="0"/>
+              <a:t>, </a:t>
+            </a:r>
+            <a:r>
+              <a:rPr lang="en-US" sz="1800" dirty="0" err="1"/>
+              <a:t>naročito</a:t>
+            </a:r>
+            <a:r>
+              <a:rPr lang="en-US" sz="1800" dirty="0"/>
+              <a:t> Metropolis.</a:t>
+            </a:r>
+          </a:p>
+          <a:p>
+            <a:r>
+              <a:rPr lang="en-US" sz="1800" dirty="0" err="1"/>
+              <a:t>Srednja</a:t>
+            </a:r>
+            <a:r>
+              <a:rPr lang="en-US" sz="1800" dirty="0"/>
+              <a:t> </a:t>
+            </a:r>
+            <a:r>
+              <a:rPr lang="en-US" sz="1800" dirty="0" err="1"/>
+              <a:t>povezanost</a:t>
+            </a:r>
+            <a:r>
+              <a:rPr lang="en-US" sz="1800" dirty="0"/>
+              <a:t> (</a:t>
+            </a:r>
+            <a:r>
+              <a:rPr lang="en-US" sz="1800" dirty="0" err="1"/>
+              <a:t>npr</a:t>
+            </a:r>
+            <a:r>
+              <a:rPr lang="en-US" sz="1800" dirty="0"/>
+              <a:t>. </a:t>
+            </a:r>
+            <a:r>
+              <a:rPr lang="en-US" dirty="0"/>
+              <a:t>p = 0.08</a:t>
+            </a:r>
+            <a:r>
+              <a:rPr lang="en-US" sz="1800" dirty="0"/>
+              <a:t> </a:t>
+            </a:r>
+            <a:r>
+              <a:rPr lang="en-US" sz="1800" dirty="0" err="1"/>
+              <a:t>ili</a:t>
+            </a:r>
+            <a:r>
+              <a:rPr lang="en-US" sz="1800" dirty="0"/>
+              <a:t> </a:t>
+            </a:r>
+            <a:r>
+              <a:rPr lang="en-US" dirty="0"/>
+              <a:t>0.2</a:t>
+            </a:r>
+            <a:r>
+              <a:rPr lang="en-US" sz="1800" dirty="0"/>
+              <a:t>) je </a:t>
+            </a:r>
+            <a:r>
+              <a:rPr lang="en-US" sz="1800" dirty="0" err="1"/>
+              <a:t>dovoljan</a:t>
+            </a:r>
+            <a:r>
+              <a:rPr lang="en-US" sz="1800" dirty="0"/>
+              <a:t> </a:t>
+            </a:r>
+            <a:r>
+              <a:rPr lang="en-US" sz="1800" dirty="0" err="1"/>
+              <a:t>kompromis</a:t>
+            </a:r>
+            <a:r>
+              <a:rPr lang="en-US" sz="1800" dirty="0"/>
+              <a:t> </a:t>
+            </a:r>
+            <a:r>
+              <a:rPr lang="en-US" sz="1800" dirty="0" err="1"/>
+              <a:t>između</a:t>
+            </a:r>
+            <a:r>
+              <a:rPr lang="en-US" sz="1800" dirty="0"/>
+              <a:t> </a:t>
+            </a:r>
+            <a:r>
+              <a:rPr lang="en-US" sz="1800" dirty="0" err="1"/>
+              <a:t>šuma</a:t>
+            </a:r>
+            <a:r>
+              <a:rPr lang="en-US" sz="1800" dirty="0"/>
+              <a:t> </a:t>
+            </a:r>
+            <a:r>
+              <a:rPr lang="en-US" sz="1800" dirty="0" err="1"/>
+              <a:t>i</a:t>
+            </a:r>
+            <a:r>
+              <a:rPr lang="en-US" sz="1800" dirty="0"/>
+              <a:t> </a:t>
+            </a:r>
+            <a:r>
+              <a:rPr lang="en-US" sz="1800" dirty="0" err="1"/>
+              <a:t>brzine</a:t>
+            </a:r>
+            <a:r>
+              <a:rPr lang="en-US" sz="1800" dirty="0"/>
+              <a:t> </a:t>
+            </a:r>
+            <a:r>
+              <a:rPr lang="en-US" sz="1800" dirty="0" err="1"/>
+              <a:t>širenja</a:t>
+            </a:r>
+            <a:r>
+              <a:rPr lang="en-US" sz="1800" dirty="0"/>
+              <a:t> </a:t>
+            </a:r>
+            <a:r>
+              <a:rPr lang="en-US" sz="1800" dirty="0" err="1"/>
+              <a:t>informacije</a:t>
+            </a:r>
+            <a:r>
+              <a:rPr lang="en-US" sz="1800" dirty="0"/>
+              <a:t>.</a:t>
+            </a:r>
+          </a:p>
+          <a:p>
+            <a:r>
+              <a:rPr lang="en-US" sz="1800" dirty="0"/>
+              <a:t>Nije </a:t>
+            </a:r>
+            <a:r>
+              <a:rPr lang="en-US" sz="1800" dirty="0" err="1"/>
+              <a:t>uspevao</a:t>
+            </a:r>
+            <a:r>
+              <a:rPr lang="en-US" sz="1800" dirty="0"/>
+              <a:t> da </a:t>
+            </a:r>
+            <a:r>
+              <a:rPr lang="en-US" sz="1800" dirty="0" err="1"/>
+              <a:t>izkonvergira</a:t>
+            </a:r>
+            <a:r>
+              <a:rPr lang="en-US" sz="1800" dirty="0"/>
+              <a:t> </a:t>
+            </a:r>
+            <a:r>
+              <a:rPr lang="en-US" sz="1800" dirty="0" err="1"/>
+              <a:t>ako</a:t>
+            </a:r>
+            <a:r>
+              <a:rPr lang="en-US" sz="1800" dirty="0"/>
+              <a:t> je </a:t>
+            </a:r>
+            <a:r>
+              <a:rPr lang="sr-Latn-ME" sz="1800" dirty="0"/>
+              <a:t>šum prevelik</a:t>
+            </a:r>
+            <a:r>
+              <a:rPr lang="en-US" sz="1800" dirty="0"/>
+              <a:t>.</a:t>
+            </a:r>
+          </a:p>
+          <a:p>
+            <a:r>
+              <a:rPr lang="en-US" sz="1800" b="1" dirty="0"/>
+              <a:t>Watts–</a:t>
+            </a:r>
+            <a:r>
+              <a:rPr lang="en-US" sz="1800" b="1" dirty="0" err="1"/>
+              <a:t>Strogatz</a:t>
+            </a:r>
+            <a:r>
+              <a:rPr lang="en-US" sz="1800" b="1" dirty="0"/>
+              <a:t>:</a:t>
+            </a:r>
+            <a:endParaRPr lang="en-US" sz="1800" dirty="0"/>
+          </a:p>
+          <a:p>
+            <a:r>
+              <a:rPr lang="en-US" sz="1800" dirty="0" err="1"/>
+              <a:t>Blizu</a:t>
+            </a:r>
+            <a:r>
+              <a:rPr lang="en-US" sz="1800" dirty="0"/>
+              <a:t> ER, </a:t>
+            </a:r>
+            <a:r>
+              <a:rPr lang="en-US" sz="1800" dirty="0" err="1"/>
+              <a:t>ali</a:t>
+            </a:r>
+            <a:r>
+              <a:rPr lang="en-US" sz="1800" dirty="0"/>
+              <a:t> se </a:t>
+            </a:r>
+            <a:r>
+              <a:rPr lang="en-US" sz="1800" dirty="0" err="1"/>
+              <a:t>ponašanje</a:t>
+            </a:r>
+            <a:r>
+              <a:rPr lang="en-US" sz="1800" dirty="0"/>
+              <a:t> </a:t>
+            </a:r>
+            <a:r>
+              <a:rPr lang="en-US" sz="1800" dirty="0" err="1"/>
+              <a:t>razlikuje</a:t>
+            </a:r>
+            <a:r>
+              <a:rPr lang="en-US" sz="1800" dirty="0"/>
+              <a:t> u </a:t>
+            </a:r>
+            <a:r>
+              <a:rPr lang="en-US" sz="1800" dirty="0" err="1"/>
+              <a:t>zavisnosti</a:t>
+            </a:r>
+            <a:r>
+              <a:rPr lang="en-US" sz="1800" dirty="0"/>
+              <a:t> od </a:t>
+            </a:r>
+            <a:r>
+              <a:rPr lang="en-US" sz="1800" dirty="0" err="1"/>
+              <a:t>parametra</a:t>
+            </a:r>
+            <a:r>
+              <a:rPr lang="en-US" sz="1800" dirty="0"/>
+              <a:t> </a:t>
+            </a:r>
+            <a:r>
+              <a:rPr lang="en-US" dirty="0"/>
+              <a:t>p</a:t>
+            </a:r>
+            <a:r>
+              <a:rPr lang="en-US" sz="1800" dirty="0"/>
+              <a:t> (rewiring-a).</a:t>
+            </a:r>
+          </a:p>
+          <a:p>
+            <a:r>
+              <a:rPr lang="en-US" sz="1800" dirty="0"/>
+              <a:t>Kada je </a:t>
+            </a:r>
+            <a:r>
+              <a:rPr lang="en-US" dirty="0"/>
+              <a:t>p</a:t>
+            </a:r>
+            <a:r>
+              <a:rPr lang="en-US" sz="1800" dirty="0"/>
+              <a:t> </a:t>
+            </a:r>
+            <a:r>
+              <a:rPr lang="en-US" sz="1800" dirty="0" err="1"/>
+              <a:t>veći</a:t>
+            </a:r>
+            <a:r>
+              <a:rPr lang="en-US" sz="1800" dirty="0"/>
+              <a:t> (</a:t>
+            </a:r>
+            <a:r>
+              <a:rPr lang="en-US" sz="1800" dirty="0" err="1"/>
+              <a:t>npr</a:t>
+            </a:r>
+            <a:r>
+              <a:rPr lang="en-US" sz="1800" dirty="0"/>
+              <a:t>. </a:t>
+            </a:r>
+            <a:r>
+              <a:rPr lang="en-US" dirty="0"/>
+              <a:t>0.2</a:t>
+            </a:r>
+            <a:r>
+              <a:rPr lang="en-US" sz="1800" dirty="0"/>
+              <a:t>), </a:t>
+            </a:r>
+            <a:r>
+              <a:rPr lang="en-US" sz="1800" dirty="0" err="1"/>
+              <a:t>postiže</a:t>
+            </a:r>
+            <a:r>
+              <a:rPr lang="en-US" sz="1800" dirty="0"/>
+              <a:t> se </a:t>
+            </a:r>
+            <a:r>
+              <a:rPr lang="en-US" sz="1800" dirty="0" err="1"/>
+              <a:t>bolji</a:t>
+            </a:r>
+            <a:r>
+              <a:rPr lang="en-US" sz="1800" dirty="0"/>
+              <a:t> </a:t>
+            </a:r>
+            <a:r>
+              <a:rPr lang="en-US" sz="1800" dirty="0" err="1"/>
+              <a:t>kompromis</a:t>
+            </a:r>
+            <a:r>
+              <a:rPr lang="en-US" sz="1800" dirty="0"/>
+              <a:t> </a:t>
+            </a:r>
+            <a:r>
+              <a:rPr lang="en-US" sz="1800" dirty="0" err="1"/>
+              <a:t>između</a:t>
+            </a:r>
+            <a:r>
+              <a:rPr lang="en-US" sz="1800" dirty="0"/>
+              <a:t> </a:t>
+            </a:r>
+            <a:r>
+              <a:rPr lang="en-US" sz="1800" dirty="0" err="1"/>
+              <a:t>lokalne</a:t>
+            </a:r>
+            <a:r>
+              <a:rPr lang="en-US" sz="1800" dirty="0"/>
+              <a:t> </a:t>
+            </a:r>
+            <a:r>
+              <a:rPr lang="en-US" sz="1800" dirty="0" err="1"/>
+              <a:t>i</a:t>
+            </a:r>
+            <a:r>
+              <a:rPr lang="en-US" sz="1800" dirty="0"/>
+              <a:t> </a:t>
+            </a:r>
+            <a:r>
+              <a:rPr lang="en-US" sz="1800" dirty="0" err="1"/>
+              <a:t>globalne</a:t>
+            </a:r>
+            <a:r>
+              <a:rPr lang="en-US" sz="1800" dirty="0"/>
+              <a:t> </a:t>
+            </a:r>
+            <a:r>
+              <a:rPr lang="en-US" sz="1800" dirty="0" err="1"/>
+              <a:t>povezanosti</a:t>
+            </a:r>
+            <a:r>
+              <a:rPr lang="en-US" sz="1800" dirty="0"/>
+              <a:t>.</a:t>
+            </a:r>
+          </a:p>
+          <a:p>
+            <a:r>
+              <a:rPr lang="en-US" sz="1800" b="1" dirty="0" err="1"/>
+              <a:t>Barabasi</a:t>
+            </a:r>
+            <a:r>
+              <a:rPr lang="en-US" sz="1800" b="1" dirty="0"/>
+              <a:t> Albert:</a:t>
+            </a:r>
+            <a:endParaRPr lang="en-US" sz="1800" dirty="0"/>
+          </a:p>
+          <a:p>
+            <a:r>
+              <a:rPr lang="en-US" sz="1800" dirty="0"/>
+              <a:t>Daje </a:t>
+            </a:r>
+            <a:r>
+              <a:rPr lang="en-US" sz="1800" dirty="0" err="1"/>
+              <a:t>solidne</a:t>
+            </a:r>
+            <a:r>
+              <a:rPr lang="en-US" sz="1800" dirty="0"/>
+              <a:t> </a:t>
+            </a:r>
+            <a:r>
+              <a:rPr lang="en-US" sz="1800" dirty="0" err="1"/>
+              <a:t>rezultate</a:t>
+            </a:r>
+            <a:r>
+              <a:rPr lang="en-US" sz="1800" dirty="0"/>
+              <a:t> </a:t>
+            </a:r>
+            <a:r>
+              <a:rPr lang="en-US" sz="1800" dirty="0" err="1"/>
+              <a:t>kod</a:t>
+            </a:r>
+            <a:r>
+              <a:rPr lang="en-US" sz="1800" dirty="0"/>
+              <a:t> </a:t>
+            </a:r>
+            <a:r>
+              <a:rPr lang="en-US" sz="1800" dirty="0" err="1"/>
+              <a:t>Metropolisa</a:t>
+            </a:r>
+            <a:r>
+              <a:rPr lang="en-US" sz="1800" dirty="0"/>
+              <a:t>, </a:t>
+            </a:r>
+            <a:r>
+              <a:rPr lang="en-US" sz="1800" dirty="0" err="1"/>
+              <a:t>ali</a:t>
+            </a:r>
+            <a:r>
+              <a:rPr lang="en-US" sz="1800" dirty="0"/>
+              <a:t> </a:t>
+            </a:r>
+            <a:r>
+              <a:rPr lang="en-US" sz="1800" dirty="0" err="1"/>
+              <a:t>varijabilnost</a:t>
+            </a:r>
+            <a:r>
+              <a:rPr lang="en-US" sz="1800" dirty="0"/>
+              <a:t> </a:t>
+            </a:r>
+            <a:r>
+              <a:rPr lang="en-US" sz="1800" dirty="0" err="1"/>
+              <a:t>može</a:t>
+            </a:r>
+            <a:r>
+              <a:rPr lang="en-US" sz="1800" dirty="0"/>
+              <a:t> </a:t>
+            </a:r>
+            <a:r>
+              <a:rPr lang="en-US" sz="1800" dirty="0" err="1"/>
+              <a:t>biti</a:t>
+            </a:r>
+            <a:r>
+              <a:rPr lang="en-US" sz="1800" dirty="0"/>
+              <a:t> </a:t>
+            </a:r>
+            <a:r>
+              <a:rPr lang="en-US" sz="1800" dirty="0" err="1"/>
+              <a:t>velika</a:t>
+            </a:r>
+            <a:r>
+              <a:rPr lang="en-US" sz="1800" dirty="0"/>
+              <a:t> </a:t>
+            </a:r>
+            <a:r>
+              <a:rPr lang="en-US" sz="1800" dirty="0" err="1"/>
+              <a:t>zbog</a:t>
+            </a:r>
+            <a:r>
+              <a:rPr lang="en-US" sz="1800" dirty="0"/>
+              <a:t> </a:t>
+            </a:r>
+            <a:r>
+              <a:rPr lang="en-US" sz="1800" dirty="0" err="1"/>
+              <a:t>centralizacije</a:t>
+            </a:r>
+            <a:r>
+              <a:rPr lang="en-US" sz="1800" dirty="0"/>
+              <a:t>.</a:t>
+            </a:r>
+          </a:p>
+          <a:p>
+            <a:r>
+              <a:rPr lang="en-US" sz="1800" dirty="0"/>
+              <a:t>Nije </a:t>
+            </a:r>
+            <a:r>
+              <a:rPr lang="en-US" sz="1800" dirty="0" err="1"/>
+              <a:t>idealan</a:t>
+            </a:r>
+            <a:r>
+              <a:rPr lang="en-US" sz="1800" dirty="0"/>
+              <a:t> </a:t>
+            </a:r>
+            <a:r>
+              <a:rPr lang="en-US" sz="1800" dirty="0" err="1"/>
+              <a:t>kod</a:t>
+            </a:r>
+            <a:r>
+              <a:rPr lang="en-US" sz="1800" dirty="0"/>
+              <a:t> gossip </a:t>
+            </a:r>
+            <a:r>
+              <a:rPr lang="en-US" sz="1800" dirty="0" err="1"/>
+              <a:t>protokola</a:t>
+            </a:r>
+            <a:r>
+              <a:rPr lang="en-US" sz="1800" dirty="0"/>
+              <a:t>.</a:t>
             </a:r>
           </a:p>
         </p:txBody>
@@ -12531,7 +13379,7 @@
           <p:cNvPr id="5" name="Slide Number Placeholder 4">
             <a:extLst>
               <a:ext uri="{FF2B5EF4-FFF2-40B4-BE49-F238E27FC236}">
-                <a16:creationId xmlns:a16="http://schemas.microsoft.com/office/drawing/2014/main" id="{1DDD930B-FB1B-543D-6828-8C31F30BBD28}"/>
+                <a16:creationId xmlns:a16="http://schemas.microsoft.com/office/drawing/2014/main" id="{1D9E50D5-1C65-382E-A575-494E3485B6BF}"/>
               </a:ext>
             </a:extLst>
           </p:cNvPr>
@@ -12561,38 +13409,10 @@
           </a:p>
         </p:txBody>
       </p:sp>
-      <p:pic>
-        <p:nvPicPr>
-          <p:cNvPr id="18" name="Picture Placeholder 17" descr="Two people looking at their phones">
-            <a:extLst>
-              <a:ext uri="{FF2B5EF4-FFF2-40B4-BE49-F238E27FC236}">
-                <a16:creationId xmlns:a16="http://schemas.microsoft.com/office/drawing/2014/main" id="{1609D79A-E8EF-302E-E8CA-07C644CE0E0F}"/>
-              </a:ext>
-            </a:extLst>
-          </p:cNvPr>
-          <p:cNvPicPr>
-            <a:picLocks noGrp="1" noChangeAspect="1"/>
-          </p:cNvPicPr>
-          <p:nvPr>
-            <p:ph type="pic" sz="quarter" idx="11"/>
-          </p:nvPr>
-        </p:nvPicPr>
-        <p:blipFill>
-          <a:blip r:embed="rId3"/>
-          <a:srcRect l="81" r="81"/>
-          <a:stretch/>
-        </p:blipFill>
-        <p:spPr>
-          <a:xfrm>
-            <a:off x="6076950" y="0"/>
-            <a:ext cx="6115050" cy="6868886"/>
-          </a:xfrm>
-        </p:spPr>
-      </p:pic>
     </p:spTree>
     <p:extLst>
       <p:ext uri="{BB962C8B-B14F-4D97-AF65-F5344CB8AC3E}">
-        <p14:creationId xmlns:p14="http://schemas.microsoft.com/office/powerpoint/2010/main" val="1517447069"/>
+        <p14:creationId xmlns:p14="http://schemas.microsoft.com/office/powerpoint/2010/main" val="2568159769"/>
       </p:ext>
     </p:extLst>
   </p:cSld>
@@ -13394,15 +14214,6 @@
 </file>
 
 <file path=customXml/item1.xml><?xml version="1.0" encoding="utf-8"?>
-<?mso-contentType ?>
-<FormTemplates xmlns="http://schemas.microsoft.com/sharepoint/v3/contenttype/forms">
-  <Display>DocumentLibraryForm</Display>
-  <Edit>DocumentLibraryForm</Edit>
-  <New>DocumentLibraryForm</New>
-</FormTemplates>
-</file>
-
-<file path=customXml/item2.xml><?xml version="1.0" encoding="utf-8"?>
 <ct:contentTypeSchema xmlns:ct="http://schemas.microsoft.com/office/2006/metadata/contentType" xmlns:ma="http://schemas.microsoft.com/office/2006/metadata/properties/metaAttributes" ct:_="" ma:_="" ma:contentTypeName="Document" ma:contentTypeID="0x01010079F111ED35F8CC479449609E8A0923A6" ma:contentTypeVersion="28" ma:contentTypeDescription="Create a new document." ma:contentTypeScope="" ma:versionID="60f5a4f2d2b0abadcf532d48ebf9cb71">
   <xsd:schema xmlns:xsd="http://www.w3.org/2001/XMLSchema" xmlns:xs="http://www.w3.org/2001/XMLSchema" xmlns:p="http://schemas.microsoft.com/office/2006/metadata/properties" xmlns:ns1="http://schemas.microsoft.com/sharepoint/v3" xmlns:ns2="71af3243-3dd4-4a8d-8c0d-dd76da1f02a5" xmlns:ns3="16c05727-aa75-4e4a-9b5f-8a80a1165891" xmlns:ns4="230e9df3-be65-4c73-a93b-d1236ebd677e" targetNamespace="http://schemas.microsoft.com/office/2006/metadata/properties" ma:root="true" ma:fieldsID="7dd78129e6a1811f84807ad11c651531" ns1:_="" ns2:_="" ns3:_="" ns4:_="">
     <xsd:import namespace="http://schemas.microsoft.com/sharepoint/v3"/>
@@ -13714,6 +14525,15 @@
 </ct:contentTypeSchema>
 </file>
 
+<file path=customXml/item2.xml><?xml version="1.0" encoding="utf-8"?>
+<?mso-contentType ?>
+<FormTemplates xmlns="http://schemas.microsoft.com/sharepoint/v3/contenttype/forms">
+  <Display>DocumentLibraryForm</Display>
+  <Edit>DocumentLibraryForm</Edit>
+  <New>DocumentLibraryForm</New>
+</FormTemplates>
+</file>
+
 <file path=customXml/item3.xml><?xml version="1.0" encoding="utf-8"?>
 <p:properties xmlns:p="http://schemas.microsoft.com/office/2006/metadata/properties" xmlns:xsi="http://www.w3.org/2001/XMLSchema-instance" xmlns:pc="http://schemas.microsoft.com/office/infopath/2007/PartnerControls">
   <documentManagement>
@@ -13735,14 +14555,6 @@
 </file>
 
 <file path=customXml/itemProps1.xml><?xml version="1.0" encoding="utf-8"?>
-<ds:datastoreItem xmlns:ds="http://schemas.openxmlformats.org/officeDocument/2006/customXml" ds:itemID="{B7B39BD0-040C-43BE-B0E4-512B09E8003F}">
-  <ds:schemaRefs>
-    <ds:schemaRef ds:uri="http://schemas.microsoft.com/sharepoint/v3/contenttype/forms"/>
-  </ds:schemaRefs>
-</ds:datastoreItem>
-</file>
-
-<file path=customXml/itemProps2.xml><?xml version="1.0" encoding="utf-8"?>
 <ds:datastoreItem xmlns:ds="http://schemas.openxmlformats.org/officeDocument/2006/customXml" ds:itemID="{622457D9-12AC-4794-A05E-F1B90FCD8DA7}">
   <ds:schemaRefs>
     <ds:schemaRef ds:uri="http://schemas.microsoft.com/office/2006/metadata/contentType"/>
@@ -13763,6 +14575,14 @@
 </ds:datastoreItem>
 </file>
 
+<file path=customXml/itemProps2.xml><?xml version="1.0" encoding="utf-8"?>
+<ds:datastoreItem xmlns:ds="http://schemas.openxmlformats.org/officeDocument/2006/customXml" ds:itemID="{B7B39BD0-040C-43BE-B0E4-512B09E8003F}">
+  <ds:schemaRefs>
+    <ds:schemaRef ds:uri="http://schemas.microsoft.com/sharepoint/v3/contenttype/forms"/>
+  </ds:schemaRefs>
+</ds:datastoreItem>
+</file>
+
 <file path=customXml/itemProps3.xml><?xml version="1.0" encoding="utf-8"?>
 <ds:datastoreItem xmlns:ds="http://schemas.openxmlformats.org/officeDocument/2006/customXml" ds:itemID="{AB045227-5724-4DBF-9712-031B1BFB2C3C}">
   <ds:schemaRefs>
